--- a/project-presentation.pptx
+++ b/project-presentation.pptx
@@ -5,7 +5,7 @@
     <p:sldMasterId id="2147483648" r:id="rId1"/>
   </p:sldMasterIdLst>
   <p:notesMasterIdLst>
-    <p:notesMasterId r:id="rId39"/>
+    <p:notesMasterId r:id="rId42"/>
   </p:notesMasterIdLst>
   <p:sldIdLst>
     <p:sldId id="256" r:id="rId2"/>
@@ -19,32 +19,35 @@
     <p:sldId id="325" r:id="rId10"/>
     <p:sldId id="307" r:id="rId11"/>
     <p:sldId id="326" r:id="rId12"/>
-    <p:sldId id="343" r:id="rId13"/>
-    <p:sldId id="300" r:id="rId14"/>
-    <p:sldId id="327" r:id="rId15"/>
-    <p:sldId id="328" r:id="rId16"/>
-    <p:sldId id="342" r:id="rId17"/>
-    <p:sldId id="301" r:id="rId18"/>
-    <p:sldId id="319" r:id="rId19"/>
-    <p:sldId id="340" r:id="rId20"/>
-    <p:sldId id="303" r:id="rId21"/>
-    <p:sldId id="341" r:id="rId22"/>
-    <p:sldId id="306" r:id="rId23"/>
-    <p:sldId id="302" r:id="rId24"/>
-    <p:sldId id="323" r:id="rId25"/>
-    <p:sldId id="335" r:id="rId26"/>
-    <p:sldId id="336" r:id="rId27"/>
-    <p:sldId id="337" r:id="rId28"/>
-    <p:sldId id="338" r:id="rId29"/>
-    <p:sldId id="339" r:id="rId30"/>
-    <p:sldId id="334" r:id="rId31"/>
-    <p:sldId id="304" r:id="rId32"/>
-    <p:sldId id="330" r:id="rId33"/>
-    <p:sldId id="331" r:id="rId34"/>
-    <p:sldId id="332" r:id="rId35"/>
-    <p:sldId id="305" r:id="rId36"/>
-    <p:sldId id="329" r:id="rId37"/>
-    <p:sldId id="333" r:id="rId38"/>
+    <p:sldId id="345" r:id="rId13"/>
+    <p:sldId id="343" r:id="rId14"/>
+    <p:sldId id="300" r:id="rId15"/>
+    <p:sldId id="327" r:id="rId16"/>
+    <p:sldId id="328" r:id="rId17"/>
+    <p:sldId id="342" r:id="rId18"/>
+    <p:sldId id="301" r:id="rId19"/>
+    <p:sldId id="319" r:id="rId20"/>
+    <p:sldId id="346" r:id="rId21"/>
+    <p:sldId id="340" r:id="rId22"/>
+    <p:sldId id="303" r:id="rId23"/>
+    <p:sldId id="347" r:id="rId24"/>
+    <p:sldId id="341" r:id="rId25"/>
+    <p:sldId id="306" r:id="rId26"/>
+    <p:sldId id="302" r:id="rId27"/>
+    <p:sldId id="323" r:id="rId28"/>
+    <p:sldId id="335" r:id="rId29"/>
+    <p:sldId id="336" r:id="rId30"/>
+    <p:sldId id="337" r:id="rId31"/>
+    <p:sldId id="338" r:id="rId32"/>
+    <p:sldId id="339" r:id="rId33"/>
+    <p:sldId id="334" r:id="rId34"/>
+    <p:sldId id="304" r:id="rId35"/>
+    <p:sldId id="330" r:id="rId36"/>
+    <p:sldId id="331" r:id="rId37"/>
+    <p:sldId id="332" r:id="rId38"/>
+    <p:sldId id="305" r:id="rId39"/>
+    <p:sldId id="329" r:id="rId40"/>
+    <p:sldId id="333" r:id="rId41"/>
   </p:sldIdLst>
   <p:sldSz cx="12192000" cy="6858000"/>
   <p:notesSz cx="6858000" cy="9144000"/>
@@ -837,7 +840,7 @@
           <a:p>
             <a:fld id="{6A2EE0E5-999F-FB48-B8EB-A3E963776233}" type="slidenum">
               <a:rPr lang="en-US" smtClean="0"/>
-              <a:t>12</a:t>
+              <a:t>13</a:t>
             </a:fld>
             <a:endParaRPr lang="en-US"/>
           </a:p>
@@ -924,7 +927,7 @@
           <a:p>
             <a:fld id="{6A2EE0E5-999F-FB48-B8EB-A3E963776233}" type="slidenum">
               <a:rPr lang="en-US" smtClean="0"/>
-              <a:t>16</a:t>
+              <a:t>17</a:t>
             </a:fld>
             <a:endParaRPr lang="en-US"/>
           </a:p>
@@ -1011,7 +1014,7 @@
           <a:p>
             <a:fld id="{6A2EE0E5-999F-FB48-B8EB-A3E963776233}" type="slidenum">
               <a:rPr lang="en-US" smtClean="0"/>
-              <a:t>19</a:t>
+              <a:t>21</a:t>
             </a:fld>
             <a:endParaRPr lang="en-US"/>
           </a:p>
@@ -1098,7 +1101,7 @@
           <a:p>
             <a:fld id="{6A2EE0E5-999F-FB48-B8EB-A3E963776233}" type="slidenum">
               <a:rPr lang="en-US" smtClean="0"/>
-              <a:t>22</a:t>
+              <a:t>25</a:t>
             </a:fld>
             <a:endParaRPr lang="en-US"/>
           </a:p>
@@ -1185,7 +1188,7 @@
           <a:p>
             <a:fld id="{6A2EE0E5-999F-FB48-B8EB-A3E963776233}" type="slidenum">
               <a:rPr lang="en-US" smtClean="0"/>
-              <a:t>30</a:t>
+              <a:t>33</a:t>
             </a:fld>
             <a:endParaRPr lang="en-US"/>
           </a:p>
@@ -1272,7 +1275,7 @@
           <a:p>
             <a:fld id="{6A2EE0E5-999F-FB48-B8EB-A3E963776233}" type="slidenum">
               <a:rPr lang="en-US" smtClean="0"/>
-              <a:t>37</a:t>
+              <a:t>40</a:t>
             </a:fld>
             <a:endParaRPr lang="en-US"/>
           </a:p>
@@ -5091,6 +5094,15 @@
           <a:lstStyle/>
           <a:p>
             <a:r>
+              <a:rPr lang="en" dirty="0">
+                <a:latin typeface="Nunito"/>
+                <a:ea typeface="Nunito"/>
+                <a:cs typeface="Nunito"/>
+                <a:sym typeface="Nunito"/>
+              </a:rPr>
+              <a:t>Source : </a:t>
+            </a:r>
+            <a:r>
               <a:rPr lang="en-US" sz="1000" dirty="0">
                 <a:hlinkClick r:id="rId2"/>
               </a:rPr>
@@ -5349,6 +5361,15 @@
           <a:bodyPr/>
           <a:lstStyle/>
           <a:p>
+            <a:r>
+              <a:rPr lang="en" dirty="0">
+                <a:latin typeface="Nunito"/>
+                <a:ea typeface="Nunito"/>
+                <a:cs typeface="Nunito"/>
+                <a:sym typeface="Nunito"/>
+              </a:rPr>
+              <a:t>Source : </a:t>
+            </a:r>
             <a:r>
               <a:rPr lang="en-US" sz="1000" dirty="0">
                 <a:hlinkClick r:id="rId2"/>
@@ -5631,86 +5652,6 @@
       </p:grpSpPr>
       <p:sp>
         <p:nvSpPr>
-          <p:cNvPr id="2" name="Title 1">
-            <a:extLst>
-              <a:ext uri="{FF2B5EF4-FFF2-40B4-BE49-F238E27FC236}">
-                <a16:creationId xmlns:a16="http://schemas.microsoft.com/office/drawing/2014/main" id="{91556312-D863-0258-95A6-3C3D9EFE4F0C}"/>
-              </a:ext>
-            </a:extLst>
-          </p:cNvPr>
-          <p:cNvSpPr>
-            <a:spLocks noGrp="1"/>
-          </p:cNvSpPr>
-          <p:nvPr>
-            <p:ph type="ctrTitle"/>
-          </p:nvPr>
-        </p:nvSpPr>
-        <p:spPr>
-          <a:xfrm>
-            <a:off x="578426" y="2356506"/>
-            <a:ext cx="11035147" cy="2144988"/>
-          </a:xfrm>
-        </p:spPr>
-        <p:txBody>
-          <a:bodyPr anchor="ctr">
-            <a:normAutofit/>
-          </a:bodyPr>
-          <a:lstStyle/>
-          <a:p>
-            <a:r>
-              <a:rPr lang="en-US" sz="4400" b="1" dirty="0">
-                <a:solidFill>
-                  <a:schemeClr val="tx2"/>
-                </a:solidFill>
-                <a:latin typeface="SF Compact Rounded Heavy" pitchFamily="2" charset="77"/>
-                <a:ea typeface="SF Pro Display" pitchFamily="2" charset="0"/>
-                <a:cs typeface="Nirmala Text" panose="020B0604020202020204" pitchFamily="34" charset="0"/>
-              </a:rPr>
-              <a:t>Dataset and Features</a:t>
-            </a:r>
-            <a:endParaRPr lang="en-US" sz="2400" b="1" dirty="0">
-              <a:solidFill>
-                <a:schemeClr val="tx2"/>
-              </a:solidFill>
-              <a:latin typeface="SF Compact Rounded Heavy" pitchFamily="2" charset="77"/>
-              <a:ea typeface="SF Pro Display" pitchFamily="2" charset="0"/>
-              <a:cs typeface="Nirmala Text" panose="020B0604020202020204" pitchFamily="34" charset="0"/>
-            </a:endParaRPr>
-          </a:p>
-        </p:txBody>
-      </p:sp>
-    </p:spTree>
-    <p:extLst>
-      <p:ext uri="{BB962C8B-B14F-4D97-AF65-F5344CB8AC3E}">
-        <p14:creationId xmlns:p14="http://schemas.microsoft.com/office/powerpoint/2010/main" val="3920112660"/>
-      </p:ext>
-    </p:extLst>
-  </p:cSld>
-  <p:clrMapOvr>
-    <a:masterClrMapping/>
-  </p:clrMapOvr>
-</p:sld>
-</file>
-
-<file path=ppt/slides/slide13.xml><?xml version="1.0" encoding="utf-8"?>
-<p:sld xmlns:a="http://schemas.openxmlformats.org/drawingml/2006/main" xmlns:r="http://schemas.openxmlformats.org/officeDocument/2006/relationships" xmlns:p="http://schemas.openxmlformats.org/presentationml/2006/main">
-  <p:cSld>
-    <p:spTree>
-      <p:nvGrpSpPr>
-        <p:cNvPr id="1" name=""/>
-        <p:cNvGrpSpPr/>
-        <p:nvPr/>
-      </p:nvGrpSpPr>
-      <p:grpSpPr>
-        <a:xfrm>
-          <a:off x="0" y="0"/>
-          <a:ext cx="0" cy="0"/>
-          <a:chOff x="0" y="0"/>
-          <a:chExt cx="0" cy="0"/>
-        </a:xfrm>
-      </p:grpSpPr>
-      <p:sp>
-        <p:nvSpPr>
           <p:cNvPr id="2" name="Text Placeholder 1">
             <a:extLst>
               <a:ext uri="{FF2B5EF4-FFF2-40B4-BE49-F238E27FC236}">
@@ -5730,7 +5671,106 @@
           <a:bodyPr/>
           <a:lstStyle/>
           <a:p>
-            <a:endParaRPr lang="en-US"/>
+            <a:r>
+              <a:rPr lang="en" dirty="0">
+                <a:latin typeface="Nunito"/>
+                <a:ea typeface="Nunito"/>
+                <a:cs typeface="Nunito"/>
+                <a:sym typeface="Nunito"/>
+              </a:rPr>
+              <a:t>Source : [6] Chris Wright (2012) </a:t>
+            </a:r>
+            <a:r>
+              <a:rPr lang="en" sz="1000" dirty="0">
+                <a:latin typeface="Nunito"/>
+                <a:ea typeface="Nunito"/>
+                <a:cs typeface="Nunito"/>
+                <a:sym typeface="Nunito"/>
+              </a:rPr>
+              <a:t> | [</a:t>
+            </a:r>
+            <a:r>
+              <a:rPr lang="en" dirty="0">
+                <a:latin typeface="Nunito"/>
+                <a:ea typeface="Nunito"/>
+                <a:cs typeface="Nunito"/>
+                <a:sym typeface="Nunito"/>
+              </a:rPr>
+              <a:t>7</a:t>
+            </a:r>
+            <a:r>
+              <a:rPr lang="en" sz="1000" dirty="0">
+                <a:latin typeface="Nunito"/>
+                <a:ea typeface="Nunito"/>
+                <a:cs typeface="Nunito"/>
+                <a:sym typeface="Nunito"/>
+              </a:rPr>
+              <a:t>] Tran and </a:t>
+            </a:r>
+            <a:r>
+              <a:rPr lang="en" sz="1000" dirty="0" err="1">
+                <a:latin typeface="Nunito"/>
+                <a:ea typeface="Nunito"/>
+                <a:cs typeface="Nunito"/>
+                <a:sym typeface="Nunito"/>
+              </a:rPr>
+              <a:t>Ginzberg</a:t>
+            </a:r>
+            <a:r>
+              <a:rPr lang="en" sz="1000" dirty="0">
+                <a:latin typeface="Nunito"/>
+                <a:ea typeface="Nunito"/>
+                <a:cs typeface="Nunito"/>
+                <a:sym typeface="Nunito"/>
+              </a:rPr>
+              <a:t> (2014)  |  [</a:t>
+            </a:r>
+            <a:r>
+              <a:rPr lang="en" dirty="0">
+                <a:latin typeface="Nunito"/>
+                <a:ea typeface="Nunito"/>
+                <a:cs typeface="Nunito"/>
+                <a:sym typeface="Nunito"/>
+              </a:rPr>
+              <a:t>8</a:t>
+            </a:r>
+            <a:r>
+              <a:rPr lang="en" sz="1000" dirty="0">
+                <a:latin typeface="Nunito"/>
+                <a:ea typeface="Nunito"/>
+                <a:cs typeface="Nunito"/>
+                <a:sym typeface="Nunito"/>
+              </a:rPr>
+              <a:t>] Levi Franklin (2014)</a:t>
+            </a:r>
+            <a:r>
+              <a:rPr lang="en" dirty="0">
+                <a:latin typeface="Nunito"/>
+                <a:ea typeface="Nunito"/>
+                <a:cs typeface="Nunito"/>
+                <a:sym typeface="Nunito"/>
+              </a:rPr>
+              <a:t>  |  [9] Kocher and </a:t>
+            </a:r>
+            <a:r>
+              <a:rPr lang="en" dirty="0" err="1">
+                <a:latin typeface="Nunito"/>
+                <a:ea typeface="Nunito"/>
+                <a:cs typeface="Nunito"/>
+                <a:sym typeface="Nunito"/>
+              </a:rPr>
+              <a:t>Hoblin</a:t>
+            </a:r>
+            <a:r>
+              <a:rPr lang="en" dirty="0">
+                <a:latin typeface="Nunito"/>
+                <a:ea typeface="Nunito"/>
+                <a:cs typeface="Nunito"/>
+                <a:sym typeface="Nunito"/>
+              </a:rPr>
+              <a:t> (2018)</a:t>
+            </a:r>
+            <a:endParaRPr lang="en-US" dirty="0"/>
           </a:p>
         </p:txBody>
       </p:sp>
@@ -5764,21 +5804,12 @@
           <a:p>
             <a:r>
               <a:rPr lang="en-US" dirty="0"/>
-              <a:t>Dataset and Features</a:t>
+              <a:t>Introduction</a:t>
             </a:r>
             <a:r>
               <a:rPr lang="en-US" b="0" dirty="0"/>
-              <a:t> – </a:t>
-            </a:r>
-            <a:r>
-              <a:rPr lang="en-US" b="1" dirty="0">
-                <a:solidFill>
-                  <a:srgbClr val="0070C0"/>
-                </a:solidFill>
-              </a:rPr>
-              <a:t>Data Section 1 Main Files</a:t>
-            </a:r>
-            <a:endParaRPr lang="en-US" b="0" dirty="0"/>
+              <a:t> – Related Work</a:t>
+            </a:r>
           </a:p>
         </p:txBody>
       </p:sp>
@@ -5801,278 +5832,250 @@
         <p:spPr>
           <a:xfrm>
             <a:off x="841248" y="1207008"/>
-            <a:ext cx="10766655" cy="4969565"/>
+            <a:ext cx="10504085" cy="4969565"/>
           </a:xfrm>
         </p:spPr>
         <p:txBody>
           <a:bodyPr>
-            <a:noAutofit/>
+            <a:normAutofit/>
           </a:bodyPr>
           <a:lstStyle/>
           <a:p>
-            <a:r>
-              <a:rPr lang="en-US" b="1" dirty="0"/>
-              <a:t>Seasons :</a:t>
-            </a:r>
-            <a:r>
-              <a:rPr lang="en-US" dirty="0"/>
-              <a:t>  Season, </a:t>
-            </a:r>
-            <a:r>
-              <a:rPr lang="en-US" dirty="0" err="1"/>
-              <a:t>DayZero</a:t>
-            </a:r>
-            <a:r>
-              <a:rPr lang="en-US" dirty="0"/>
-              <a:t>, </a:t>
-            </a:r>
-            <a:r>
-              <a:rPr lang="en-US" dirty="0" err="1"/>
-              <a:t>RegionW</a:t>
-            </a:r>
-            <a:r>
-              <a:rPr lang="en-US" dirty="0"/>
-              <a:t>, </a:t>
-            </a:r>
-            <a:r>
-              <a:rPr lang="en-US" dirty="0" err="1"/>
-              <a:t>RegionX</a:t>
-            </a:r>
-            <a:r>
-              <a:rPr lang="en-US" dirty="0"/>
-              <a:t>, Region Y, Region Z</a:t>
-            </a:r>
-          </a:p>
-          <a:p>
-            <a:r>
-              <a:rPr lang="en-US" b="1" dirty="0"/>
-              <a:t>Teams :</a:t>
-            </a:r>
-            <a:r>
-              <a:rPr lang="en-US" dirty="0"/>
-              <a:t>  </a:t>
-            </a:r>
-            <a:r>
-              <a:rPr lang="en-US" dirty="0" err="1"/>
-              <a:t>TeamID</a:t>
-            </a:r>
-            <a:r>
-              <a:rPr lang="en-US" dirty="0"/>
-              <a:t>, </a:t>
-            </a:r>
-            <a:r>
-              <a:rPr lang="en-US" dirty="0" err="1"/>
-              <a:t>TeamName</a:t>
-            </a:r>
-            <a:r>
-              <a:rPr lang="en-US" dirty="0"/>
-              <a:t>, FirstD1Season, LastD1Season</a:t>
-            </a:r>
-          </a:p>
-          <a:p>
-            <a:r>
-              <a:rPr lang="en-US" b="1" dirty="0"/>
-              <a:t>Regular Season Detailed Results :</a:t>
-            </a:r>
-            <a:r>
-              <a:rPr lang="en-US" dirty="0"/>
-              <a:t>  Season, </a:t>
-            </a:r>
-            <a:r>
-              <a:rPr lang="en-US" dirty="0" err="1"/>
-              <a:t>DayNum</a:t>
-            </a:r>
-            <a:r>
-              <a:rPr lang="en-US" dirty="0"/>
-              <a:t>, </a:t>
-            </a:r>
-            <a:r>
-              <a:rPr lang="en-US" dirty="0" err="1"/>
-              <a:t>WTeamID</a:t>
-            </a:r>
-            <a:r>
-              <a:rPr lang="en-US" dirty="0"/>
-              <a:t>, </a:t>
-            </a:r>
-            <a:r>
-              <a:rPr lang="en-US" dirty="0" err="1"/>
-              <a:t>WScore</a:t>
-            </a:r>
-            <a:r>
-              <a:rPr lang="en-US" dirty="0"/>
-              <a:t>, </a:t>
-            </a:r>
-            <a:r>
-              <a:rPr lang="en-US" dirty="0" err="1"/>
-              <a:t>LTeamID</a:t>
-            </a:r>
-            <a:r>
-              <a:rPr lang="en-US" dirty="0"/>
-              <a:t>, </a:t>
-            </a:r>
-            <a:r>
-              <a:rPr lang="en-US" dirty="0" err="1"/>
-              <a:t>LScore</a:t>
-            </a:r>
-            <a:r>
-              <a:rPr lang="en-US" dirty="0"/>
-              <a:t>, </a:t>
-            </a:r>
-            <a:r>
-              <a:rPr lang="en-US" dirty="0" err="1"/>
-              <a:t>WLoc</a:t>
-            </a:r>
-            <a:r>
-              <a:rPr lang="en-US" dirty="0"/>
-              <a:t>, </a:t>
-            </a:r>
-            <a:r>
-              <a:rPr lang="en-US" dirty="0" err="1"/>
-              <a:t>NumOT</a:t>
-            </a:r>
-            <a:r>
-              <a:rPr lang="en-US" dirty="0"/>
-              <a:t>, WFGM, WFGA, WFGM3, WFGA3, WFTM, WFTA, WOR, WDR, </a:t>
-            </a:r>
-            <a:r>
-              <a:rPr lang="en-US" dirty="0" err="1"/>
-              <a:t>WAst</a:t>
-            </a:r>
-            <a:r>
-              <a:rPr lang="en-US" dirty="0"/>
-              <a:t>, WTO, </a:t>
-            </a:r>
-            <a:r>
-              <a:rPr lang="en-US" dirty="0" err="1"/>
-              <a:t>WStl</a:t>
-            </a:r>
-            <a:r>
-              <a:rPr lang="en-US" dirty="0"/>
-              <a:t>, </a:t>
-            </a:r>
-            <a:r>
-              <a:rPr lang="en-US" dirty="0" err="1"/>
-              <a:t>WBlk</a:t>
-            </a:r>
-            <a:r>
-              <a:rPr lang="en-US" dirty="0"/>
-              <a:t>, WPF</a:t>
-            </a:r>
-          </a:p>
-          <a:p>
-            <a:r>
-              <a:rPr lang="en-US" b="1" dirty="0"/>
-              <a:t>Tourney Detailed Results :</a:t>
-            </a:r>
-            <a:r>
-              <a:rPr lang="en-US" dirty="0"/>
-              <a:t>  Season, </a:t>
-            </a:r>
-            <a:r>
-              <a:rPr lang="en-US" dirty="0" err="1"/>
-              <a:t>DayNum</a:t>
-            </a:r>
-            <a:r>
-              <a:rPr lang="en-US" dirty="0"/>
-              <a:t>, </a:t>
-            </a:r>
-            <a:r>
-              <a:rPr lang="en-US" dirty="0" err="1"/>
-              <a:t>WTeamID</a:t>
-            </a:r>
-            <a:r>
-              <a:rPr lang="en-US" dirty="0"/>
-              <a:t>, </a:t>
-            </a:r>
-            <a:r>
-              <a:rPr lang="en-US" dirty="0" err="1"/>
-              <a:t>WScore</a:t>
-            </a:r>
-            <a:r>
-              <a:rPr lang="en-US" dirty="0"/>
-              <a:t>, </a:t>
-            </a:r>
-            <a:r>
-              <a:rPr lang="en-US" dirty="0" err="1"/>
-              <a:t>LTeamID</a:t>
-            </a:r>
-            <a:r>
-              <a:rPr lang="en-US" dirty="0"/>
-              <a:t>, </a:t>
-            </a:r>
-            <a:r>
-              <a:rPr lang="en-US" dirty="0" err="1"/>
-              <a:t>LScore</a:t>
-            </a:r>
-            <a:r>
-              <a:rPr lang="en-US" dirty="0"/>
-              <a:t>, </a:t>
-            </a:r>
-            <a:r>
-              <a:rPr lang="en-US" dirty="0" err="1"/>
-              <a:t>WLoc</a:t>
-            </a:r>
-            <a:r>
-              <a:rPr lang="en-US" dirty="0"/>
-              <a:t>, </a:t>
-            </a:r>
-            <a:r>
-              <a:rPr lang="en-US" dirty="0" err="1"/>
-              <a:t>NumOT</a:t>
-            </a:r>
-            <a:r>
-              <a:rPr lang="en-US" dirty="0"/>
-              <a:t>, WFGM, WFGA, WFGM3, WFGA3, WFTM, WFTA, WOR, WDR, </a:t>
-            </a:r>
-            <a:r>
-              <a:rPr lang="en-US" dirty="0" err="1"/>
-              <a:t>WAst</a:t>
-            </a:r>
-            <a:r>
-              <a:rPr lang="en-US" dirty="0"/>
-              <a:t>, WTO, </a:t>
-            </a:r>
-            <a:r>
-              <a:rPr lang="en-US" dirty="0" err="1"/>
-              <a:t>WStl</a:t>
-            </a:r>
-            <a:r>
-              <a:rPr lang="en-US" dirty="0"/>
-              <a:t>, </a:t>
-            </a:r>
-            <a:r>
-              <a:rPr lang="en-US" dirty="0" err="1"/>
-              <a:t>WBlk</a:t>
-            </a:r>
-            <a:r>
-              <a:rPr lang="en-US" dirty="0"/>
-              <a:t>, WPF</a:t>
-            </a:r>
-          </a:p>
-          <a:p>
-            <a:r>
-              <a:rPr lang="en-US" b="1" dirty="0"/>
-              <a:t>Tourney Seeds :</a:t>
-            </a:r>
-            <a:r>
-              <a:rPr lang="en-US" dirty="0"/>
-              <a:t>  Season, Seed, </a:t>
-            </a:r>
-            <a:r>
-              <a:rPr lang="en-US" dirty="0" err="1"/>
-              <a:t>TeamID</a:t>
-            </a:r>
-            <a:endParaRPr lang="en-US" dirty="0"/>
-          </a:p>
-          <a:p>
-            <a:r>
-              <a:rPr lang="en-US" b="1" dirty="0"/>
-              <a:t>Sample Submission :</a:t>
-            </a:r>
-            <a:r>
-              <a:rPr lang="en-US" dirty="0"/>
-              <a:t>  ID, Pred (e.g. 2018_3181_3314,0.516)</a:t>
-            </a:r>
+            <a:pPr marL="177800" lvl="0" indent="-177800">
+              <a:lnSpc>
+                <a:spcPct val="80000"/>
+              </a:lnSpc>
+              <a:spcBef>
+                <a:spcPts val="800"/>
+              </a:spcBef>
+              <a:buClr>
+                <a:schemeClr val="dk2"/>
+              </a:buClr>
+              <a:buSzPts val="2200"/>
+            </a:pPr>
+            <a:r>
+              <a:rPr lang="en-US" sz="3200" dirty="0">
+                <a:ea typeface="Nunito"/>
+                <a:cs typeface="Nunito"/>
+                <a:sym typeface="Nunito"/>
+              </a:rPr>
+              <a:t>in </a:t>
+            </a:r>
+            <a:r>
+              <a:rPr lang="en-US" sz="3200" b="1" dirty="0">
+                <a:ea typeface="Nunito"/>
+                <a:cs typeface="Nunito"/>
+                <a:sym typeface="Nunito"/>
+              </a:rPr>
+              <a:t>2012</a:t>
+            </a:r>
+            <a:r>
+              <a:rPr lang="en-US" sz="3200" dirty="0">
+                <a:ea typeface="Nunito"/>
+                <a:cs typeface="Nunito"/>
+                <a:sym typeface="Nunito"/>
+              </a:rPr>
+              <a:t>, Chris Wright provided a statistical analysis of predictors for March Madness</a:t>
+            </a:r>
+            <a:r>
+              <a:rPr lang="en-US" sz="3200" baseline="30000" dirty="0">
+                <a:ea typeface="Nunito"/>
+                <a:cs typeface="Nunito"/>
+                <a:sym typeface="Nunito"/>
+              </a:rPr>
+              <a:t> [6]</a:t>
+            </a:r>
+            <a:endParaRPr lang="en-US" sz="3200" dirty="0">
+              <a:ea typeface="Nunito"/>
+              <a:cs typeface="Nunito"/>
+              <a:sym typeface="Nunito"/>
+            </a:endParaRPr>
+          </a:p>
+          <a:p>
+            <a:pPr marL="177800" lvl="0" indent="-177800">
+              <a:lnSpc>
+                <a:spcPct val="80000"/>
+              </a:lnSpc>
+              <a:spcBef>
+                <a:spcPts val="800"/>
+              </a:spcBef>
+              <a:buClr>
+                <a:schemeClr val="dk2"/>
+              </a:buClr>
+              <a:buSzPts val="2200"/>
+            </a:pPr>
+            <a:r>
+              <a:rPr lang="en-US" sz="3200" dirty="0">
+                <a:ea typeface="Nunito"/>
+                <a:cs typeface="Nunito"/>
+                <a:sym typeface="Nunito"/>
+              </a:rPr>
+              <a:t>in </a:t>
+            </a:r>
+            <a:r>
+              <a:rPr lang="en-US" sz="3200" b="1" dirty="0">
+                <a:ea typeface="Nunito"/>
+                <a:cs typeface="Nunito"/>
+                <a:sym typeface="Nunito"/>
+              </a:rPr>
+              <a:t>2014</a:t>
+            </a:r>
+            <a:r>
+              <a:rPr lang="en-US" sz="3200" dirty="0">
+                <a:ea typeface="Nunito"/>
+                <a:cs typeface="Nunito"/>
+                <a:sym typeface="Nunito"/>
+              </a:rPr>
+              <a:t>, Alex Tran and Adam </a:t>
+            </a:r>
+            <a:r>
+              <a:rPr lang="en-US" sz="3200" dirty="0" err="1">
+                <a:ea typeface="Nunito"/>
+                <a:cs typeface="Nunito"/>
+                <a:sym typeface="Nunito"/>
+              </a:rPr>
+              <a:t>Ginzberg</a:t>
+            </a:r>
+            <a:r>
+              <a:rPr lang="en-US" sz="3200" dirty="0">
+                <a:ea typeface="Nunito"/>
+                <a:cs typeface="Nunito"/>
+                <a:sym typeface="Nunito"/>
+              </a:rPr>
+              <a:t> reported nearly all of the game statistics were useless except for FG%, FT%, and 3PT%</a:t>
+            </a:r>
+            <a:r>
+              <a:rPr lang="en-US" sz="3200" baseline="30000" dirty="0">
+                <a:ea typeface="Nunito"/>
+                <a:cs typeface="Nunito"/>
+                <a:sym typeface="Nunito"/>
+              </a:rPr>
+              <a:t> [7]</a:t>
+            </a:r>
+            <a:endParaRPr lang="en-US" sz="3200" dirty="0">
+              <a:ea typeface="Nunito"/>
+              <a:cs typeface="Nunito"/>
+              <a:sym typeface="Nunito"/>
+            </a:endParaRPr>
+          </a:p>
+          <a:p>
+            <a:pPr marL="177800" lvl="0" indent="-177800">
+              <a:lnSpc>
+                <a:spcPct val="80000"/>
+              </a:lnSpc>
+              <a:spcBef>
+                <a:spcPts val="800"/>
+              </a:spcBef>
+              <a:buClr>
+                <a:schemeClr val="dk2"/>
+              </a:buClr>
+              <a:buSzPts val="2200"/>
+            </a:pPr>
+            <a:r>
+              <a:rPr lang="en-US" sz="3200" dirty="0">
+                <a:ea typeface="Nunito"/>
+                <a:cs typeface="Nunito"/>
+                <a:sym typeface="Nunito"/>
+              </a:rPr>
+              <a:t>in </a:t>
+            </a:r>
+            <a:r>
+              <a:rPr lang="en-US" sz="3200" b="1" dirty="0">
+                <a:ea typeface="Nunito"/>
+                <a:cs typeface="Nunito"/>
+                <a:sym typeface="Nunito"/>
+              </a:rPr>
+              <a:t>2014</a:t>
+            </a:r>
+            <a:r>
+              <a:rPr lang="en-US" sz="3200" dirty="0">
+                <a:ea typeface="Nunito"/>
+                <a:cs typeface="Nunito"/>
+                <a:sym typeface="Nunito"/>
+              </a:rPr>
+              <a:t>, Levi Franklin found margin of victory, seeding, and previous tournament performance were useful features</a:t>
+            </a:r>
+            <a:r>
+              <a:rPr lang="en-US" sz="3200" baseline="30000" dirty="0">
+                <a:ea typeface="Nunito"/>
+                <a:cs typeface="Nunito"/>
+                <a:sym typeface="Nunito"/>
+              </a:rPr>
+              <a:t> [8]</a:t>
+            </a:r>
+            <a:endParaRPr lang="en-US" sz="3200" dirty="0">
+              <a:ea typeface="Nunito"/>
+              <a:cs typeface="Nunito"/>
+              <a:sym typeface="Nunito"/>
+            </a:endParaRPr>
+          </a:p>
+          <a:p>
+            <a:pPr marL="177800" lvl="0" indent="-177800">
+              <a:lnSpc>
+                <a:spcPct val="80000"/>
+              </a:lnSpc>
+              <a:spcBef>
+                <a:spcPts val="800"/>
+              </a:spcBef>
+              <a:buClr>
+                <a:schemeClr val="dk2"/>
+              </a:buClr>
+              <a:buSzPts val="2200"/>
+            </a:pPr>
+            <a:r>
+              <a:rPr lang="en-US" sz="3200" dirty="0">
+                <a:ea typeface="Nunito"/>
+                <a:cs typeface="Nunito"/>
+                <a:sym typeface="Nunito"/>
+              </a:rPr>
+              <a:t>in </a:t>
+            </a:r>
+            <a:r>
+              <a:rPr lang="en-US" sz="3200" b="1" dirty="0">
+                <a:ea typeface="Nunito"/>
+                <a:cs typeface="Nunito"/>
+                <a:sym typeface="Nunito"/>
+              </a:rPr>
+              <a:t>2018</a:t>
+            </a:r>
+            <a:r>
+              <a:rPr lang="en-US" sz="3200" dirty="0">
+                <a:ea typeface="Nunito"/>
+                <a:cs typeface="Nunito"/>
+                <a:sym typeface="Nunito"/>
+              </a:rPr>
+              <a:t>, Cody Kocher and Tim </a:t>
+            </a:r>
+            <a:r>
+              <a:rPr lang="en-US" sz="3200" dirty="0" err="1">
+                <a:ea typeface="Nunito"/>
+                <a:cs typeface="Nunito"/>
+                <a:sym typeface="Nunito"/>
+              </a:rPr>
+              <a:t>Hoblin</a:t>
+            </a:r>
+            <a:r>
+              <a:rPr lang="en-US" sz="3200" dirty="0">
+                <a:ea typeface="Nunito"/>
+                <a:cs typeface="Nunito"/>
+                <a:sym typeface="Nunito"/>
+              </a:rPr>
+              <a:t> found that the correlation between the statistical variables used for analysis tended to be high among several variables</a:t>
+            </a:r>
+            <a:r>
+              <a:rPr lang="en-US" sz="3200" baseline="30000" dirty="0">
+                <a:ea typeface="Nunito"/>
+                <a:cs typeface="Nunito"/>
+                <a:sym typeface="Nunito"/>
+              </a:rPr>
+              <a:t>[9]</a:t>
+            </a:r>
+            <a:endParaRPr lang="en-US" sz="3200" dirty="0">
+              <a:solidFill>
+                <a:srgbClr val="0070C0"/>
+              </a:solidFill>
+              <a:effectLst/>
+            </a:endParaRPr>
           </a:p>
         </p:txBody>
       </p:sp>
@@ -6117,7 +6120,7 @@
             <a:fld id="{1E7E87EC-D468-6B42-A141-7B085F32EA20}" type="slidenum">
               <a:rPr lang="en-US" smtClean="0"/>
               <a:pPr/>
-              <a:t>13</a:t>
+              <a:t>12</a:t>
             </a:fld>
             <a:endParaRPr lang="en-US" dirty="0"/>
           </a:p>
@@ -6126,7 +6129,87 @@
     </p:spTree>
     <p:extLst>
       <p:ext uri="{BB962C8B-B14F-4D97-AF65-F5344CB8AC3E}">
-        <p14:creationId xmlns:p14="http://schemas.microsoft.com/office/powerpoint/2010/main" val="1629872746"/>
+        <p14:creationId xmlns:p14="http://schemas.microsoft.com/office/powerpoint/2010/main" val="1455884660"/>
+      </p:ext>
+    </p:extLst>
+  </p:cSld>
+  <p:clrMapOvr>
+    <a:masterClrMapping/>
+  </p:clrMapOvr>
+</p:sld>
+</file>
+
+<file path=ppt/slides/slide13.xml><?xml version="1.0" encoding="utf-8"?>
+<p:sld xmlns:a="http://schemas.openxmlformats.org/drawingml/2006/main" xmlns:r="http://schemas.openxmlformats.org/officeDocument/2006/relationships" xmlns:p="http://schemas.openxmlformats.org/presentationml/2006/main">
+  <p:cSld>
+    <p:spTree>
+      <p:nvGrpSpPr>
+        <p:cNvPr id="1" name=""/>
+        <p:cNvGrpSpPr/>
+        <p:nvPr/>
+      </p:nvGrpSpPr>
+      <p:grpSpPr>
+        <a:xfrm>
+          <a:off x="0" y="0"/>
+          <a:ext cx="0" cy="0"/>
+          <a:chOff x="0" y="0"/>
+          <a:chExt cx="0" cy="0"/>
+        </a:xfrm>
+      </p:grpSpPr>
+      <p:sp>
+        <p:nvSpPr>
+          <p:cNvPr id="2" name="Title 1">
+            <a:extLst>
+              <a:ext uri="{FF2B5EF4-FFF2-40B4-BE49-F238E27FC236}">
+                <a16:creationId xmlns:a16="http://schemas.microsoft.com/office/drawing/2014/main" id="{91556312-D863-0258-95A6-3C3D9EFE4F0C}"/>
+              </a:ext>
+            </a:extLst>
+          </p:cNvPr>
+          <p:cNvSpPr>
+            <a:spLocks noGrp="1"/>
+          </p:cNvSpPr>
+          <p:nvPr>
+            <p:ph type="ctrTitle"/>
+          </p:nvPr>
+        </p:nvSpPr>
+        <p:spPr>
+          <a:xfrm>
+            <a:off x="578426" y="2356506"/>
+            <a:ext cx="11035147" cy="2144988"/>
+          </a:xfrm>
+        </p:spPr>
+        <p:txBody>
+          <a:bodyPr anchor="ctr">
+            <a:normAutofit/>
+          </a:bodyPr>
+          <a:lstStyle/>
+          <a:p>
+            <a:r>
+              <a:rPr lang="en-US" sz="4400" b="1" dirty="0">
+                <a:solidFill>
+                  <a:schemeClr val="tx2"/>
+                </a:solidFill>
+                <a:latin typeface="SF Compact Rounded Heavy" pitchFamily="2" charset="77"/>
+                <a:ea typeface="SF Pro Display" pitchFamily="2" charset="0"/>
+                <a:cs typeface="Nirmala Text" panose="020B0604020202020204" pitchFamily="34" charset="0"/>
+              </a:rPr>
+              <a:t>Dataset and Features</a:t>
+            </a:r>
+            <a:endParaRPr lang="en-US" sz="2400" b="1" dirty="0">
+              <a:solidFill>
+                <a:schemeClr val="tx2"/>
+              </a:solidFill>
+              <a:latin typeface="SF Compact Rounded Heavy" pitchFamily="2" charset="77"/>
+              <a:ea typeface="SF Pro Display" pitchFamily="2" charset="0"/>
+              <a:cs typeface="Nirmala Text" panose="020B0604020202020204" pitchFamily="34" charset="0"/>
+            </a:endParaRPr>
+          </a:p>
+        </p:txBody>
+      </p:sp>
+    </p:spTree>
+    <p:extLst>
+      <p:ext uri="{BB962C8B-B14F-4D97-AF65-F5344CB8AC3E}">
+        <p14:creationId xmlns:p14="http://schemas.microsoft.com/office/powerpoint/2010/main" val="3920112660"/>
       </p:ext>
     </p:extLst>
   </p:cSld>
@@ -6220,7 +6303,7 @@
                   <a:srgbClr val="0070C0"/>
                 </a:solidFill>
               </a:rPr>
-              <a:t>Data Section 2 Extra Files</a:t>
+              <a:t>Data Section 1 Main Files</a:t>
             </a:r>
             <a:endParaRPr lang="en-US" b="0" dirty="0"/>
           </a:p>
@@ -6255,288 +6338,268 @@
           <a:lstStyle/>
           <a:p>
             <a:r>
-              <a:rPr lang="en-US" sz="2800" b="1" dirty="0"/>
-              <a:t>Cities :</a:t>
-            </a:r>
-            <a:r>
-              <a:rPr lang="en-US" sz="2800" dirty="0"/>
+              <a:rPr lang="en-US" b="1" dirty="0"/>
+              <a:t>Seasons :</a:t>
+            </a:r>
+            <a:r>
+              <a:rPr lang="en-US" dirty="0"/>
+              <a:t>  Season, </a:t>
+            </a:r>
+            <a:r>
+              <a:rPr lang="en-US" dirty="0" err="1"/>
+              <a:t>DayZero</a:t>
+            </a:r>
+            <a:r>
+              <a:rPr lang="en-US" dirty="0"/>
+              <a:t>, </a:t>
+            </a:r>
+            <a:r>
+              <a:rPr lang="en-US" dirty="0" err="1"/>
+              <a:t>RegionW</a:t>
+            </a:r>
+            <a:r>
+              <a:rPr lang="en-US" dirty="0"/>
+              <a:t>, </a:t>
+            </a:r>
+            <a:r>
+              <a:rPr lang="en-US" dirty="0" err="1"/>
+              <a:t>RegionX</a:t>
+            </a:r>
+            <a:r>
+              <a:rPr lang="en-US" dirty="0"/>
+              <a:t>, Region Y, Region Z</a:t>
+            </a:r>
+          </a:p>
+          <a:p>
+            <a:r>
+              <a:rPr lang="en-US" b="1" dirty="0"/>
+              <a:t>Teams :</a:t>
+            </a:r>
+            <a:r>
+              <a:rPr lang="en-US" dirty="0"/>
               <a:t>  </a:t>
             </a:r>
             <a:r>
-              <a:rPr lang="en-US" sz="2800" dirty="0" err="1"/>
-              <a:t>CityID</a:t>
-            </a:r>
-            <a:r>
-              <a:rPr lang="en-US" sz="2800" dirty="0"/>
-              <a:t>, City, State</a:t>
-            </a:r>
-          </a:p>
-          <a:p>
-            <a:r>
-              <a:rPr lang="en-US" sz="2800" b="1" dirty="0"/>
-              <a:t>Game Cities :</a:t>
-            </a:r>
-            <a:r>
-              <a:rPr lang="en-US" sz="2800" dirty="0"/>
+              <a:rPr lang="en-US" dirty="0" err="1"/>
+              <a:t>TeamID</a:t>
+            </a:r>
+            <a:r>
+              <a:rPr lang="en-US" dirty="0"/>
+              <a:t>, </a:t>
+            </a:r>
+            <a:r>
+              <a:rPr lang="en-US" dirty="0" err="1"/>
+              <a:t>TeamName</a:t>
+            </a:r>
+            <a:r>
+              <a:rPr lang="en-US" dirty="0"/>
+              <a:t>, FirstD1Season, LastD1Season</a:t>
+            </a:r>
+          </a:p>
+          <a:p>
+            <a:r>
+              <a:rPr lang="en-US" b="1" dirty="0"/>
+              <a:t>Regular Season Detailed Results :</a:t>
+            </a:r>
+            <a:r>
+              <a:rPr lang="en-US" dirty="0"/>
               <a:t>  Season, </a:t>
             </a:r>
             <a:r>
-              <a:rPr lang="en-US" sz="2800" dirty="0" err="1"/>
+              <a:rPr lang="en-US" dirty="0" err="1"/>
               <a:t>DayNum</a:t>
             </a:r>
             <a:r>
-              <a:rPr lang="en-US" sz="2800" dirty="0"/>
+              <a:rPr lang="en-US" dirty="0"/>
               <a:t>, </a:t>
             </a:r>
             <a:r>
-              <a:rPr lang="en-US" sz="2800" dirty="0" err="1"/>
+              <a:rPr lang="en-US" dirty="0" err="1"/>
               <a:t>WTeamID</a:t>
             </a:r>
             <a:r>
-              <a:rPr lang="en-US" sz="2800" dirty="0"/>
+              <a:rPr lang="en-US" dirty="0"/>
               <a:t>, </a:t>
             </a:r>
             <a:r>
-              <a:rPr lang="en-US" sz="2800" dirty="0" err="1"/>
+              <a:rPr lang="en-US" dirty="0" err="1"/>
+              <a:t>WScore</a:t>
+            </a:r>
+            <a:r>
+              <a:rPr lang="en-US" dirty="0"/>
+              <a:t>, </a:t>
+            </a:r>
+            <a:r>
+              <a:rPr lang="en-US" dirty="0" err="1"/>
               <a:t>LTeamID</a:t>
             </a:r>
             <a:r>
-              <a:rPr lang="en-US" sz="2800" dirty="0"/>
+              <a:rPr lang="en-US" dirty="0"/>
               <a:t>, </a:t>
             </a:r>
             <a:r>
-              <a:rPr lang="en-US" sz="2800" dirty="0" err="1"/>
-              <a:t>CRType</a:t>
-            </a:r>
-            <a:r>
-              <a:rPr lang="en-US" sz="2800" dirty="0"/>
+              <a:rPr lang="en-US" dirty="0" err="1"/>
+              <a:t>LScore</a:t>
+            </a:r>
+            <a:r>
+              <a:rPr lang="en-US" dirty="0"/>
               <a:t>, </a:t>
             </a:r>
             <a:r>
-              <a:rPr lang="en-US" sz="2800" dirty="0" err="1"/>
-              <a:t>CityID</a:t>
-            </a:r>
-            <a:endParaRPr lang="en-US" sz="2800" dirty="0"/>
-          </a:p>
-          <a:p>
-            <a:r>
-              <a:rPr lang="en-US" sz="2800" b="1" dirty="0"/>
-              <a:t>Compact Season Results :</a:t>
-            </a:r>
-            <a:r>
-              <a:rPr lang="en-US" sz="2800" dirty="0"/>
+              <a:rPr lang="en-US" dirty="0" err="1"/>
+              <a:t>WLoc</a:t>
+            </a:r>
+            <a:r>
+              <a:rPr lang="en-US" dirty="0"/>
+              <a:t>, </a:t>
+            </a:r>
+            <a:r>
+              <a:rPr lang="en-US" dirty="0" err="1"/>
+              <a:t>NumOT</a:t>
+            </a:r>
+            <a:r>
+              <a:rPr lang="en-US" dirty="0"/>
+              <a:t>, WFGM, WFGA, WFGM3, WFGA3, WFTM, WFTA, WOR, WDR, </a:t>
+            </a:r>
+            <a:r>
+              <a:rPr lang="en-US" dirty="0" err="1"/>
+              <a:t>WAst</a:t>
+            </a:r>
+            <a:r>
+              <a:rPr lang="en-US" dirty="0"/>
+              <a:t>, WTO, </a:t>
+            </a:r>
+            <a:r>
+              <a:rPr lang="en-US" dirty="0" err="1"/>
+              <a:t>WStl</a:t>
+            </a:r>
+            <a:r>
+              <a:rPr lang="en-US" dirty="0"/>
+              <a:t>, </a:t>
+            </a:r>
+            <a:r>
+              <a:rPr lang="en-US" dirty="0" err="1"/>
+              <a:t>WBlk</a:t>
+            </a:r>
+            <a:r>
+              <a:rPr lang="en-US" dirty="0"/>
+              <a:t>, WPF</a:t>
+            </a:r>
+          </a:p>
+          <a:p>
+            <a:r>
+              <a:rPr lang="en-US" b="1" dirty="0"/>
+              <a:t>Tourney Detailed Results :</a:t>
+            </a:r>
+            <a:r>
+              <a:rPr lang="en-US" dirty="0"/>
               <a:t>  Season, </a:t>
             </a:r>
             <a:r>
-              <a:rPr lang="en-US" sz="2800" dirty="0" err="1"/>
+              <a:rPr lang="en-US" dirty="0" err="1"/>
               <a:t>DayNum</a:t>
             </a:r>
             <a:r>
-              <a:rPr lang="en-US" sz="2800" dirty="0"/>
+              <a:rPr lang="en-US" dirty="0"/>
               <a:t>, </a:t>
             </a:r>
             <a:r>
-              <a:rPr lang="en-US" sz="2800" dirty="0" err="1"/>
+              <a:rPr lang="en-US" dirty="0" err="1"/>
               <a:t>WTeamID</a:t>
             </a:r>
             <a:r>
-              <a:rPr lang="en-US" sz="2800" dirty="0"/>
+              <a:rPr lang="en-US" dirty="0"/>
               <a:t>, </a:t>
             </a:r>
             <a:r>
-              <a:rPr lang="en-US" sz="2800" dirty="0" err="1"/>
+              <a:rPr lang="en-US" dirty="0" err="1"/>
               <a:t>WScore</a:t>
             </a:r>
             <a:r>
-              <a:rPr lang="en-US" sz="2800" dirty="0"/>
+              <a:rPr lang="en-US" dirty="0"/>
               <a:t>, </a:t>
             </a:r>
             <a:r>
-              <a:rPr lang="en-US" sz="2800" dirty="0" err="1"/>
+              <a:rPr lang="en-US" dirty="0" err="1"/>
               <a:t>LTeamID</a:t>
             </a:r>
             <a:r>
-              <a:rPr lang="en-US" sz="2800" dirty="0"/>
+              <a:rPr lang="en-US" dirty="0"/>
               <a:t>, </a:t>
             </a:r>
             <a:r>
-              <a:rPr lang="en-US" sz="2800" dirty="0" err="1"/>
+              <a:rPr lang="en-US" dirty="0" err="1"/>
               <a:t>LScore</a:t>
             </a:r>
             <a:r>
-              <a:rPr lang="en-US" sz="2800" dirty="0"/>
+              <a:rPr lang="en-US" dirty="0"/>
               <a:t>, </a:t>
             </a:r>
             <a:r>
-              <a:rPr lang="en-US" sz="2800" dirty="0" err="1"/>
+              <a:rPr lang="en-US" dirty="0" err="1"/>
               <a:t>WLoc</a:t>
             </a:r>
             <a:r>
-              <a:rPr lang="en-US" sz="2800" dirty="0"/>
+              <a:rPr lang="en-US" dirty="0"/>
               <a:t>, </a:t>
             </a:r>
             <a:r>
-              <a:rPr lang="en-US" sz="2800" dirty="0" err="1"/>
+              <a:rPr lang="en-US" dirty="0" err="1"/>
               <a:t>NumOT</a:t>
             </a:r>
-            <a:endParaRPr lang="en-US" sz="2800" dirty="0"/>
-          </a:p>
-          <a:p>
-            <a:r>
-              <a:rPr lang="en-US" sz="2800" b="1" dirty="0"/>
-              <a:t>Compact Tourney Results :</a:t>
-            </a:r>
-            <a:r>
-              <a:rPr lang="en-US" sz="2800" dirty="0"/>
-              <a:t>  Season, </a:t>
-            </a:r>
-            <a:r>
-              <a:rPr lang="en-US" sz="2800" dirty="0" err="1"/>
-              <a:t>DayNum</a:t>
-            </a:r>
-            <a:r>
-              <a:rPr lang="en-US" sz="2800" dirty="0"/>
+            <a:r>
+              <a:rPr lang="en-US" dirty="0"/>
+              <a:t>, WFGM, WFGA, WFGM3, WFGA3, WFTM, WFTA, WOR, WDR, </a:t>
+            </a:r>
+            <a:r>
+              <a:rPr lang="en-US" dirty="0" err="1"/>
+              <a:t>WAst</a:t>
+            </a:r>
+            <a:r>
+              <a:rPr lang="en-US" dirty="0"/>
+              <a:t>, WTO, </a:t>
+            </a:r>
+            <a:r>
+              <a:rPr lang="en-US" dirty="0" err="1"/>
+              <a:t>WStl</a:t>
+            </a:r>
+            <a:r>
+              <a:rPr lang="en-US" dirty="0"/>
               <a:t>, </a:t>
             </a:r>
             <a:r>
-              <a:rPr lang="en-US" sz="2800" dirty="0" err="1"/>
-              <a:t>WTeamID</a:t>
-            </a:r>
-            <a:r>
-              <a:rPr lang="en-US" sz="2800" dirty="0"/>
-              <a:t>, </a:t>
-            </a:r>
-            <a:r>
-              <a:rPr lang="en-US" sz="2800" dirty="0" err="1"/>
-              <a:t>WScore</a:t>
-            </a:r>
-            <a:r>
-              <a:rPr lang="en-US" sz="2800" dirty="0"/>
-              <a:t>, </a:t>
-            </a:r>
-            <a:r>
-              <a:rPr lang="en-US" sz="2800" dirty="0" err="1"/>
-              <a:t>LTeamID</a:t>
-            </a:r>
-            <a:r>
-              <a:rPr lang="en-US" sz="2800" dirty="0"/>
-              <a:t>, </a:t>
-            </a:r>
-            <a:r>
-              <a:rPr lang="en-US" sz="2800" dirty="0" err="1"/>
-              <a:t>LScore</a:t>
-            </a:r>
-            <a:r>
-              <a:rPr lang="en-US" sz="2800" dirty="0"/>
-              <a:t>, </a:t>
-            </a:r>
-            <a:r>
-              <a:rPr lang="en-US" sz="2800" dirty="0" err="1"/>
-              <a:t>WLoc</a:t>
-            </a:r>
-            <a:r>
-              <a:rPr lang="en-US" sz="2800" dirty="0"/>
-              <a:t>, </a:t>
-            </a:r>
-            <a:r>
-              <a:rPr lang="en-US" sz="2800" dirty="0" err="1"/>
-              <a:t>NumOT</a:t>
-            </a:r>
-            <a:endParaRPr lang="en-US" sz="2800" dirty="0"/>
-          </a:p>
-          <a:p>
-            <a:r>
-              <a:rPr lang="en-US" sz="2800" b="1" dirty="0"/>
-              <a:t>Compact Secondary Tourney Results :</a:t>
-            </a:r>
-            <a:r>
-              <a:rPr lang="en-US" sz="2800" dirty="0"/>
-              <a:t>  Season, </a:t>
-            </a:r>
-            <a:r>
-              <a:rPr lang="en-US" sz="2800" dirty="0" err="1"/>
-              <a:t>DayNum</a:t>
-            </a:r>
-            <a:r>
-              <a:rPr lang="en-US" sz="2800" dirty="0"/>
-              <a:t>, </a:t>
-            </a:r>
-            <a:r>
-              <a:rPr lang="en-US" sz="2800" dirty="0" err="1"/>
-              <a:t>WTeamID</a:t>
-            </a:r>
-            <a:r>
-              <a:rPr lang="en-US" sz="2800" dirty="0"/>
-              <a:t>, </a:t>
-            </a:r>
-            <a:r>
-              <a:rPr lang="en-US" sz="2800" dirty="0" err="1"/>
-              <a:t>WScore</a:t>
-            </a:r>
-            <a:r>
-              <a:rPr lang="en-US" sz="2800" dirty="0"/>
-              <a:t>, </a:t>
-            </a:r>
-            <a:r>
-              <a:rPr lang="en-US" sz="2800" dirty="0" err="1"/>
-              <a:t>LTeamID</a:t>
-            </a:r>
-            <a:r>
-              <a:rPr lang="en-US" sz="2800" dirty="0"/>
-              <a:t>, </a:t>
-            </a:r>
-            <a:r>
-              <a:rPr lang="en-US" sz="2800" dirty="0" err="1"/>
-              <a:t>LScore</a:t>
-            </a:r>
-            <a:r>
-              <a:rPr lang="en-US" sz="2800" dirty="0"/>
-              <a:t>, </a:t>
-            </a:r>
-            <a:r>
-              <a:rPr lang="en-US" sz="2800" dirty="0" err="1"/>
-              <a:t>WLoc</a:t>
-            </a:r>
-            <a:r>
-              <a:rPr lang="en-US" sz="2800" dirty="0"/>
-              <a:t>, </a:t>
-            </a:r>
-            <a:r>
-              <a:rPr lang="en-US" sz="2800" dirty="0" err="1"/>
-              <a:t>NumOT</a:t>
-            </a:r>
-            <a:r>
-              <a:rPr lang="en-US" sz="2800" dirty="0"/>
-              <a:t>, </a:t>
-            </a:r>
-            <a:r>
-              <a:rPr lang="en-US" sz="2800" dirty="0" err="1"/>
-              <a:t>SecondaryTourney</a:t>
-            </a:r>
-            <a:endParaRPr lang="en-US" sz="2800" dirty="0"/>
-          </a:p>
-          <a:p>
-            <a:r>
-              <a:rPr lang="en-US" sz="2800" b="1" dirty="0"/>
-              <a:t>Tourney Slots :</a:t>
-            </a:r>
-            <a:r>
-              <a:rPr lang="en-US" sz="2800" dirty="0"/>
-              <a:t> Season, Slot, </a:t>
-            </a:r>
-            <a:r>
-              <a:rPr lang="en-US" sz="2800" dirty="0" err="1"/>
-              <a:t>StrongSeed</a:t>
-            </a:r>
-            <a:r>
-              <a:rPr lang="en-US" sz="2800" dirty="0"/>
-              <a:t>, </a:t>
-            </a:r>
-            <a:r>
-              <a:rPr lang="en-US" sz="2800" dirty="0" err="1"/>
-              <a:t>WeakSeed</a:t>
-            </a:r>
-            <a:endParaRPr lang="en-US" sz="2400" dirty="0"/>
+              <a:rPr lang="en-US" dirty="0" err="1"/>
+              <a:t>WBlk</a:t>
+            </a:r>
+            <a:r>
+              <a:rPr lang="en-US" dirty="0"/>
+              <a:t>, WPF</a:t>
+            </a:r>
+          </a:p>
+          <a:p>
+            <a:r>
+              <a:rPr lang="en-US" b="1" dirty="0"/>
+              <a:t>Tourney Seeds :</a:t>
+            </a:r>
+            <a:r>
+              <a:rPr lang="en-US" dirty="0"/>
+              <a:t>  Season, Seed, </a:t>
+            </a:r>
+            <a:r>
+              <a:rPr lang="en-US" dirty="0" err="1"/>
+              <a:t>TeamID</a:t>
+            </a:r>
+            <a:endParaRPr lang="en-US" dirty="0"/>
+          </a:p>
+          <a:p>
+            <a:r>
+              <a:rPr lang="en-US" b="1" dirty="0"/>
+              <a:t>Sample Submission :</a:t>
+            </a:r>
+            <a:r>
+              <a:rPr lang="en-US" dirty="0"/>
+              <a:t>  ID, Pred (e.g. 2018_3181_3314,0.516)</a:t>
+            </a:r>
           </a:p>
         </p:txBody>
       </p:sp>
@@ -6590,7 +6653,7 @@
     </p:spTree>
     <p:extLst>
       <p:ext uri="{BB962C8B-B14F-4D97-AF65-F5344CB8AC3E}">
-        <p14:creationId xmlns:p14="http://schemas.microsoft.com/office/powerpoint/2010/main" val="3644147290"/>
+        <p14:creationId xmlns:p14="http://schemas.microsoft.com/office/powerpoint/2010/main" val="1629872746"/>
       </p:ext>
     </p:extLst>
   </p:cSld>
@@ -6684,7 +6747,7 @@
                   <a:srgbClr val="0070C0"/>
                 </a:solidFill>
               </a:rPr>
-              <a:t>Data Section 3 Supplements</a:t>
+              <a:t>Data Section 2 Extra Files</a:t>
             </a:r>
             <a:endParaRPr lang="en-US" b="0" dirty="0"/>
           </a:p>
@@ -6720,76 +6783,33 @@
           <a:p>
             <a:r>
               <a:rPr lang="en-US" sz="2800" b="1" dirty="0"/>
-              <a:t>Team Coaches :</a:t>
+              <a:t>Cities :</a:t>
             </a:r>
             <a:r>
               <a:rPr lang="en-US" sz="2800" dirty="0"/>
-              <a:t> </a:t>
-            </a:r>
-            <a:r>
-              <a:rPr lang="en-US" sz="2400" dirty="0"/>
-              <a:t>Season, </a:t>
-            </a:r>
-            <a:r>
-              <a:rPr lang="en-US" sz="2400" dirty="0" err="1"/>
-              <a:t>TeamID</a:t>
-            </a:r>
-            <a:r>
-              <a:rPr lang="en-US" sz="2400" dirty="0"/>
-              <a:t>, </a:t>
-            </a:r>
-            <a:r>
-              <a:rPr lang="en-US" sz="2400" dirty="0" err="1"/>
-              <a:t>FirstDayNum</a:t>
-            </a:r>
-            <a:r>
-              <a:rPr lang="en-US" sz="2400" dirty="0"/>
-              <a:t>, </a:t>
-            </a:r>
-            <a:r>
-              <a:rPr lang="en-US" sz="2400" dirty="0" err="1"/>
-              <a:t>LastDayNum</a:t>
-            </a:r>
-            <a:r>
-              <a:rPr lang="en-US" sz="2400" dirty="0"/>
-              <a:t>, </a:t>
-            </a:r>
-            <a:r>
-              <a:rPr lang="en-US" sz="2400" dirty="0" err="1"/>
-              <a:t>CoachName</a:t>
-            </a:r>
-            <a:endParaRPr lang="en-US" sz="2800" dirty="0"/>
+              <a:t>  </a:t>
+            </a:r>
+            <a:r>
+              <a:rPr lang="en-US" sz="2800" dirty="0" err="1"/>
+              <a:t>CityID</a:t>
+            </a:r>
+            <a:r>
+              <a:rPr lang="en-US" sz="2800" dirty="0"/>
+              <a:t>, City, State</a:t>
+            </a:r>
           </a:p>
           <a:p>
             <a:r>
               <a:rPr lang="en-US" sz="2800" b="1" dirty="0"/>
-              <a:t>Conferences :</a:t>
+              <a:t>Game Cities :</a:t>
             </a:r>
             <a:r>
               <a:rPr lang="en-US" sz="2800" dirty="0"/>
-              <a:t> </a:t>
+              <a:t>  Season, </a:t>
             </a:r>
             <a:r>
               <a:rPr lang="en-US" sz="2800" dirty="0" err="1"/>
-              <a:t>ConfAbbrev</a:t>
-            </a:r>
-            <a:r>
-              <a:rPr lang="en-US" sz="2800" dirty="0"/>
-              <a:t>, Description</a:t>
-            </a:r>
-          </a:p>
-          <a:p>
-            <a:r>
-              <a:rPr lang="en-US" sz="2800" b="1" dirty="0"/>
-              <a:t>Team Conferences :</a:t>
-            </a:r>
-            <a:r>
-              <a:rPr lang="en-US" sz="2800" dirty="0"/>
-              <a:t> Season, </a:t>
-            </a:r>
-            <a:r>
-              <a:rPr lang="en-US" sz="2800" dirty="0" err="1"/>
-              <a:t>TeamID</a:t>
+              <a:t>DayNum</a:t>
             </a:r>
             <a:r>
               <a:rPr lang="en-US" sz="2800" dirty="0"/>
@@ -6797,174 +6817,251 @@
             </a:r>
             <a:r>
               <a:rPr lang="en-US" sz="2800" dirty="0" err="1"/>
-              <a:t>ConfAbbrev</a:t>
+              <a:t>WTeamID</a:t>
+            </a:r>
+            <a:r>
+              <a:rPr lang="en-US" sz="2800" dirty="0"/>
+              <a:t>, </a:t>
+            </a:r>
+            <a:r>
+              <a:rPr lang="en-US" sz="2800" dirty="0" err="1"/>
+              <a:t>LTeamID</a:t>
+            </a:r>
+            <a:r>
+              <a:rPr lang="en-US" sz="2800" dirty="0"/>
+              <a:t>, </a:t>
+            </a:r>
+            <a:r>
+              <a:rPr lang="en-US" sz="2800" dirty="0" err="1"/>
+              <a:t>CRType</a:t>
+            </a:r>
+            <a:r>
+              <a:rPr lang="en-US" sz="2800" dirty="0"/>
+              <a:t>, </a:t>
+            </a:r>
+            <a:r>
+              <a:rPr lang="en-US" sz="2800" dirty="0" err="1"/>
+              <a:t>CityID</a:t>
             </a:r>
             <a:endParaRPr lang="en-US" sz="2800" dirty="0"/>
           </a:p>
           <a:p>
             <a:r>
               <a:rPr lang="en-US" sz="2800" b="1" dirty="0"/>
-              <a:t>Conference Tourney Games :</a:t>
+              <a:t>Compact Season Results :</a:t>
             </a:r>
             <a:r>
               <a:rPr lang="en-US" sz="2800" dirty="0"/>
-              <a:t> </a:t>
-            </a:r>
-            <a:r>
-              <a:rPr lang="en-US" sz="2400" dirty="0" err="1"/>
-              <a:t>ConfAbbrev</a:t>
-            </a:r>
-            <a:r>
-              <a:rPr lang="en-US" sz="2400" dirty="0"/>
-              <a:t>, Season, </a:t>
-            </a:r>
-            <a:r>
-              <a:rPr lang="en-US" sz="2400" dirty="0" err="1"/>
+              <a:t>  Season, </a:t>
+            </a:r>
+            <a:r>
+              <a:rPr lang="en-US" sz="2800" dirty="0" err="1"/>
               <a:t>DayNum</a:t>
             </a:r>
             <a:r>
-              <a:rPr lang="en-US" sz="2400" dirty="0"/>
+              <a:rPr lang="en-US" sz="2800" dirty="0"/>
               <a:t>, </a:t>
             </a:r>
             <a:r>
-              <a:rPr lang="en-US" sz="2400" dirty="0" err="1"/>
+              <a:rPr lang="en-US" sz="2800" dirty="0" err="1"/>
               <a:t>WTeamID</a:t>
             </a:r>
             <a:r>
-              <a:rPr lang="en-US" sz="2400" dirty="0"/>
+              <a:rPr lang="en-US" sz="2800" dirty="0"/>
               <a:t>, </a:t>
             </a:r>
             <a:r>
-              <a:rPr lang="en-US" sz="2400" dirty="0" err="1"/>
+              <a:rPr lang="en-US" sz="2800" dirty="0" err="1"/>
+              <a:t>WScore</a:t>
+            </a:r>
+            <a:r>
+              <a:rPr lang="en-US" sz="2800" dirty="0"/>
+              <a:t>, </a:t>
+            </a:r>
+            <a:r>
+              <a:rPr lang="en-US" sz="2800" dirty="0" err="1"/>
               <a:t>LTeamID</a:t>
             </a:r>
+            <a:r>
+              <a:rPr lang="en-US" sz="2800" dirty="0"/>
+              <a:t>, </a:t>
+            </a:r>
+            <a:r>
+              <a:rPr lang="en-US" sz="2800" dirty="0" err="1"/>
+              <a:t>LScore</a:t>
+            </a:r>
+            <a:r>
+              <a:rPr lang="en-US" sz="2800" dirty="0"/>
+              <a:t>, </a:t>
+            </a:r>
+            <a:r>
+              <a:rPr lang="en-US" sz="2800" dirty="0" err="1"/>
+              <a:t>WLoc</a:t>
+            </a:r>
+            <a:r>
+              <a:rPr lang="en-US" sz="2800" dirty="0"/>
+              <a:t>, </a:t>
+            </a:r>
+            <a:r>
+              <a:rPr lang="en-US" sz="2800" dirty="0" err="1"/>
+              <a:t>NumOT</a:t>
+            </a:r>
             <a:endParaRPr lang="en-US" sz="2800" dirty="0"/>
           </a:p>
           <a:p>
             <a:r>
               <a:rPr lang="en-US" sz="2800" b="1" dirty="0"/>
-              <a:t>Secondary Tourney Teams :</a:t>
+              <a:t>Compact Tourney Results :</a:t>
             </a:r>
             <a:r>
               <a:rPr lang="en-US" sz="2800" dirty="0"/>
-              <a:t> Season, </a:t>
+              <a:t>  Season, </a:t>
+            </a:r>
+            <a:r>
+              <a:rPr lang="en-US" sz="2800" dirty="0" err="1"/>
+              <a:t>DayNum</a:t>
+            </a:r>
+            <a:r>
+              <a:rPr lang="en-US" sz="2800" dirty="0"/>
+              <a:t>, </a:t>
+            </a:r>
+            <a:r>
+              <a:rPr lang="en-US" sz="2800" dirty="0" err="1"/>
+              <a:t>WTeamID</a:t>
+            </a:r>
+            <a:r>
+              <a:rPr lang="en-US" sz="2800" dirty="0"/>
+              <a:t>, </a:t>
+            </a:r>
+            <a:r>
+              <a:rPr lang="en-US" sz="2800" dirty="0" err="1"/>
+              <a:t>WScore</a:t>
+            </a:r>
+            <a:r>
+              <a:rPr lang="en-US" sz="2800" dirty="0"/>
+              <a:t>, </a:t>
+            </a:r>
+            <a:r>
+              <a:rPr lang="en-US" sz="2800" dirty="0" err="1"/>
+              <a:t>LTeamID</a:t>
+            </a:r>
+            <a:r>
+              <a:rPr lang="en-US" sz="2800" dirty="0"/>
+              <a:t>, </a:t>
+            </a:r>
+            <a:r>
+              <a:rPr lang="en-US" sz="2800" dirty="0" err="1"/>
+              <a:t>LScore</a:t>
+            </a:r>
+            <a:r>
+              <a:rPr lang="en-US" sz="2800" dirty="0"/>
+              <a:t>, </a:t>
+            </a:r>
+            <a:r>
+              <a:rPr lang="en-US" sz="2800" dirty="0" err="1"/>
+              <a:t>WLoc</a:t>
+            </a:r>
+            <a:r>
+              <a:rPr lang="en-US" sz="2800" dirty="0"/>
+              <a:t>, </a:t>
+            </a:r>
+            <a:r>
+              <a:rPr lang="en-US" sz="2800" dirty="0" err="1"/>
+              <a:t>NumOT</a:t>
+            </a:r>
+            <a:endParaRPr lang="en-US" sz="2800" dirty="0"/>
+          </a:p>
+          <a:p>
+            <a:r>
+              <a:rPr lang="en-US" sz="2800" b="1" dirty="0"/>
+              <a:t>Compact Secondary Tourney Results :</a:t>
+            </a:r>
+            <a:r>
+              <a:rPr lang="en-US" sz="2800" dirty="0"/>
+              <a:t>  Season, </a:t>
+            </a:r>
+            <a:r>
+              <a:rPr lang="en-US" sz="2800" dirty="0" err="1"/>
+              <a:t>DayNum</a:t>
+            </a:r>
+            <a:r>
+              <a:rPr lang="en-US" sz="2800" dirty="0"/>
+              <a:t>, </a:t>
+            </a:r>
+            <a:r>
+              <a:rPr lang="en-US" sz="2800" dirty="0" err="1"/>
+              <a:t>WTeamID</a:t>
+            </a:r>
+            <a:r>
+              <a:rPr lang="en-US" sz="2800" dirty="0"/>
+              <a:t>, </a:t>
+            </a:r>
+            <a:r>
+              <a:rPr lang="en-US" sz="2800" dirty="0" err="1"/>
+              <a:t>WScore</a:t>
+            </a:r>
+            <a:r>
+              <a:rPr lang="en-US" sz="2800" dirty="0"/>
+              <a:t>, </a:t>
+            </a:r>
+            <a:r>
+              <a:rPr lang="en-US" sz="2800" dirty="0" err="1"/>
+              <a:t>LTeamID</a:t>
+            </a:r>
+            <a:r>
+              <a:rPr lang="en-US" sz="2800" dirty="0"/>
+              <a:t>, </a:t>
+            </a:r>
+            <a:r>
+              <a:rPr lang="en-US" sz="2800" dirty="0" err="1"/>
+              <a:t>LScore</a:t>
+            </a:r>
+            <a:r>
+              <a:rPr lang="en-US" sz="2800" dirty="0"/>
+              <a:t>, </a:t>
+            </a:r>
+            <a:r>
+              <a:rPr lang="en-US" sz="2800" dirty="0" err="1"/>
+              <a:t>WLoc</a:t>
+            </a:r>
+            <a:r>
+              <a:rPr lang="en-US" sz="2800" dirty="0"/>
+              <a:t>, </a:t>
+            </a:r>
+            <a:r>
+              <a:rPr lang="en-US" sz="2800" dirty="0" err="1"/>
+              <a:t>NumOT</a:t>
+            </a:r>
+            <a:r>
+              <a:rPr lang="en-US" sz="2800" dirty="0"/>
+              <a:t>, </a:t>
             </a:r>
             <a:r>
               <a:rPr lang="en-US" sz="2800" dirty="0" err="1"/>
               <a:t>SecondaryTourney</a:t>
             </a:r>
+            <a:endParaRPr lang="en-US" sz="2800" dirty="0"/>
+          </a:p>
+          <a:p>
+            <a:r>
+              <a:rPr lang="en-US" sz="2800" b="1" dirty="0"/>
+              <a:t>Tourney Slots :</a:t>
+            </a:r>
+            <a:r>
+              <a:rPr lang="en-US" sz="2800" dirty="0"/>
+              <a:t> Season, Slot, </a:t>
+            </a:r>
+            <a:r>
+              <a:rPr lang="en-US" sz="2800" dirty="0" err="1"/>
+              <a:t>StrongSeed</a:t>
+            </a:r>
             <a:r>
               <a:rPr lang="en-US" sz="2800" dirty="0"/>
               <a:t>, </a:t>
             </a:r>
             <a:r>
               <a:rPr lang="en-US" sz="2800" dirty="0" err="1"/>
-              <a:t>TeamID</a:t>
-            </a:r>
-            <a:endParaRPr lang="en-US" sz="2800" dirty="0"/>
-          </a:p>
-          <a:p>
-            <a:r>
-              <a:rPr lang="en-US" sz="2800" b="1" dirty="0"/>
-              <a:t>Massey Ordinals :</a:t>
-            </a:r>
-            <a:r>
-              <a:rPr lang="en-US" sz="2800" dirty="0"/>
-              <a:t>  Season, </a:t>
-            </a:r>
-            <a:r>
-              <a:rPr lang="en-US" sz="2800" dirty="0" err="1"/>
-              <a:t>RankingDayNum</a:t>
-            </a:r>
-            <a:r>
-              <a:rPr lang="en-US" sz="2800" dirty="0"/>
-              <a:t>, </a:t>
-            </a:r>
-            <a:r>
-              <a:rPr lang="en-US" sz="2800" dirty="0" err="1"/>
-              <a:t>SystemName</a:t>
-            </a:r>
-            <a:r>
-              <a:rPr lang="en-US" sz="2800" dirty="0"/>
-              <a:t>, </a:t>
-            </a:r>
-            <a:r>
-              <a:rPr lang="en-US" sz="2800" dirty="0" err="1"/>
-              <a:t>TeamID</a:t>
-            </a:r>
-            <a:r>
-              <a:rPr lang="en-US" sz="2800" dirty="0"/>
-              <a:t>, </a:t>
-            </a:r>
-            <a:r>
-              <a:rPr lang="en-US" sz="2800" dirty="0" err="1"/>
-              <a:t>OrdinalRank</a:t>
-            </a:r>
-            <a:endParaRPr lang="en-US" sz="2800" dirty="0"/>
-          </a:p>
-          <a:p>
-            <a:r>
-              <a:rPr lang="en-US" sz="2800" b="1" dirty="0"/>
-              <a:t>Team Spellings :</a:t>
-            </a:r>
-            <a:r>
-              <a:rPr lang="en-US" sz="2800" dirty="0"/>
-              <a:t> </a:t>
-            </a:r>
-            <a:r>
-              <a:rPr lang="en-US" sz="2800" dirty="0" err="1"/>
-              <a:t>TeamNameSpelling</a:t>
-            </a:r>
-            <a:r>
-              <a:rPr lang="en-US" sz="2800" dirty="0"/>
-              <a:t>, </a:t>
-            </a:r>
-            <a:r>
-              <a:rPr lang="en-US" sz="2800" dirty="0" err="1"/>
-              <a:t>TeamID</a:t>
-            </a:r>
-            <a:endParaRPr lang="en-US" sz="2800" dirty="0"/>
-          </a:p>
-          <a:p>
-            <a:r>
-              <a:rPr lang="en-US" sz="2800" b="1" dirty="0"/>
-              <a:t>Seed Round Slots :</a:t>
-            </a:r>
-            <a:r>
-              <a:rPr lang="en-US" sz="2800" dirty="0"/>
-              <a:t> </a:t>
-            </a:r>
-            <a:r>
-              <a:rPr lang="en-US" sz="2400" dirty="0"/>
-              <a:t>Seed, </a:t>
-            </a:r>
-            <a:r>
-              <a:rPr lang="en-US" sz="2400" dirty="0" err="1"/>
-              <a:t>GameRound</a:t>
-            </a:r>
-            <a:r>
-              <a:rPr lang="en-US" sz="2400" dirty="0"/>
-              <a:t>, </a:t>
-            </a:r>
-            <a:r>
-              <a:rPr lang="en-US" sz="2400" dirty="0" err="1"/>
-              <a:t>GameSlot</a:t>
-            </a:r>
-            <a:r>
-              <a:rPr lang="en-US" sz="2400" dirty="0"/>
-              <a:t>, </a:t>
-            </a:r>
-            <a:r>
-              <a:rPr lang="en-US" sz="2400" dirty="0" err="1"/>
-              <a:t>EarlyDayNum</a:t>
-            </a:r>
-            <a:r>
-              <a:rPr lang="en-US" sz="2400" dirty="0"/>
-              <a:t>, </a:t>
-            </a:r>
-            <a:r>
-              <a:rPr lang="en-US" sz="2400" dirty="0" err="1"/>
-              <a:t>LateDayNum</a:t>
+              <a:t>WeakSeed</a:t>
             </a:r>
             <a:endParaRPr lang="en-US" sz="2400" dirty="0"/>
           </a:p>
@@ -7020,6 +7117,436 @@
     </p:spTree>
     <p:extLst>
       <p:ext uri="{BB962C8B-B14F-4D97-AF65-F5344CB8AC3E}">
+        <p14:creationId xmlns:p14="http://schemas.microsoft.com/office/powerpoint/2010/main" val="3644147290"/>
+      </p:ext>
+    </p:extLst>
+  </p:cSld>
+  <p:clrMapOvr>
+    <a:masterClrMapping/>
+  </p:clrMapOvr>
+</p:sld>
+</file>
+
+<file path=ppt/slides/slide16.xml><?xml version="1.0" encoding="utf-8"?>
+<p:sld xmlns:a="http://schemas.openxmlformats.org/drawingml/2006/main" xmlns:r="http://schemas.openxmlformats.org/officeDocument/2006/relationships" xmlns:p="http://schemas.openxmlformats.org/presentationml/2006/main">
+  <p:cSld>
+    <p:spTree>
+      <p:nvGrpSpPr>
+        <p:cNvPr id="1" name=""/>
+        <p:cNvGrpSpPr/>
+        <p:nvPr/>
+      </p:nvGrpSpPr>
+      <p:grpSpPr>
+        <a:xfrm>
+          <a:off x="0" y="0"/>
+          <a:ext cx="0" cy="0"/>
+          <a:chOff x="0" y="0"/>
+          <a:chExt cx="0" cy="0"/>
+        </a:xfrm>
+      </p:grpSpPr>
+      <p:sp>
+        <p:nvSpPr>
+          <p:cNvPr id="2" name="Text Placeholder 1">
+            <a:extLst>
+              <a:ext uri="{FF2B5EF4-FFF2-40B4-BE49-F238E27FC236}">
+                <a16:creationId xmlns:a16="http://schemas.microsoft.com/office/drawing/2014/main" id="{DEDB9BE8-C609-A873-CBBC-0CA104AA9588}"/>
+              </a:ext>
+            </a:extLst>
+          </p:cNvPr>
+          <p:cNvSpPr>
+            <a:spLocks noGrp="1"/>
+          </p:cNvSpPr>
+          <p:nvPr>
+            <p:ph type="body" sz="quarter" idx="13"/>
+          </p:nvPr>
+        </p:nvSpPr>
+        <p:spPr/>
+        <p:txBody>
+          <a:bodyPr/>
+          <a:lstStyle/>
+          <a:p>
+            <a:endParaRPr lang="en-US"/>
+          </a:p>
+        </p:txBody>
+      </p:sp>
+      <p:sp>
+        <p:nvSpPr>
+          <p:cNvPr id="3" name="Title 2">
+            <a:extLst>
+              <a:ext uri="{FF2B5EF4-FFF2-40B4-BE49-F238E27FC236}">
+                <a16:creationId xmlns:a16="http://schemas.microsoft.com/office/drawing/2014/main" id="{18AA4D6E-70D3-8C8F-AF9E-00FC624637F9}"/>
+              </a:ext>
+            </a:extLst>
+          </p:cNvPr>
+          <p:cNvSpPr>
+            <a:spLocks noGrp="1"/>
+          </p:cNvSpPr>
+          <p:nvPr>
+            <p:ph type="title"/>
+          </p:nvPr>
+        </p:nvSpPr>
+        <p:spPr>
+          <a:xfrm>
+            <a:off x="841248" y="365760"/>
+            <a:ext cx="11161644" cy="767936"/>
+          </a:xfrm>
+        </p:spPr>
+        <p:txBody>
+          <a:bodyPr>
+            <a:normAutofit/>
+          </a:bodyPr>
+          <a:lstStyle/>
+          <a:p>
+            <a:r>
+              <a:rPr lang="en-US" dirty="0"/>
+              <a:t>Dataset and Features</a:t>
+            </a:r>
+            <a:r>
+              <a:rPr lang="en-US" b="0" dirty="0"/>
+              <a:t> – </a:t>
+            </a:r>
+            <a:r>
+              <a:rPr lang="en-US" b="1" dirty="0">
+                <a:solidFill>
+                  <a:srgbClr val="0070C0"/>
+                </a:solidFill>
+              </a:rPr>
+              <a:t>Data Section 3 Supplements</a:t>
+            </a:r>
+            <a:endParaRPr lang="en-US" b="0" dirty="0"/>
+          </a:p>
+        </p:txBody>
+      </p:sp>
+      <p:sp>
+        <p:nvSpPr>
+          <p:cNvPr id="4" name="Content Placeholder 3">
+            <a:extLst>
+              <a:ext uri="{FF2B5EF4-FFF2-40B4-BE49-F238E27FC236}">
+                <a16:creationId xmlns:a16="http://schemas.microsoft.com/office/drawing/2014/main" id="{4391D70F-9C2B-F376-3A6F-BE5CA85CF1FC}"/>
+              </a:ext>
+            </a:extLst>
+          </p:cNvPr>
+          <p:cNvSpPr>
+            <a:spLocks noGrp="1"/>
+          </p:cNvSpPr>
+          <p:nvPr>
+            <p:ph idx="1"/>
+          </p:nvPr>
+        </p:nvSpPr>
+        <p:spPr>
+          <a:xfrm>
+            <a:off x="841248" y="1207008"/>
+            <a:ext cx="10766655" cy="4969565"/>
+          </a:xfrm>
+        </p:spPr>
+        <p:txBody>
+          <a:bodyPr>
+            <a:noAutofit/>
+          </a:bodyPr>
+          <a:lstStyle/>
+          <a:p>
+            <a:r>
+              <a:rPr lang="en-US" sz="2800" b="1" dirty="0"/>
+              <a:t>Team Coaches :</a:t>
+            </a:r>
+            <a:r>
+              <a:rPr lang="en-US" sz="2800" dirty="0"/>
+              <a:t> </a:t>
+            </a:r>
+            <a:r>
+              <a:rPr lang="en-US" sz="2400" dirty="0"/>
+              <a:t>Season, </a:t>
+            </a:r>
+            <a:r>
+              <a:rPr lang="en-US" sz="2400" dirty="0" err="1"/>
+              <a:t>TeamID</a:t>
+            </a:r>
+            <a:r>
+              <a:rPr lang="en-US" sz="2400" dirty="0"/>
+              <a:t>, </a:t>
+            </a:r>
+            <a:r>
+              <a:rPr lang="en-US" sz="2400" dirty="0" err="1"/>
+              <a:t>FirstDayNum</a:t>
+            </a:r>
+            <a:r>
+              <a:rPr lang="en-US" sz="2400" dirty="0"/>
+              <a:t>, </a:t>
+            </a:r>
+            <a:r>
+              <a:rPr lang="en-US" sz="2400" dirty="0" err="1"/>
+              <a:t>LastDayNum</a:t>
+            </a:r>
+            <a:r>
+              <a:rPr lang="en-US" sz="2400" dirty="0"/>
+              <a:t>, </a:t>
+            </a:r>
+            <a:r>
+              <a:rPr lang="en-US" sz="2400" dirty="0" err="1"/>
+              <a:t>CoachName</a:t>
+            </a:r>
+            <a:endParaRPr lang="en-US" sz="2800" dirty="0"/>
+          </a:p>
+          <a:p>
+            <a:r>
+              <a:rPr lang="en-US" sz="2800" b="1" dirty="0"/>
+              <a:t>Conferences :</a:t>
+            </a:r>
+            <a:r>
+              <a:rPr lang="en-US" sz="2800" dirty="0"/>
+              <a:t> </a:t>
+            </a:r>
+            <a:r>
+              <a:rPr lang="en-US" sz="2800" dirty="0" err="1"/>
+              <a:t>ConfAbbrev</a:t>
+            </a:r>
+            <a:r>
+              <a:rPr lang="en-US" sz="2800" dirty="0"/>
+              <a:t>, Description</a:t>
+            </a:r>
+          </a:p>
+          <a:p>
+            <a:r>
+              <a:rPr lang="en-US" sz="2800" b="1" dirty="0"/>
+              <a:t>Team Conferences :</a:t>
+            </a:r>
+            <a:r>
+              <a:rPr lang="en-US" sz="2800" dirty="0"/>
+              <a:t> Season, </a:t>
+            </a:r>
+            <a:r>
+              <a:rPr lang="en-US" sz="2800" dirty="0" err="1"/>
+              <a:t>TeamID</a:t>
+            </a:r>
+            <a:r>
+              <a:rPr lang="en-US" sz="2800" dirty="0"/>
+              <a:t>, </a:t>
+            </a:r>
+            <a:r>
+              <a:rPr lang="en-US" sz="2800" dirty="0" err="1"/>
+              <a:t>ConfAbbrev</a:t>
+            </a:r>
+            <a:endParaRPr lang="en-US" sz="2800" dirty="0"/>
+          </a:p>
+          <a:p>
+            <a:r>
+              <a:rPr lang="en-US" sz="2800" b="1" dirty="0"/>
+              <a:t>Conference Tourney Games :</a:t>
+            </a:r>
+            <a:r>
+              <a:rPr lang="en-US" sz="2800" dirty="0"/>
+              <a:t> </a:t>
+            </a:r>
+            <a:r>
+              <a:rPr lang="en-US" sz="2400" dirty="0" err="1"/>
+              <a:t>ConfAbbrev</a:t>
+            </a:r>
+            <a:r>
+              <a:rPr lang="en-US" sz="2400" dirty="0"/>
+              <a:t>, Season, </a:t>
+            </a:r>
+            <a:r>
+              <a:rPr lang="en-US" sz="2400" dirty="0" err="1"/>
+              <a:t>DayNum</a:t>
+            </a:r>
+            <a:r>
+              <a:rPr lang="en-US" sz="2400" dirty="0"/>
+              <a:t>, </a:t>
+            </a:r>
+            <a:r>
+              <a:rPr lang="en-US" sz="2400" dirty="0" err="1"/>
+              <a:t>WTeamID</a:t>
+            </a:r>
+            <a:r>
+              <a:rPr lang="en-US" sz="2400" dirty="0"/>
+              <a:t>, </a:t>
+            </a:r>
+            <a:r>
+              <a:rPr lang="en-US" sz="2400" dirty="0" err="1"/>
+              <a:t>LTeamID</a:t>
+            </a:r>
+            <a:endParaRPr lang="en-US" sz="2800" dirty="0"/>
+          </a:p>
+          <a:p>
+            <a:r>
+              <a:rPr lang="en-US" sz="2800" b="1" dirty="0"/>
+              <a:t>Secondary Tourney Teams :</a:t>
+            </a:r>
+            <a:r>
+              <a:rPr lang="en-US" sz="2800" dirty="0"/>
+              <a:t> Season, </a:t>
+            </a:r>
+            <a:r>
+              <a:rPr lang="en-US" sz="2800" dirty="0" err="1"/>
+              <a:t>SecondaryTourney</a:t>
+            </a:r>
+            <a:r>
+              <a:rPr lang="en-US" sz="2800" dirty="0"/>
+              <a:t>, </a:t>
+            </a:r>
+            <a:r>
+              <a:rPr lang="en-US" sz="2800" dirty="0" err="1"/>
+              <a:t>TeamID</a:t>
+            </a:r>
+            <a:endParaRPr lang="en-US" sz="2800" dirty="0"/>
+          </a:p>
+          <a:p>
+            <a:r>
+              <a:rPr lang="en-US" sz="2800" b="1" dirty="0"/>
+              <a:t>Massey Ordinals :</a:t>
+            </a:r>
+            <a:r>
+              <a:rPr lang="en-US" sz="2800" dirty="0"/>
+              <a:t>  Season, </a:t>
+            </a:r>
+            <a:r>
+              <a:rPr lang="en-US" sz="2800" dirty="0" err="1"/>
+              <a:t>RankingDayNum</a:t>
+            </a:r>
+            <a:r>
+              <a:rPr lang="en-US" sz="2800" dirty="0"/>
+              <a:t>, </a:t>
+            </a:r>
+            <a:r>
+              <a:rPr lang="en-US" sz="2800" dirty="0" err="1"/>
+              <a:t>SystemName</a:t>
+            </a:r>
+            <a:r>
+              <a:rPr lang="en-US" sz="2800" dirty="0"/>
+              <a:t>, </a:t>
+            </a:r>
+            <a:r>
+              <a:rPr lang="en-US" sz="2800" dirty="0" err="1"/>
+              <a:t>TeamID</a:t>
+            </a:r>
+            <a:r>
+              <a:rPr lang="en-US" sz="2800" dirty="0"/>
+              <a:t>, </a:t>
+            </a:r>
+            <a:r>
+              <a:rPr lang="en-US" sz="2800" dirty="0" err="1"/>
+              <a:t>OrdinalRank</a:t>
+            </a:r>
+            <a:endParaRPr lang="en-US" sz="2800" dirty="0"/>
+          </a:p>
+          <a:p>
+            <a:r>
+              <a:rPr lang="en-US" sz="2800" b="1" dirty="0"/>
+              <a:t>Team Spellings :</a:t>
+            </a:r>
+            <a:r>
+              <a:rPr lang="en-US" sz="2800" dirty="0"/>
+              <a:t> </a:t>
+            </a:r>
+            <a:r>
+              <a:rPr lang="en-US" sz="2800" dirty="0" err="1"/>
+              <a:t>TeamNameSpelling</a:t>
+            </a:r>
+            <a:r>
+              <a:rPr lang="en-US" sz="2800" dirty="0"/>
+              <a:t>, </a:t>
+            </a:r>
+            <a:r>
+              <a:rPr lang="en-US" sz="2800" dirty="0" err="1"/>
+              <a:t>TeamID</a:t>
+            </a:r>
+            <a:endParaRPr lang="en-US" sz="2800" dirty="0"/>
+          </a:p>
+          <a:p>
+            <a:r>
+              <a:rPr lang="en-US" sz="2800" b="1" dirty="0"/>
+              <a:t>Seed Round Slots :</a:t>
+            </a:r>
+            <a:r>
+              <a:rPr lang="en-US" sz="2800" dirty="0"/>
+              <a:t> </a:t>
+            </a:r>
+            <a:r>
+              <a:rPr lang="en-US" sz="2400" dirty="0"/>
+              <a:t>Seed, </a:t>
+            </a:r>
+            <a:r>
+              <a:rPr lang="en-US" sz="2400" dirty="0" err="1"/>
+              <a:t>GameRound</a:t>
+            </a:r>
+            <a:r>
+              <a:rPr lang="en-US" sz="2400" dirty="0"/>
+              <a:t>, </a:t>
+            </a:r>
+            <a:r>
+              <a:rPr lang="en-US" sz="2400" dirty="0" err="1"/>
+              <a:t>GameSlot</a:t>
+            </a:r>
+            <a:r>
+              <a:rPr lang="en-US" sz="2400" dirty="0"/>
+              <a:t>, </a:t>
+            </a:r>
+            <a:r>
+              <a:rPr lang="en-US" sz="2400" dirty="0" err="1"/>
+              <a:t>EarlyDayNum</a:t>
+            </a:r>
+            <a:r>
+              <a:rPr lang="en-US" sz="2400" dirty="0"/>
+              <a:t>, </a:t>
+            </a:r>
+            <a:r>
+              <a:rPr lang="en-US" sz="2400" dirty="0" err="1"/>
+              <a:t>LateDayNum</a:t>
+            </a:r>
+            <a:endParaRPr lang="en-US" sz="2400" dirty="0"/>
+          </a:p>
+        </p:txBody>
+      </p:sp>
+      <p:sp>
+        <p:nvSpPr>
+          <p:cNvPr id="5" name="Slide Number Placeholder 5">
+            <a:extLst>
+              <a:ext uri="{FF2B5EF4-FFF2-40B4-BE49-F238E27FC236}">
+                <a16:creationId xmlns:a16="http://schemas.microsoft.com/office/drawing/2014/main" id="{8E0510B8-2E78-20E7-4DBB-06CABF68D68D}"/>
+              </a:ext>
+            </a:extLst>
+          </p:cNvPr>
+          <p:cNvSpPr>
+            <a:spLocks noGrp="1"/>
+          </p:cNvSpPr>
+          <p:nvPr>
+            <p:ph type="sldNum" sz="quarter" idx="12"/>
+          </p:nvPr>
+        </p:nvSpPr>
+        <p:spPr>
+          <a:xfrm>
+            <a:off x="8610600" y="6356350"/>
+            <a:ext cx="3028122" cy="365125"/>
+          </a:xfrm>
+          <a:prstGeom prst="rect">
+            <a:avLst/>
+          </a:prstGeom>
+        </p:spPr>
+        <p:txBody>
+          <a:bodyPr anchor="ctr"/>
+          <a:lstStyle>
+            <a:lvl1pPr algn="r">
+              <a:defRPr sz="1000">
+                <a:solidFill>
+                  <a:schemeClr val="tx2"/>
+                </a:solidFill>
+                <a:latin typeface="SF Compact Rounded" pitchFamily="2" charset="77"/>
+              </a:defRPr>
+            </a:lvl1pPr>
+          </a:lstStyle>
+          <a:p>
+            <a:fld id="{1E7E87EC-D468-6B42-A141-7B085F32EA20}" type="slidenum">
+              <a:rPr lang="en-US" smtClean="0"/>
+              <a:pPr/>
+              <a:t>16</a:t>
+            </a:fld>
+            <a:endParaRPr lang="en-US" dirty="0"/>
+          </a:p>
+        </p:txBody>
+      </p:sp>
+    </p:spTree>
+    <p:extLst>
+      <p:ext uri="{BB962C8B-B14F-4D97-AF65-F5344CB8AC3E}">
         <p14:creationId xmlns:p14="http://schemas.microsoft.com/office/powerpoint/2010/main" val="1020226150"/>
       </p:ext>
     </p:extLst>
@@ -7030,7 +7557,7 @@
 </p:sld>
 </file>
 
-<file path=ppt/slides/slide16.xml><?xml version="1.0" encoding="utf-8"?>
+<file path=ppt/slides/slide17.xml><?xml version="1.0" encoding="utf-8"?>
 <p:sld xmlns:a="http://schemas.openxmlformats.org/drawingml/2006/main" xmlns:r="http://schemas.openxmlformats.org/officeDocument/2006/relationships" xmlns:p="http://schemas.openxmlformats.org/presentationml/2006/main">
   <p:cSld>
     <p:spTree>
@@ -7110,7 +7637,7 @@
 </p:sld>
 </file>
 
-<file path=ppt/slides/slide17.xml><?xml version="1.0" encoding="utf-8"?>
+<file path=ppt/slides/slide18.xml><?xml version="1.0" encoding="utf-8"?>
 <p:sld xmlns:a="http://schemas.openxmlformats.org/drawingml/2006/main" xmlns:r="http://schemas.openxmlformats.org/officeDocument/2006/relationships" xmlns:p="http://schemas.openxmlformats.org/presentationml/2006/main">
   <p:cSld>
     <p:spTree>
@@ -7232,7 +7759,7 @@
             <a:fld id="{1E7E87EC-D468-6B42-A141-7B085F32EA20}" type="slidenum">
               <a:rPr lang="en-US" smtClean="0"/>
               <a:pPr/>
-              <a:t>17</a:t>
+              <a:t>18</a:t>
             </a:fld>
             <a:endParaRPr lang="en-US" dirty="0"/>
           </a:p>
@@ -7298,7 +7825,7 @@
 </p:sld>
 </file>
 
-<file path=ppt/slides/slide18.xml><?xml version="1.0" encoding="utf-8"?>
+<file path=ppt/slides/slide19.xml><?xml version="1.0" encoding="utf-8"?>
 <p:sld xmlns:a="http://schemas.openxmlformats.org/drawingml/2006/main" xmlns:r="http://schemas.openxmlformats.org/officeDocument/2006/relationships" xmlns:p="http://schemas.openxmlformats.org/presentationml/2006/main">
   <p:cSld>
     <p:spTree>
@@ -7420,7 +7947,7 @@
             <a:fld id="{1E7E87EC-D468-6B42-A141-7B085F32EA20}" type="slidenum">
               <a:rPr lang="en-US" smtClean="0"/>
               <a:pPr/>
-              <a:t>18</a:t>
+              <a:t>19</a:t>
             </a:fld>
             <a:endParaRPr lang="en-US" dirty="0"/>
           </a:p>
@@ -7680,86 +8207,6 @@
 </p:sld>
 </file>
 
-<file path=ppt/slides/slide19.xml><?xml version="1.0" encoding="utf-8"?>
-<p:sld xmlns:a="http://schemas.openxmlformats.org/drawingml/2006/main" xmlns:r="http://schemas.openxmlformats.org/officeDocument/2006/relationships" xmlns:p="http://schemas.openxmlformats.org/presentationml/2006/main">
-  <p:cSld>
-    <p:spTree>
-      <p:nvGrpSpPr>
-        <p:cNvPr id="1" name=""/>
-        <p:cNvGrpSpPr/>
-        <p:nvPr/>
-      </p:nvGrpSpPr>
-      <p:grpSpPr>
-        <a:xfrm>
-          <a:off x="0" y="0"/>
-          <a:ext cx="0" cy="0"/>
-          <a:chOff x="0" y="0"/>
-          <a:chExt cx="0" cy="0"/>
-        </a:xfrm>
-      </p:grpSpPr>
-      <p:sp>
-        <p:nvSpPr>
-          <p:cNvPr id="2" name="Title 1">
-            <a:extLst>
-              <a:ext uri="{FF2B5EF4-FFF2-40B4-BE49-F238E27FC236}">
-                <a16:creationId xmlns:a16="http://schemas.microsoft.com/office/drawing/2014/main" id="{91556312-D863-0258-95A6-3C3D9EFE4F0C}"/>
-              </a:ext>
-            </a:extLst>
-          </p:cNvPr>
-          <p:cNvSpPr>
-            <a:spLocks noGrp="1"/>
-          </p:cNvSpPr>
-          <p:nvPr>
-            <p:ph type="ctrTitle"/>
-          </p:nvPr>
-        </p:nvSpPr>
-        <p:spPr>
-          <a:xfrm>
-            <a:off x="578426" y="2356506"/>
-            <a:ext cx="11035147" cy="2144988"/>
-          </a:xfrm>
-        </p:spPr>
-        <p:txBody>
-          <a:bodyPr anchor="ctr">
-            <a:normAutofit/>
-          </a:bodyPr>
-          <a:lstStyle/>
-          <a:p>
-            <a:r>
-              <a:rPr lang="en-US" sz="4400" b="1" dirty="0">
-                <a:solidFill>
-                  <a:schemeClr val="tx2"/>
-                </a:solidFill>
-                <a:latin typeface="SF Compact Rounded Heavy" pitchFamily="2" charset="77"/>
-                <a:ea typeface="SF Pro Display" pitchFamily="2" charset="0"/>
-                <a:cs typeface="Nirmala Text" panose="020B0604020202020204" pitchFamily="34" charset="0"/>
-              </a:rPr>
-              <a:t>Experiments</a:t>
-            </a:r>
-            <a:endParaRPr lang="en-US" sz="2400" b="1" dirty="0">
-              <a:solidFill>
-                <a:schemeClr val="tx2"/>
-              </a:solidFill>
-              <a:latin typeface="SF Compact Rounded Heavy" pitchFamily="2" charset="77"/>
-              <a:ea typeface="SF Pro Display" pitchFamily="2" charset="0"/>
-              <a:cs typeface="Nirmala Text" panose="020B0604020202020204" pitchFamily="34" charset="0"/>
-            </a:endParaRPr>
-          </a:p>
-        </p:txBody>
-      </p:sp>
-    </p:spTree>
-    <p:extLst>
-      <p:ext uri="{BB962C8B-B14F-4D97-AF65-F5344CB8AC3E}">
-        <p14:creationId xmlns:p14="http://schemas.microsoft.com/office/powerpoint/2010/main" val="2888737260"/>
-      </p:ext>
-    </p:extLst>
-  </p:cSld>
-  <p:clrMapOvr>
-    <a:masterClrMapping/>
-  </p:clrMapOvr>
-</p:sld>
-</file>
-
 <file path=ppt/slides/slide2.xml><?xml version="1.0" encoding="utf-8"?>
 <p:sld xmlns:a="http://schemas.openxmlformats.org/drawingml/2006/main" xmlns:r="http://schemas.openxmlformats.org/officeDocument/2006/relationships" xmlns:p="http://schemas.openxmlformats.org/presentationml/2006/main">
   <p:cSld>
@@ -8104,7 +8551,26 @@
           <a:bodyPr/>
           <a:lstStyle/>
           <a:p>
-            <a:endParaRPr lang="en-US"/>
+            <a:r>
+              <a:rPr lang="en" dirty="0">
+                <a:latin typeface="Nunito"/>
+                <a:ea typeface="Nunito"/>
+                <a:cs typeface="Nunito"/>
+                <a:sym typeface="Nunito"/>
+              </a:rPr>
+              <a:t>Source : [10] </a:t>
+            </a:r>
+            <a:r>
+              <a:rPr lang="en-US" dirty="0">
+                <a:latin typeface="Nunito"/>
+                <a:ea typeface="Nunito"/>
+                <a:cs typeface="Nunito"/>
+                <a:sym typeface="Nunito"/>
+                <a:hlinkClick r:id="rId2"/>
+              </a:rPr>
+              <a:t>Zhang, et al. (2013)</a:t>
+            </a:r>
+            <a:endParaRPr lang="en-US" dirty="0"/>
           </a:p>
         </p:txBody>
       </p:sp>
@@ -8138,11 +8604,11 @@
           <a:p>
             <a:r>
               <a:rPr lang="en-US" dirty="0"/>
-              <a:t>Experiment</a:t>
+              <a:t>Methods</a:t>
             </a:r>
             <a:r>
               <a:rPr lang="en-US" b="0" dirty="0"/>
-              <a:t> – Model Building</a:t>
+              <a:t> – Data Understanding using EDA</a:t>
             </a:r>
           </a:p>
         </p:txBody>
@@ -8189,6 +8655,555 @@
               <a:rPr lang="en-US" smtClean="0"/>
               <a:pPr/>
               <a:t>20</a:t>
+            </a:fld>
+            <a:endParaRPr lang="en-US" dirty="0"/>
+          </a:p>
+        </p:txBody>
+      </p:sp>
+      <p:sp>
+        <p:nvSpPr>
+          <p:cNvPr id="4" name="Content Placeholder 3">
+            <a:extLst>
+              <a:ext uri="{FF2B5EF4-FFF2-40B4-BE49-F238E27FC236}">
+                <a16:creationId xmlns:a16="http://schemas.microsoft.com/office/drawing/2014/main" id="{4913EAA3-C91E-6CE5-556A-99052D7B3DA5}"/>
+              </a:ext>
+            </a:extLst>
+          </p:cNvPr>
+          <p:cNvSpPr>
+            <a:spLocks noGrp="1"/>
+          </p:cNvSpPr>
+          <p:nvPr>
+            <p:ph idx="1"/>
+          </p:nvPr>
+        </p:nvSpPr>
+        <p:spPr>
+          <a:xfrm>
+            <a:off x="841248" y="1207008"/>
+            <a:ext cx="10594396" cy="4969565"/>
+          </a:xfrm>
+        </p:spPr>
+        <p:txBody>
+          <a:bodyPr>
+            <a:noAutofit/>
+          </a:bodyPr>
+          <a:lstStyle/>
+          <a:p>
+            <a:r>
+              <a:rPr lang="en-US" sz="3200" dirty="0"/>
+              <a:t>For feature selection, we used the scikit learn Sequential Feature selector and forward selection and time series cross validation to reduce the feature set.</a:t>
+            </a:r>
+          </a:p>
+        </p:txBody>
+      </p:sp>
+      <p:pic>
+        <p:nvPicPr>
+          <p:cNvPr id="1026" name="Picture 2">
+            <a:extLst>
+              <a:ext uri="{FF2B5EF4-FFF2-40B4-BE49-F238E27FC236}">
+                <a16:creationId xmlns:a16="http://schemas.microsoft.com/office/drawing/2014/main" id="{D7500535-CF50-40FB-5327-AE5F679719CA}"/>
+              </a:ext>
+            </a:extLst>
+          </p:cNvPr>
+          <p:cNvPicPr>
+            <a:picLocks noChangeAspect="1" noChangeArrowheads="1"/>
+          </p:cNvPicPr>
+          <p:nvPr/>
+        </p:nvPicPr>
+        <p:blipFill>
+          <a:blip r:embed="rId3">
+            <a:extLst>
+              <a:ext uri="{28A0092B-C50C-407E-A947-70E740481C1C}">
+                <a14:useLocalDpi xmlns:a14="http://schemas.microsoft.com/office/drawing/2010/main" val="0"/>
+              </a:ext>
+            </a:extLst>
+          </a:blip>
+          <a:srcRect/>
+          <a:stretch>
+            <a:fillRect/>
+          </a:stretch>
+        </p:blipFill>
+        <p:spPr bwMode="auto">
+          <a:xfrm>
+            <a:off x="2562225" y="2757098"/>
+            <a:ext cx="7067550" cy="3187916"/>
+          </a:xfrm>
+          <a:prstGeom prst="rect">
+            <a:avLst/>
+          </a:prstGeom>
+          <a:noFill/>
+          <a:extLst>
+            <a:ext uri="{909E8E84-426E-40DD-AFC4-6F175D3DCCD1}">
+              <a14:hiddenFill xmlns:a14="http://schemas.microsoft.com/office/drawing/2010/main">
+                <a:solidFill>
+                  <a:srgbClr val="FFFFFF"/>
+                </a:solidFill>
+              </a14:hiddenFill>
+            </a:ext>
+          </a:extLst>
+        </p:spPr>
+      </p:pic>
+    </p:spTree>
+    <p:extLst>
+      <p:ext uri="{BB962C8B-B14F-4D97-AF65-F5344CB8AC3E}">
+        <p14:creationId xmlns:p14="http://schemas.microsoft.com/office/powerpoint/2010/main" val="806464354"/>
+      </p:ext>
+    </p:extLst>
+  </p:cSld>
+  <p:clrMapOvr>
+    <a:masterClrMapping/>
+  </p:clrMapOvr>
+</p:sld>
+</file>
+
+<file path=ppt/slides/slide21.xml><?xml version="1.0" encoding="utf-8"?>
+<p:sld xmlns:a="http://schemas.openxmlformats.org/drawingml/2006/main" xmlns:r="http://schemas.openxmlformats.org/officeDocument/2006/relationships" xmlns:p="http://schemas.openxmlformats.org/presentationml/2006/main">
+  <p:cSld>
+    <p:spTree>
+      <p:nvGrpSpPr>
+        <p:cNvPr id="1" name=""/>
+        <p:cNvGrpSpPr/>
+        <p:nvPr/>
+      </p:nvGrpSpPr>
+      <p:grpSpPr>
+        <a:xfrm>
+          <a:off x="0" y="0"/>
+          <a:ext cx="0" cy="0"/>
+          <a:chOff x="0" y="0"/>
+          <a:chExt cx="0" cy="0"/>
+        </a:xfrm>
+      </p:grpSpPr>
+      <p:sp>
+        <p:nvSpPr>
+          <p:cNvPr id="2" name="Title 1">
+            <a:extLst>
+              <a:ext uri="{FF2B5EF4-FFF2-40B4-BE49-F238E27FC236}">
+                <a16:creationId xmlns:a16="http://schemas.microsoft.com/office/drawing/2014/main" id="{91556312-D863-0258-95A6-3C3D9EFE4F0C}"/>
+              </a:ext>
+            </a:extLst>
+          </p:cNvPr>
+          <p:cNvSpPr>
+            <a:spLocks noGrp="1"/>
+          </p:cNvSpPr>
+          <p:nvPr>
+            <p:ph type="ctrTitle"/>
+          </p:nvPr>
+        </p:nvSpPr>
+        <p:spPr>
+          <a:xfrm>
+            <a:off x="578426" y="2356506"/>
+            <a:ext cx="11035147" cy="2144988"/>
+          </a:xfrm>
+        </p:spPr>
+        <p:txBody>
+          <a:bodyPr anchor="ctr">
+            <a:normAutofit/>
+          </a:bodyPr>
+          <a:lstStyle/>
+          <a:p>
+            <a:r>
+              <a:rPr lang="en-US" sz="4400" b="1" dirty="0">
+                <a:solidFill>
+                  <a:schemeClr val="tx2"/>
+                </a:solidFill>
+                <a:latin typeface="SF Compact Rounded Heavy" pitchFamily="2" charset="77"/>
+                <a:ea typeface="SF Pro Display" pitchFamily="2" charset="0"/>
+                <a:cs typeface="Nirmala Text" panose="020B0604020202020204" pitchFamily="34" charset="0"/>
+              </a:rPr>
+              <a:t>Experiments</a:t>
+            </a:r>
+            <a:endParaRPr lang="en-US" sz="2400" b="1" dirty="0">
+              <a:solidFill>
+                <a:schemeClr val="tx2"/>
+              </a:solidFill>
+              <a:latin typeface="SF Compact Rounded Heavy" pitchFamily="2" charset="77"/>
+              <a:ea typeface="SF Pro Display" pitchFamily="2" charset="0"/>
+              <a:cs typeface="Nirmala Text" panose="020B0604020202020204" pitchFamily="34" charset="0"/>
+            </a:endParaRPr>
+          </a:p>
+        </p:txBody>
+      </p:sp>
+    </p:spTree>
+    <p:extLst>
+      <p:ext uri="{BB962C8B-B14F-4D97-AF65-F5344CB8AC3E}">
+        <p14:creationId xmlns:p14="http://schemas.microsoft.com/office/powerpoint/2010/main" val="2888737260"/>
+      </p:ext>
+    </p:extLst>
+  </p:cSld>
+  <p:clrMapOvr>
+    <a:masterClrMapping/>
+  </p:clrMapOvr>
+</p:sld>
+</file>
+
+<file path=ppt/slides/slide22.xml><?xml version="1.0" encoding="utf-8"?>
+<p:sld xmlns:a="http://schemas.openxmlformats.org/drawingml/2006/main" xmlns:r="http://schemas.openxmlformats.org/officeDocument/2006/relationships" xmlns:p="http://schemas.openxmlformats.org/presentationml/2006/main">
+  <p:cSld>
+    <p:spTree>
+      <p:nvGrpSpPr>
+        <p:cNvPr id="1" name=""/>
+        <p:cNvGrpSpPr/>
+        <p:nvPr/>
+      </p:nvGrpSpPr>
+      <p:grpSpPr>
+        <a:xfrm>
+          <a:off x="0" y="0"/>
+          <a:ext cx="0" cy="0"/>
+          <a:chOff x="0" y="0"/>
+          <a:chExt cx="0" cy="0"/>
+        </a:xfrm>
+      </p:grpSpPr>
+      <p:sp>
+        <p:nvSpPr>
+          <p:cNvPr id="2" name="Text Placeholder 1">
+            <a:extLst>
+              <a:ext uri="{FF2B5EF4-FFF2-40B4-BE49-F238E27FC236}">
+                <a16:creationId xmlns:a16="http://schemas.microsoft.com/office/drawing/2014/main" id="{DEDB9BE8-C609-A873-CBBC-0CA104AA9588}"/>
+              </a:ext>
+            </a:extLst>
+          </p:cNvPr>
+          <p:cNvSpPr>
+            <a:spLocks noGrp="1"/>
+          </p:cNvSpPr>
+          <p:nvPr>
+            <p:ph type="body" sz="quarter" idx="13"/>
+          </p:nvPr>
+        </p:nvSpPr>
+        <p:spPr/>
+        <p:txBody>
+          <a:bodyPr/>
+          <a:lstStyle/>
+          <a:p>
+            <a:endParaRPr lang="en-US"/>
+          </a:p>
+        </p:txBody>
+      </p:sp>
+      <p:sp>
+        <p:nvSpPr>
+          <p:cNvPr id="3" name="Title 2">
+            <a:extLst>
+              <a:ext uri="{FF2B5EF4-FFF2-40B4-BE49-F238E27FC236}">
+                <a16:creationId xmlns:a16="http://schemas.microsoft.com/office/drawing/2014/main" id="{18AA4D6E-70D3-8C8F-AF9E-00FC624637F9}"/>
+              </a:ext>
+            </a:extLst>
+          </p:cNvPr>
+          <p:cNvSpPr>
+            <a:spLocks noGrp="1"/>
+          </p:cNvSpPr>
+          <p:nvPr>
+            <p:ph type="title"/>
+          </p:nvPr>
+        </p:nvSpPr>
+        <p:spPr>
+          <a:xfrm>
+            <a:off x="841248" y="365760"/>
+            <a:ext cx="11161644" cy="767936"/>
+          </a:xfrm>
+        </p:spPr>
+        <p:txBody>
+          <a:bodyPr>
+            <a:normAutofit/>
+          </a:bodyPr>
+          <a:lstStyle/>
+          <a:p>
+            <a:r>
+              <a:rPr lang="en-US" dirty="0"/>
+              <a:t>Experiment</a:t>
+            </a:r>
+            <a:r>
+              <a:rPr lang="en-US" b="0" dirty="0"/>
+              <a:t> – Testing and Training Split</a:t>
+            </a:r>
+          </a:p>
+        </p:txBody>
+      </p:sp>
+      <p:sp>
+        <p:nvSpPr>
+          <p:cNvPr id="5" name="Slide Number Placeholder 5">
+            <a:extLst>
+              <a:ext uri="{FF2B5EF4-FFF2-40B4-BE49-F238E27FC236}">
+                <a16:creationId xmlns:a16="http://schemas.microsoft.com/office/drawing/2014/main" id="{8E0510B8-2E78-20E7-4DBB-06CABF68D68D}"/>
+              </a:ext>
+            </a:extLst>
+          </p:cNvPr>
+          <p:cNvSpPr>
+            <a:spLocks noGrp="1"/>
+          </p:cNvSpPr>
+          <p:nvPr>
+            <p:ph type="sldNum" sz="quarter" idx="12"/>
+          </p:nvPr>
+        </p:nvSpPr>
+        <p:spPr>
+          <a:xfrm>
+            <a:off x="8610600" y="6356350"/>
+            <a:ext cx="3028122" cy="365125"/>
+          </a:xfrm>
+          <a:prstGeom prst="rect">
+            <a:avLst/>
+          </a:prstGeom>
+        </p:spPr>
+        <p:txBody>
+          <a:bodyPr anchor="ctr"/>
+          <a:lstStyle>
+            <a:lvl1pPr algn="r">
+              <a:defRPr sz="1000">
+                <a:solidFill>
+                  <a:schemeClr val="tx2"/>
+                </a:solidFill>
+                <a:latin typeface="SF Compact Rounded" pitchFamily="2" charset="77"/>
+              </a:defRPr>
+            </a:lvl1pPr>
+          </a:lstStyle>
+          <a:p>
+            <a:fld id="{1E7E87EC-D468-6B42-A141-7B085F32EA20}" type="slidenum">
+              <a:rPr lang="en-US" smtClean="0"/>
+              <a:pPr/>
+              <a:t>22</a:t>
+            </a:fld>
+            <a:endParaRPr lang="en-US" dirty="0"/>
+          </a:p>
+        </p:txBody>
+      </p:sp>
+      <p:sp>
+        <p:nvSpPr>
+          <p:cNvPr id="4" name="Content Placeholder 3">
+            <a:extLst>
+              <a:ext uri="{FF2B5EF4-FFF2-40B4-BE49-F238E27FC236}">
+                <a16:creationId xmlns:a16="http://schemas.microsoft.com/office/drawing/2014/main" id="{6586E1D2-5243-2813-A32B-DBFEC57A3755}"/>
+              </a:ext>
+            </a:extLst>
+          </p:cNvPr>
+          <p:cNvSpPr>
+            <a:spLocks noGrp="1"/>
+          </p:cNvSpPr>
+          <p:nvPr>
+            <p:ph idx="1"/>
+          </p:nvPr>
+        </p:nvSpPr>
+        <p:spPr>
+          <a:xfrm>
+            <a:off x="841248" y="1207008"/>
+            <a:ext cx="10504085" cy="4969565"/>
+          </a:xfrm>
+        </p:spPr>
+        <p:txBody>
+          <a:bodyPr>
+            <a:normAutofit/>
+          </a:bodyPr>
+          <a:lstStyle/>
+          <a:p>
+            <a:pPr marL="177800" lvl="0" indent="-177800">
+              <a:lnSpc>
+                <a:spcPct val="80000"/>
+              </a:lnSpc>
+              <a:spcBef>
+                <a:spcPts val="800"/>
+              </a:spcBef>
+              <a:buClr>
+                <a:schemeClr val="dk2"/>
+              </a:buClr>
+              <a:buSzPts val="2200"/>
+            </a:pPr>
+            <a:r>
+              <a:rPr lang="en-US" sz="3200" b="0" i="0" u="none" strike="noStrike" dirty="0">
+                <a:solidFill>
+                  <a:srgbClr val="44546A"/>
+                </a:solidFill>
+                <a:effectLst/>
+              </a:rPr>
+              <a:t>Because this is a time series dataset, we had to make sure our training dataset was entered into the model sequentially.</a:t>
+            </a:r>
+            <a:endParaRPr lang="en-US" sz="4800" dirty="0">
+              <a:solidFill>
+                <a:srgbClr val="0070C0"/>
+              </a:solidFill>
+              <a:effectLst/>
+            </a:endParaRPr>
+          </a:p>
+        </p:txBody>
+      </p:sp>
+      <p:pic>
+        <p:nvPicPr>
+          <p:cNvPr id="2050" name="Picture 2">
+            <a:extLst>
+              <a:ext uri="{FF2B5EF4-FFF2-40B4-BE49-F238E27FC236}">
+                <a16:creationId xmlns:a16="http://schemas.microsoft.com/office/drawing/2014/main" id="{1A0C6AF3-63D1-CEA3-2DEB-19EA48500100}"/>
+              </a:ext>
+            </a:extLst>
+          </p:cNvPr>
+          <p:cNvPicPr>
+            <a:picLocks noChangeAspect="1" noChangeArrowheads="1"/>
+          </p:cNvPicPr>
+          <p:nvPr/>
+        </p:nvPicPr>
+        <p:blipFill>
+          <a:blip r:embed="rId2">
+            <a:extLst>
+              <a:ext uri="{28A0092B-C50C-407E-A947-70E740481C1C}">
+                <a14:useLocalDpi xmlns:a14="http://schemas.microsoft.com/office/drawing/2010/main" val="0"/>
+              </a:ext>
+            </a:extLst>
+          </a:blip>
+          <a:srcRect/>
+          <a:stretch>
+            <a:fillRect/>
+          </a:stretch>
+        </p:blipFill>
+        <p:spPr bwMode="auto">
+          <a:xfrm>
+            <a:off x="1802277" y="2600223"/>
+            <a:ext cx="8582025" cy="3341179"/>
+          </a:xfrm>
+          <a:prstGeom prst="rect">
+            <a:avLst/>
+          </a:prstGeom>
+          <a:noFill/>
+          <a:extLst>
+            <a:ext uri="{909E8E84-426E-40DD-AFC4-6F175D3DCCD1}">
+              <a14:hiddenFill xmlns:a14="http://schemas.microsoft.com/office/drawing/2010/main">
+                <a:solidFill>
+                  <a:srgbClr val="FFFFFF"/>
+                </a:solidFill>
+              </a14:hiddenFill>
+            </a:ext>
+          </a:extLst>
+        </p:spPr>
+      </p:pic>
+    </p:spTree>
+    <p:extLst>
+      <p:ext uri="{BB962C8B-B14F-4D97-AF65-F5344CB8AC3E}">
+        <p14:creationId xmlns:p14="http://schemas.microsoft.com/office/powerpoint/2010/main" val="2545455490"/>
+      </p:ext>
+    </p:extLst>
+  </p:cSld>
+  <p:clrMapOvr>
+    <a:masterClrMapping/>
+  </p:clrMapOvr>
+</p:sld>
+</file>
+
+<file path=ppt/slides/slide23.xml><?xml version="1.0" encoding="utf-8"?>
+<p:sld xmlns:a="http://schemas.openxmlformats.org/drawingml/2006/main" xmlns:r="http://schemas.openxmlformats.org/officeDocument/2006/relationships" xmlns:p="http://schemas.openxmlformats.org/presentationml/2006/main">
+  <p:cSld>
+    <p:spTree>
+      <p:nvGrpSpPr>
+        <p:cNvPr id="1" name=""/>
+        <p:cNvGrpSpPr/>
+        <p:nvPr/>
+      </p:nvGrpSpPr>
+      <p:grpSpPr>
+        <a:xfrm>
+          <a:off x="0" y="0"/>
+          <a:ext cx="0" cy="0"/>
+          <a:chOff x="0" y="0"/>
+          <a:chExt cx="0" cy="0"/>
+        </a:xfrm>
+      </p:grpSpPr>
+      <p:sp>
+        <p:nvSpPr>
+          <p:cNvPr id="2" name="Text Placeholder 1">
+            <a:extLst>
+              <a:ext uri="{FF2B5EF4-FFF2-40B4-BE49-F238E27FC236}">
+                <a16:creationId xmlns:a16="http://schemas.microsoft.com/office/drawing/2014/main" id="{DEDB9BE8-C609-A873-CBBC-0CA104AA9588}"/>
+              </a:ext>
+            </a:extLst>
+          </p:cNvPr>
+          <p:cNvSpPr>
+            <a:spLocks noGrp="1"/>
+          </p:cNvSpPr>
+          <p:nvPr>
+            <p:ph type="body" sz="quarter" idx="13"/>
+          </p:nvPr>
+        </p:nvSpPr>
+        <p:spPr/>
+        <p:txBody>
+          <a:bodyPr/>
+          <a:lstStyle/>
+          <a:p>
+            <a:endParaRPr lang="en-US"/>
+          </a:p>
+        </p:txBody>
+      </p:sp>
+      <p:sp>
+        <p:nvSpPr>
+          <p:cNvPr id="3" name="Title 2">
+            <a:extLst>
+              <a:ext uri="{FF2B5EF4-FFF2-40B4-BE49-F238E27FC236}">
+                <a16:creationId xmlns:a16="http://schemas.microsoft.com/office/drawing/2014/main" id="{18AA4D6E-70D3-8C8F-AF9E-00FC624637F9}"/>
+              </a:ext>
+            </a:extLst>
+          </p:cNvPr>
+          <p:cNvSpPr>
+            <a:spLocks noGrp="1"/>
+          </p:cNvSpPr>
+          <p:nvPr>
+            <p:ph type="title"/>
+          </p:nvPr>
+        </p:nvSpPr>
+        <p:spPr>
+          <a:xfrm>
+            <a:off x="841248" y="365760"/>
+            <a:ext cx="11161644" cy="767936"/>
+          </a:xfrm>
+        </p:spPr>
+        <p:txBody>
+          <a:bodyPr>
+            <a:normAutofit/>
+          </a:bodyPr>
+          <a:lstStyle/>
+          <a:p>
+            <a:r>
+              <a:rPr lang="en-US" dirty="0"/>
+              <a:t>Experiment</a:t>
+            </a:r>
+            <a:r>
+              <a:rPr lang="en-US" b="0" dirty="0"/>
+              <a:t> – Model Building</a:t>
+            </a:r>
+          </a:p>
+        </p:txBody>
+      </p:sp>
+      <p:sp>
+        <p:nvSpPr>
+          <p:cNvPr id="5" name="Slide Number Placeholder 5">
+            <a:extLst>
+              <a:ext uri="{FF2B5EF4-FFF2-40B4-BE49-F238E27FC236}">
+                <a16:creationId xmlns:a16="http://schemas.microsoft.com/office/drawing/2014/main" id="{8E0510B8-2E78-20E7-4DBB-06CABF68D68D}"/>
+              </a:ext>
+            </a:extLst>
+          </p:cNvPr>
+          <p:cNvSpPr>
+            <a:spLocks noGrp="1"/>
+          </p:cNvSpPr>
+          <p:nvPr>
+            <p:ph type="sldNum" sz="quarter" idx="12"/>
+          </p:nvPr>
+        </p:nvSpPr>
+        <p:spPr>
+          <a:xfrm>
+            <a:off x="8610600" y="6356350"/>
+            <a:ext cx="3028122" cy="365125"/>
+          </a:xfrm>
+          <a:prstGeom prst="rect">
+            <a:avLst/>
+          </a:prstGeom>
+        </p:spPr>
+        <p:txBody>
+          <a:bodyPr anchor="ctr"/>
+          <a:lstStyle>
+            <a:lvl1pPr algn="r">
+              <a:defRPr sz="1000">
+                <a:solidFill>
+                  <a:schemeClr val="tx2"/>
+                </a:solidFill>
+                <a:latin typeface="SF Compact Rounded" pitchFamily="2" charset="77"/>
+              </a:defRPr>
+            </a:lvl1pPr>
+          </a:lstStyle>
+          <a:p>
+            <a:fld id="{1E7E87EC-D468-6B42-A141-7B085F32EA20}" type="slidenum">
+              <a:rPr lang="en-US" smtClean="0"/>
+              <a:pPr/>
+              <a:t>23</a:t>
             </a:fld>
             <a:endParaRPr lang="en-US" dirty="0"/>
           </a:p>
@@ -9825,7 +10840,7 @@
     </p:spTree>
     <p:extLst>
       <p:ext uri="{BB962C8B-B14F-4D97-AF65-F5344CB8AC3E}">
-        <p14:creationId xmlns:p14="http://schemas.microsoft.com/office/powerpoint/2010/main" val="2545455490"/>
+        <p14:creationId xmlns:p14="http://schemas.microsoft.com/office/powerpoint/2010/main" val="861234287"/>
       </p:ext>
     </p:extLst>
   </p:cSld>
@@ -9835,7 +10850,7 @@
 </p:sld>
 </file>
 
-<file path=ppt/slides/slide21.xml><?xml version="1.0" encoding="utf-8"?>
+<file path=ppt/slides/slide24.xml><?xml version="1.0" encoding="utf-8"?>
 <p:sld xmlns:a="http://schemas.openxmlformats.org/drawingml/2006/main" xmlns:r="http://schemas.openxmlformats.org/officeDocument/2006/relationships" xmlns:p="http://schemas.openxmlformats.org/presentationml/2006/main">
   <p:cSld>
     <p:spTree>
@@ -9957,7 +10972,7 @@
             <a:fld id="{1E7E87EC-D468-6B42-A141-7B085F32EA20}" type="slidenum">
               <a:rPr lang="en-US" smtClean="0"/>
               <a:pPr/>
-              <a:t>21</a:t>
+              <a:t>24</a:t>
             </a:fld>
             <a:endParaRPr lang="en-US" dirty="0"/>
           </a:p>
@@ -10065,7 +11080,7 @@
 </p:sld>
 </file>
 
-<file path=ppt/slides/slide22.xml><?xml version="1.0" encoding="utf-8"?>
+<file path=ppt/slides/slide25.xml><?xml version="1.0" encoding="utf-8"?>
 <p:sld xmlns:a="http://schemas.openxmlformats.org/drawingml/2006/main" xmlns:r="http://schemas.openxmlformats.org/officeDocument/2006/relationships" xmlns:p="http://schemas.openxmlformats.org/presentationml/2006/main">
   <p:cSld>
     <p:spTree>
@@ -10145,7 +11160,7 @@
 </p:sld>
 </file>
 
-<file path=ppt/slides/slide23.xml><?xml version="1.0" encoding="utf-8"?>
+<file path=ppt/slides/slide26.xml><?xml version="1.0" encoding="utf-8"?>
 <p:sld xmlns:a="http://schemas.openxmlformats.org/drawingml/2006/main" xmlns:r="http://schemas.openxmlformats.org/officeDocument/2006/relationships" xmlns:p="http://schemas.openxmlformats.org/presentationml/2006/main">
   <p:cSld>
     <p:spTree>
@@ -10267,7 +11282,7 @@
             <a:fld id="{1E7E87EC-D468-6B42-A141-7B085F32EA20}" type="slidenum">
               <a:rPr lang="en-US" smtClean="0"/>
               <a:pPr/>
-              <a:t>23</a:t>
+              <a:t>26</a:t>
             </a:fld>
             <a:endParaRPr lang="en-US" dirty="0"/>
           </a:p>
@@ -12589,7 +13604,7 @@
 </p:sld>
 </file>
 
-<file path=ppt/slides/slide24.xml><?xml version="1.0" encoding="utf-8"?>
+<file path=ppt/slides/slide27.xml><?xml version="1.0" encoding="utf-8"?>
 <p:sld xmlns:a="http://schemas.openxmlformats.org/drawingml/2006/main" xmlns:r="http://schemas.openxmlformats.org/officeDocument/2006/relationships" xmlns:p="http://schemas.openxmlformats.org/presentationml/2006/main">
   <p:cSld>
     <p:spTree>
@@ -12711,7 +13726,7 @@
             <a:fld id="{1E7E87EC-D468-6B42-A141-7B085F32EA20}" type="slidenum">
               <a:rPr lang="en-US" smtClean="0"/>
               <a:pPr/>
-              <a:t>24</a:t>
+              <a:t>27</a:t>
             </a:fld>
             <a:endParaRPr lang="en-US" dirty="0"/>
           </a:p>
@@ -14128,7 +15143,7 @@
 </p:sld>
 </file>
 
-<file path=ppt/slides/slide25.xml><?xml version="1.0" encoding="utf-8"?>
+<file path=ppt/slides/slide28.xml><?xml version="1.0" encoding="utf-8"?>
 <p:sld xmlns:a="http://schemas.openxmlformats.org/drawingml/2006/main" xmlns:r="http://schemas.openxmlformats.org/officeDocument/2006/relationships" xmlns:p="http://schemas.openxmlformats.org/presentationml/2006/main">
   <p:cSld>
     <p:spTree>
@@ -14250,7 +15265,7 @@
             <a:fld id="{1E7E87EC-D468-6B42-A141-7B085F32EA20}" type="slidenum">
               <a:rPr lang="en-US" smtClean="0"/>
               <a:pPr/>
-              <a:t>25</a:t>
+              <a:t>28</a:t>
             </a:fld>
             <a:endParaRPr lang="en-US" dirty="0"/>
           </a:p>
@@ -14447,7 +15462,7 @@
 </p:sld>
 </file>
 
-<file path=ppt/slides/slide26.xml><?xml version="1.0" encoding="utf-8"?>
+<file path=ppt/slides/slide29.xml><?xml version="1.0" encoding="utf-8"?>
 <p:sld xmlns:a="http://schemas.openxmlformats.org/drawingml/2006/main" xmlns:r="http://schemas.openxmlformats.org/officeDocument/2006/relationships" xmlns:p="http://schemas.openxmlformats.org/presentationml/2006/main">
   <p:cSld>
     <p:spTree>
@@ -14569,7 +15584,7 @@
             <a:fld id="{1E7E87EC-D468-6B42-A141-7B085F32EA20}" type="slidenum">
               <a:rPr lang="en-US" smtClean="0"/>
               <a:pPr/>
-              <a:t>26</a:t>
+              <a:t>29</a:t>
             </a:fld>
             <a:endParaRPr lang="en-US" dirty="0"/>
           </a:p>
@@ -14711,7 +15726,87 @@
 </p:sld>
 </file>
 
-<file path=ppt/slides/slide27.xml><?xml version="1.0" encoding="utf-8"?>
+<file path=ppt/slides/slide3.xml><?xml version="1.0" encoding="utf-8"?>
+<p:sld xmlns:a="http://schemas.openxmlformats.org/drawingml/2006/main" xmlns:r="http://schemas.openxmlformats.org/officeDocument/2006/relationships" xmlns:p="http://schemas.openxmlformats.org/presentationml/2006/main">
+  <p:cSld>
+    <p:spTree>
+      <p:nvGrpSpPr>
+        <p:cNvPr id="1" name=""/>
+        <p:cNvGrpSpPr/>
+        <p:nvPr/>
+      </p:nvGrpSpPr>
+      <p:grpSpPr>
+        <a:xfrm>
+          <a:off x="0" y="0"/>
+          <a:ext cx="0" cy="0"/>
+          <a:chOff x="0" y="0"/>
+          <a:chExt cx="0" cy="0"/>
+        </a:xfrm>
+      </p:grpSpPr>
+      <p:sp>
+        <p:nvSpPr>
+          <p:cNvPr id="2" name="Title 1">
+            <a:extLst>
+              <a:ext uri="{FF2B5EF4-FFF2-40B4-BE49-F238E27FC236}">
+                <a16:creationId xmlns:a16="http://schemas.microsoft.com/office/drawing/2014/main" id="{91556312-D863-0258-95A6-3C3D9EFE4F0C}"/>
+              </a:ext>
+            </a:extLst>
+          </p:cNvPr>
+          <p:cNvSpPr>
+            <a:spLocks noGrp="1"/>
+          </p:cNvSpPr>
+          <p:nvPr>
+            <p:ph type="ctrTitle"/>
+          </p:nvPr>
+        </p:nvSpPr>
+        <p:spPr>
+          <a:xfrm>
+            <a:off x="578426" y="2356506"/>
+            <a:ext cx="11035147" cy="2144988"/>
+          </a:xfrm>
+        </p:spPr>
+        <p:txBody>
+          <a:bodyPr anchor="ctr">
+            <a:normAutofit/>
+          </a:bodyPr>
+          <a:lstStyle/>
+          <a:p>
+            <a:r>
+              <a:rPr lang="en-US" sz="4400" b="1" dirty="0">
+                <a:solidFill>
+                  <a:schemeClr val="tx2"/>
+                </a:solidFill>
+                <a:latin typeface="SF Compact Rounded Heavy" pitchFamily="2" charset="77"/>
+                <a:ea typeface="SF Pro Display" pitchFamily="2" charset="0"/>
+                <a:cs typeface="Nirmala Text" panose="020B0604020202020204" pitchFamily="34" charset="0"/>
+              </a:rPr>
+              <a:t>Introduction</a:t>
+            </a:r>
+            <a:endParaRPr lang="en-US" sz="2400" b="1" dirty="0">
+              <a:solidFill>
+                <a:schemeClr val="tx2"/>
+              </a:solidFill>
+              <a:latin typeface="SF Compact Rounded Heavy" pitchFamily="2" charset="77"/>
+              <a:ea typeface="SF Pro Display" pitchFamily="2" charset="0"/>
+              <a:cs typeface="Nirmala Text" panose="020B0604020202020204" pitchFamily="34" charset="0"/>
+            </a:endParaRPr>
+          </a:p>
+        </p:txBody>
+      </p:sp>
+    </p:spTree>
+    <p:extLst>
+      <p:ext uri="{BB962C8B-B14F-4D97-AF65-F5344CB8AC3E}">
+        <p14:creationId xmlns:p14="http://schemas.microsoft.com/office/powerpoint/2010/main" val="2052034157"/>
+      </p:ext>
+    </p:extLst>
+  </p:cSld>
+  <p:clrMapOvr>
+    <a:masterClrMapping/>
+  </p:clrMapOvr>
+</p:sld>
+</file>
+
+<file path=ppt/slides/slide30.xml><?xml version="1.0" encoding="utf-8"?>
 <p:sld xmlns:a="http://schemas.openxmlformats.org/drawingml/2006/main" xmlns:r="http://schemas.openxmlformats.org/officeDocument/2006/relationships" xmlns:p="http://schemas.openxmlformats.org/presentationml/2006/main">
   <p:cSld>
     <p:spTree>
@@ -14833,7 +15928,7 @@
             <a:fld id="{1E7E87EC-D468-6B42-A141-7B085F32EA20}" type="slidenum">
               <a:rPr lang="en-US" smtClean="0"/>
               <a:pPr/>
-              <a:t>27</a:t>
+              <a:t>30</a:t>
             </a:fld>
             <a:endParaRPr lang="en-US" dirty="0"/>
           </a:p>
@@ -14975,7 +16070,7 @@
 </p:sld>
 </file>
 
-<file path=ppt/slides/slide28.xml><?xml version="1.0" encoding="utf-8"?>
+<file path=ppt/slides/slide31.xml><?xml version="1.0" encoding="utf-8"?>
 <p:sld xmlns:a="http://schemas.openxmlformats.org/drawingml/2006/main" xmlns:r="http://schemas.openxmlformats.org/officeDocument/2006/relationships" xmlns:p="http://schemas.openxmlformats.org/presentationml/2006/main">
   <p:cSld>
     <p:spTree>
@@ -15097,7 +16192,7 @@
             <a:fld id="{1E7E87EC-D468-6B42-A141-7B085F32EA20}" type="slidenum">
               <a:rPr lang="en-US" smtClean="0"/>
               <a:pPr/>
-              <a:t>28</a:t>
+              <a:t>31</a:t>
             </a:fld>
             <a:endParaRPr lang="en-US" dirty="0"/>
           </a:p>
@@ -15239,7 +16334,7 @@
 </p:sld>
 </file>
 
-<file path=ppt/slides/slide29.xml><?xml version="1.0" encoding="utf-8"?>
+<file path=ppt/slides/slide32.xml><?xml version="1.0" encoding="utf-8"?>
 <p:sld xmlns:a="http://schemas.openxmlformats.org/drawingml/2006/main" xmlns:r="http://schemas.openxmlformats.org/officeDocument/2006/relationships" xmlns:p="http://schemas.openxmlformats.org/presentationml/2006/main">
   <p:cSld>
     <p:spTree>
@@ -15361,7 +16456,7 @@
             <a:fld id="{1E7E87EC-D468-6B42-A141-7B085F32EA20}" type="slidenum">
               <a:rPr lang="en-US" smtClean="0"/>
               <a:pPr/>
-              <a:t>29</a:t>
+              <a:t>32</a:t>
             </a:fld>
             <a:endParaRPr lang="en-US" dirty="0"/>
           </a:p>
@@ -15558,7 +16653,7 @@
 </p:sld>
 </file>
 
-<file path=ppt/slides/slide3.xml><?xml version="1.0" encoding="utf-8"?>
+<file path=ppt/slides/slide33.xml><?xml version="1.0" encoding="utf-8"?>
 <p:sld xmlns:a="http://schemas.openxmlformats.org/drawingml/2006/main" xmlns:r="http://schemas.openxmlformats.org/officeDocument/2006/relationships" xmlns:p="http://schemas.openxmlformats.org/presentationml/2006/main">
   <p:cSld>
     <p:spTree>
@@ -15612,7 +16707,7 @@
                 <a:ea typeface="SF Pro Display" pitchFamily="2" charset="0"/>
                 <a:cs typeface="Nirmala Text" panose="020B0604020202020204" pitchFamily="34" charset="0"/>
               </a:rPr>
-              <a:t>Introduction</a:t>
+              <a:t>Conclusions</a:t>
             </a:r>
             <a:endParaRPr lang="en-US" sz="2400" b="1" dirty="0">
               <a:solidFill>
@@ -15628,1150 +16723,7 @@
     </p:spTree>
     <p:extLst>
       <p:ext uri="{BB962C8B-B14F-4D97-AF65-F5344CB8AC3E}">
-        <p14:creationId xmlns:p14="http://schemas.microsoft.com/office/powerpoint/2010/main" val="2052034157"/>
-      </p:ext>
-    </p:extLst>
-  </p:cSld>
-  <p:clrMapOvr>
-    <a:masterClrMapping/>
-  </p:clrMapOvr>
-</p:sld>
-</file>
-
-<file path=ppt/slides/slide30.xml><?xml version="1.0" encoding="utf-8"?>
-<p:sld xmlns:a="http://schemas.openxmlformats.org/drawingml/2006/main" xmlns:r="http://schemas.openxmlformats.org/officeDocument/2006/relationships" xmlns:p="http://schemas.openxmlformats.org/presentationml/2006/main">
-  <p:cSld>
-    <p:spTree>
-      <p:nvGrpSpPr>
-        <p:cNvPr id="1" name=""/>
-        <p:cNvGrpSpPr/>
-        <p:nvPr/>
-      </p:nvGrpSpPr>
-      <p:grpSpPr>
-        <a:xfrm>
-          <a:off x="0" y="0"/>
-          <a:ext cx="0" cy="0"/>
-          <a:chOff x="0" y="0"/>
-          <a:chExt cx="0" cy="0"/>
-        </a:xfrm>
-      </p:grpSpPr>
-      <p:sp>
-        <p:nvSpPr>
-          <p:cNvPr id="2" name="Title 1">
-            <a:extLst>
-              <a:ext uri="{FF2B5EF4-FFF2-40B4-BE49-F238E27FC236}">
-                <a16:creationId xmlns:a16="http://schemas.microsoft.com/office/drawing/2014/main" id="{91556312-D863-0258-95A6-3C3D9EFE4F0C}"/>
-              </a:ext>
-            </a:extLst>
-          </p:cNvPr>
-          <p:cNvSpPr>
-            <a:spLocks noGrp="1"/>
-          </p:cNvSpPr>
-          <p:nvPr>
-            <p:ph type="ctrTitle"/>
-          </p:nvPr>
-        </p:nvSpPr>
-        <p:spPr>
-          <a:xfrm>
-            <a:off x="578426" y="2356506"/>
-            <a:ext cx="11035147" cy="2144988"/>
-          </a:xfrm>
-        </p:spPr>
-        <p:txBody>
-          <a:bodyPr anchor="ctr">
-            <a:normAutofit/>
-          </a:bodyPr>
-          <a:lstStyle/>
-          <a:p>
-            <a:r>
-              <a:rPr lang="en-US" sz="4400" b="1" dirty="0">
-                <a:solidFill>
-                  <a:schemeClr val="tx2"/>
-                </a:solidFill>
-                <a:latin typeface="SF Compact Rounded Heavy" pitchFamily="2" charset="77"/>
-                <a:ea typeface="SF Pro Display" pitchFamily="2" charset="0"/>
-                <a:cs typeface="Nirmala Text" panose="020B0604020202020204" pitchFamily="34" charset="0"/>
-              </a:rPr>
-              <a:t>Conclusions</a:t>
-            </a:r>
-            <a:endParaRPr lang="en-US" sz="2400" b="1" dirty="0">
-              <a:solidFill>
-                <a:schemeClr val="tx2"/>
-              </a:solidFill>
-              <a:latin typeface="SF Compact Rounded Heavy" pitchFamily="2" charset="77"/>
-              <a:ea typeface="SF Pro Display" pitchFamily="2" charset="0"/>
-              <a:cs typeface="Nirmala Text" panose="020B0604020202020204" pitchFamily="34" charset="0"/>
-            </a:endParaRPr>
-          </a:p>
-        </p:txBody>
-      </p:sp>
-    </p:spTree>
-    <p:extLst>
-      <p:ext uri="{BB962C8B-B14F-4D97-AF65-F5344CB8AC3E}">
         <p14:creationId xmlns:p14="http://schemas.microsoft.com/office/powerpoint/2010/main" val="4072899399"/>
-      </p:ext>
-    </p:extLst>
-  </p:cSld>
-  <p:clrMapOvr>
-    <a:masterClrMapping/>
-  </p:clrMapOvr>
-</p:sld>
-</file>
-
-<file path=ppt/slides/slide31.xml><?xml version="1.0" encoding="utf-8"?>
-<p:sld xmlns:a="http://schemas.openxmlformats.org/drawingml/2006/main" xmlns:r="http://schemas.openxmlformats.org/officeDocument/2006/relationships" xmlns:p="http://schemas.openxmlformats.org/presentationml/2006/main">
-  <p:cSld>
-    <p:spTree>
-      <p:nvGrpSpPr>
-        <p:cNvPr id="1" name=""/>
-        <p:cNvGrpSpPr/>
-        <p:nvPr/>
-      </p:nvGrpSpPr>
-      <p:grpSpPr>
-        <a:xfrm>
-          <a:off x="0" y="0"/>
-          <a:ext cx="0" cy="0"/>
-          <a:chOff x="0" y="0"/>
-          <a:chExt cx="0" cy="0"/>
-        </a:xfrm>
-      </p:grpSpPr>
-      <p:sp>
-        <p:nvSpPr>
-          <p:cNvPr id="2" name="Text Placeholder 1">
-            <a:extLst>
-              <a:ext uri="{FF2B5EF4-FFF2-40B4-BE49-F238E27FC236}">
-                <a16:creationId xmlns:a16="http://schemas.microsoft.com/office/drawing/2014/main" id="{DEDB9BE8-C609-A873-CBBC-0CA104AA9588}"/>
-              </a:ext>
-            </a:extLst>
-          </p:cNvPr>
-          <p:cNvSpPr>
-            <a:spLocks noGrp="1"/>
-          </p:cNvSpPr>
-          <p:nvPr>
-            <p:ph type="body" sz="quarter" idx="13"/>
-          </p:nvPr>
-        </p:nvSpPr>
-        <p:spPr/>
-        <p:txBody>
-          <a:bodyPr/>
-          <a:lstStyle/>
-          <a:p>
-            <a:endParaRPr lang="en-US"/>
-          </a:p>
-        </p:txBody>
-      </p:sp>
-      <p:sp>
-        <p:nvSpPr>
-          <p:cNvPr id="3" name="Title 2">
-            <a:extLst>
-              <a:ext uri="{FF2B5EF4-FFF2-40B4-BE49-F238E27FC236}">
-                <a16:creationId xmlns:a16="http://schemas.microsoft.com/office/drawing/2014/main" id="{18AA4D6E-70D3-8C8F-AF9E-00FC624637F9}"/>
-              </a:ext>
-            </a:extLst>
-          </p:cNvPr>
-          <p:cNvSpPr>
-            <a:spLocks noGrp="1"/>
-          </p:cNvSpPr>
-          <p:nvPr>
-            <p:ph type="title"/>
-          </p:nvPr>
-        </p:nvSpPr>
-        <p:spPr>
-          <a:xfrm>
-            <a:off x="841248" y="365760"/>
-            <a:ext cx="11161644" cy="767936"/>
-          </a:xfrm>
-        </p:spPr>
-        <p:txBody>
-          <a:bodyPr>
-            <a:normAutofit/>
-          </a:bodyPr>
-          <a:lstStyle/>
-          <a:p>
-            <a:r>
-              <a:rPr lang="en-US" dirty="0"/>
-              <a:t>Conclusions</a:t>
-            </a:r>
-            <a:r>
-              <a:rPr lang="en-US" b="0" dirty="0"/>
-              <a:t> – Communication (and Deployment)</a:t>
-            </a:r>
-          </a:p>
-        </p:txBody>
-      </p:sp>
-      <p:sp>
-        <p:nvSpPr>
-          <p:cNvPr id="4" name="Content Placeholder 3">
-            <a:extLst>
-              <a:ext uri="{FF2B5EF4-FFF2-40B4-BE49-F238E27FC236}">
-                <a16:creationId xmlns:a16="http://schemas.microsoft.com/office/drawing/2014/main" id="{4391D70F-9C2B-F376-3A6F-BE5CA85CF1FC}"/>
-              </a:ext>
-            </a:extLst>
-          </p:cNvPr>
-          <p:cNvSpPr>
-            <a:spLocks noGrp="1"/>
-          </p:cNvSpPr>
-          <p:nvPr>
-            <p:ph idx="1"/>
-          </p:nvPr>
-        </p:nvSpPr>
-        <p:spPr>
-          <a:xfrm>
-            <a:off x="841248" y="1207008"/>
-            <a:ext cx="10526663" cy="4969565"/>
-          </a:xfrm>
-        </p:spPr>
-        <p:txBody>
-          <a:bodyPr/>
-          <a:lstStyle/>
-          <a:p>
-            <a:pPr marL="177800" lvl="0" indent="-171450" algn="l" rtl="0">
-              <a:spcBef>
-                <a:spcPts val="0"/>
-              </a:spcBef>
-              <a:spcAft>
-                <a:spcPts val="0"/>
-              </a:spcAft>
-              <a:buSzPts val="2100"/>
-              <a:buFont typeface="Nunito"/>
-              <a:buChar char="•"/>
-            </a:pPr>
-            <a:r>
-              <a:rPr lang="en-US" dirty="0">
-                <a:latin typeface="Nunito"/>
-                <a:ea typeface="Nunito"/>
-                <a:cs typeface="Nunito"/>
-                <a:sym typeface="Nunito"/>
-              </a:rPr>
-              <a:t>Using the </a:t>
-            </a:r>
-            <a:r>
-              <a:rPr lang="en-US" b="1" dirty="0">
-                <a:latin typeface="Nunito"/>
-                <a:ea typeface="Nunito"/>
-                <a:cs typeface="Nunito"/>
-                <a:sym typeface="Nunito"/>
-              </a:rPr>
-              <a:t>sequential features selector</a:t>
-            </a:r>
-            <a:r>
-              <a:rPr lang="en-US" dirty="0">
-                <a:latin typeface="Nunito"/>
-                <a:ea typeface="Nunito"/>
-                <a:cs typeface="Nunito"/>
-                <a:sym typeface="Nunito"/>
-              </a:rPr>
-              <a:t> across the </a:t>
-            </a:r>
-            <a:r>
-              <a:rPr lang="en-US" dirty="0" err="1">
-                <a:latin typeface="Nunito"/>
-                <a:ea typeface="Nunito"/>
-                <a:cs typeface="Nunito"/>
-                <a:sym typeface="Nunito"/>
-              </a:rPr>
-              <a:t>RidgeRegression</a:t>
-            </a:r>
-            <a:r>
-              <a:rPr lang="en-US" dirty="0">
-                <a:latin typeface="Nunito"/>
-                <a:ea typeface="Nunito"/>
-                <a:cs typeface="Nunito"/>
-                <a:sym typeface="Nunito"/>
-              </a:rPr>
-              <a:t>, Logistic Regression, and SVM models, there were some variables that appeared in more often in the selection processes, in particular, seed_1 - the seed number for team 1 - was used in all eight models.</a:t>
-            </a:r>
-          </a:p>
-          <a:p>
-            <a:pPr marL="177800" lvl="0" indent="-171450" algn="l" rtl="0">
-              <a:spcBef>
-                <a:spcPts val="0"/>
-              </a:spcBef>
-              <a:spcAft>
-                <a:spcPts val="0"/>
-              </a:spcAft>
-              <a:buClr>
-                <a:schemeClr val="lt1"/>
-              </a:buClr>
-              <a:buSzPts val="2100"/>
-              <a:buFont typeface="Nunito"/>
-              <a:buChar char="•"/>
-            </a:pPr>
-            <a:r>
-              <a:rPr lang="en-US" dirty="0">
-                <a:solidFill>
-                  <a:schemeClr val="lt1"/>
-                </a:solidFill>
-                <a:latin typeface="Nunito"/>
-                <a:ea typeface="Nunito"/>
-                <a:cs typeface="Nunito"/>
-                <a:sym typeface="Nunito"/>
-              </a:rPr>
-              <a:t>.</a:t>
-            </a:r>
-          </a:p>
-          <a:p>
-            <a:pPr marL="177800" lvl="0" indent="-171450" algn="l" rtl="0">
-              <a:spcBef>
-                <a:spcPts val="0"/>
-              </a:spcBef>
-              <a:spcAft>
-                <a:spcPts val="0"/>
-              </a:spcAft>
-              <a:buSzPts val="2100"/>
-              <a:buFont typeface="Nunito"/>
-              <a:buChar char="•"/>
-            </a:pPr>
-            <a:r>
-              <a:rPr lang="en-US" dirty="0">
-                <a:latin typeface="Nunito"/>
-                <a:ea typeface="Nunito"/>
-                <a:cs typeface="Nunito"/>
-                <a:sym typeface="Nunito"/>
-              </a:rPr>
-              <a:t>This means </a:t>
-            </a:r>
-            <a:r>
-              <a:rPr lang="en-US" b="1" dirty="0">
-                <a:latin typeface="Nunito"/>
-                <a:ea typeface="Nunito"/>
-                <a:cs typeface="Nunito"/>
-                <a:sym typeface="Nunito"/>
-              </a:rPr>
-              <a:t>this variable has significant weight</a:t>
-            </a:r>
-            <a:r>
-              <a:rPr lang="en-US" dirty="0">
-                <a:latin typeface="Nunito"/>
-                <a:ea typeface="Nunito"/>
-                <a:cs typeface="Nunito"/>
-                <a:sym typeface="Nunito"/>
-              </a:rPr>
-              <a:t> in determining the outcome and should be considering in future predictive modeling that undertakes this task of tournament prediction.</a:t>
-            </a:r>
-            <a:endParaRPr lang="en-US" dirty="0"/>
-          </a:p>
-        </p:txBody>
-      </p:sp>
-      <p:sp>
-        <p:nvSpPr>
-          <p:cNvPr id="5" name="Slide Number Placeholder 5">
-            <a:extLst>
-              <a:ext uri="{FF2B5EF4-FFF2-40B4-BE49-F238E27FC236}">
-                <a16:creationId xmlns:a16="http://schemas.microsoft.com/office/drawing/2014/main" id="{8E0510B8-2E78-20E7-4DBB-06CABF68D68D}"/>
-              </a:ext>
-            </a:extLst>
-          </p:cNvPr>
-          <p:cNvSpPr>
-            <a:spLocks noGrp="1"/>
-          </p:cNvSpPr>
-          <p:nvPr>
-            <p:ph type="sldNum" sz="quarter" idx="12"/>
-          </p:nvPr>
-        </p:nvSpPr>
-        <p:spPr>
-          <a:xfrm>
-            <a:off x="8610600" y="6356350"/>
-            <a:ext cx="3028122" cy="365125"/>
-          </a:xfrm>
-          <a:prstGeom prst="rect">
-            <a:avLst/>
-          </a:prstGeom>
-        </p:spPr>
-        <p:txBody>
-          <a:bodyPr anchor="ctr"/>
-          <a:lstStyle>
-            <a:lvl1pPr algn="r">
-              <a:defRPr sz="1000">
-                <a:solidFill>
-                  <a:schemeClr val="tx2"/>
-                </a:solidFill>
-                <a:latin typeface="SF Compact Rounded" pitchFamily="2" charset="77"/>
-              </a:defRPr>
-            </a:lvl1pPr>
-          </a:lstStyle>
-          <a:p>
-            <a:fld id="{1E7E87EC-D468-6B42-A141-7B085F32EA20}" type="slidenum">
-              <a:rPr lang="en-US" smtClean="0"/>
-              <a:pPr/>
-              <a:t>31</a:t>
-            </a:fld>
-            <a:endParaRPr lang="en-US" dirty="0"/>
-          </a:p>
-        </p:txBody>
-      </p:sp>
-    </p:spTree>
-    <p:extLst>
-      <p:ext uri="{BB962C8B-B14F-4D97-AF65-F5344CB8AC3E}">
-        <p14:creationId xmlns:p14="http://schemas.microsoft.com/office/powerpoint/2010/main" val="2119482986"/>
-      </p:ext>
-    </p:extLst>
-  </p:cSld>
-  <p:clrMapOvr>
-    <a:masterClrMapping/>
-  </p:clrMapOvr>
-</p:sld>
-</file>
-
-<file path=ppt/slides/slide32.xml><?xml version="1.0" encoding="utf-8"?>
-<p:sld xmlns:a="http://schemas.openxmlformats.org/drawingml/2006/main" xmlns:r="http://schemas.openxmlformats.org/officeDocument/2006/relationships" xmlns:p="http://schemas.openxmlformats.org/presentationml/2006/main">
-  <p:cSld>
-    <p:spTree>
-      <p:nvGrpSpPr>
-        <p:cNvPr id="1" name=""/>
-        <p:cNvGrpSpPr/>
-        <p:nvPr/>
-      </p:nvGrpSpPr>
-      <p:grpSpPr>
-        <a:xfrm>
-          <a:off x="0" y="0"/>
-          <a:ext cx="0" cy="0"/>
-          <a:chOff x="0" y="0"/>
-          <a:chExt cx="0" cy="0"/>
-        </a:xfrm>
-      </p:grpSpPr>
-      <p:sp>
-        <p:nvSpPr>
-          <p:cNvPr id="2" name="Text Placeholder 1">
-            <a:extLst>
-              <a:ext uri="{FF2B5EF4-FFF2-40B4-BE49-F238E27FC236}">
-                <a16:creationId xmlns:a16="http://schemas.microsoft.com/office/drawing/2014/main" id="{DEDB9BE8-C609-A873-CBBC-0CA104AA9588}"/>
-              </a:ext>
-            </a:extLst>
-          </p:cNvPr>
-          <p:cNvSpPr>
-            <a:spLocks noGrp="1"/>
-          </p:cNvSpPr>
-          <p:nvPr>
-            <p:ph type="body" sz="quarter" idx="13"/>
-          </p:nvPr>
-        </p:nvSpPr>
-        <p:spPr/>
-        <p:txBody>
-          <a:bodyPr/>
-          <a:lstStyle/>
-          <a:p>
-            <a:endParaRPr lang="en-US"/>
-          </a:p>
-        </p:txBody>
-      </p:sp>
-      <p:sp>
-        <p:nvSpPr>
-          <p:cNvPr id="3" name="Title 2">
-            <a:extLst>
-              <a:ext uri="{FF2B5EF4-FFF2-40B4-BE49-F238E27FC236}">
-                <a16:creationId xmlns:a16="http://schemas.microsoft.com/office/drawing/2014/main" id="{18AA4D6E-70D3-8C8F-AF9E-00FC624637F9}"/>
-              </a:ext>
-            </a:extLst>
-          </p:cNvPr>
-          <p:cNvSpPr>
-            <a:spLocks noGrp="1"/>
-          </p:cNvSpPr>
-          <p:nvPr>
-            <p:ph type="title"/>
-          </p:nvPr>
-        </p:nvSpPr>
-        <p:spPr>
-          <a:xfrm>
-            <a:off x="841248" y="365760"/>
-            <a:ext cx="11161644" cy="767936"/>
-          </a:xfrm>
-        </p:spPr>
-        <p:txBody>
-          <a:bodyPr>
-            <a:normAutofit/>
-          </a:bodyPr>
-          <a:lstStyle/>
-          <a:p>
-            <a:r>
-              <a:rPr lang="en-US" dirty="0"/>
-              <a:t>Conclusions</a:t>
-            </a:r>
-            <a:r>
-              <a:rPr lang="en-US" b="0" dirty="0"/>
-              <a:t> – Communication (and Deployment)</a:t>
-            </a:r>
-          </a:p>
-        </p:txBody>
-      </p:sp>
-      <p:sp>
-        <p:nvSpPr>
-          <p:cNvPr id="4" name="Content Placeholder 3">
-            <a:extLst>
-              <a:ext uri="{FF2B5EF4-FFF2-40B4-BE49-F238E27FC236}">
-                <a16:creationId xmlns:a16="http://schemas.microsoft.com/office/drawing/2014/main" id="{4391D70F-9C2B-F376-3A6F-BE5CA85CF1FC}"/>
-              </a:ext>
-            </a:extLst>
-          </p:cNvPr>
-          <p:cNvSpPr>
-            <a:spLocks noGrp="1"/>
-          </p:cNvSpPr>
-          <p:nvPr>
-            <p:ph idx="1"/>
-          </p:nvPr>
-        </p:nvSpPr>
-        <p:spPr>
-          <a:xfrm>
-            <a:off x="841248" y="1207008"/>
-            <a:ext cx="10526663" cy="4969565"/>
-          </a:xfrm>
-        </p:spPr>
-        <p:txBody>
-          <a:bodyPr/>
-          <a:lstStyle/>
-          <a:p>
-            <a:pPr marL="177800" lvl="0" indent="-171450" algn="l" rtl="0">
-              <a:spcBef>
-                <a:spcPts val="0"/>
-              </a:spcBef>
-              <a:spcAft>
-                <a:spcPts val="0"/>
-              </a:spcAft>
-              <a:buSzPts val="2100"/>
-              <a:buFont typeface="Nunito"/>
-              <a:buChar char="•"/>
-            </a:pPr>
-            <a:r>
-              <a:rPr lang="en-US" dirty="0">
-                <a:latin typeface="Nunito"/>
-                <a:ea typeface="Nunito"/>
-                <a:cs typeface="Nunito"/>
-                <a:sym typeface="Nunito"/>
-              </a:rPr>
-              <a:t>There needs to be a way to account for the </a:t>
-            </a:r>
-            <a:r>
-              <a:rPr lang="en-US" b="1" dirty="0">
-                <a:latin typeface="Nunito"/>
-                <a:ea typeface="Nunito"/>
-                <a:cs typeface="Nunito"/>
-                <a:sym typeface="Nunito"/>
-              </a:rPr>
-              <a:t>randomness</a:t>
-            </a:r>
-            <a:r>
-              <a:rPr lang="en-US" dirty="0">
-                <a:latin typeface="Nunito"/>
-                <a:ea typeface="Nunito"/>
-                <a:cs typeface="Nunito"/>
-                <a:sym typeface="Nunito"/>
-              </a:rPr>
-              <a:t> of the matchups, what kind of metric can be used for this? (i.e. a player is hurt, team’s lack of sleep due to travel schedule, etc.)</a:t>
-            </a:r>
-          </a:p>
-          <a:p>
-            <a:pPr marL="177800" lvl="0" indent="-171450" algn="l" rtl="0">
-              <a:spcBef>
-                <a:spcPts val="0"/>
-              </a:spcBef>
-              <a:spcAft>
-                <a:spcPts val="0"/>
-              </a:spcAft>
-              <a:buClr>
-                <a:schemeClr val="lt1"/>
-              </a:buClr>
-              <a:buSzPts val="2100"/>
-              <a:buFont typeface="Nunito"/>
-              <a:buChar char="•"/>
-            </a:pPr>
-            <a:r>
-              <a:rPr lang="en-US" dirty="0">
-                <a:solidFill>
-                  <a:schemeClr val="lt1"/>
-                </a:solidFill>
-                <a:latin typeface="Nunito"/>
-                <a:ea typeface="Nunito"/>
-                <a:cs typeface="Nunito"/>
-                <a:sym typeface="Nunito"/>
-              </a:rPr>
-              <a:t>.</a:t>
-            </a:r>
-          </a:p>
-          <a:p>
-            <a:pPr marL="177800" lvl="0" indent="-171450" algn="l" rtl="0">
-              <a:spcBef>
-                <a:spcPts val="0"/>
-              </a:spcBef>
-              <a:spcAft>
-                <a:spcPts val="0"/>
-              </a:spcAft>
-              <a:buSzPts val="2100"/>
-              <a:buFont typeface="Nunito"/>
-              <a:buChar char="•"/>
-            </a:pPr>
-            <a:r>
-              <a:rPr lang="en-US" dirty="0">
-                <a:latin typeface="Nunito"/>
-                <a:ea typeface="Nunito"/>
-                <a:cs typeface="Nunito"/>
-                <a:sym typeface="Nunito"/>
-              </a:rPr>
-              <a:t>Especially considering this is a </a:t>
-            </a:r>
-            <a:r>
-              <a:rPr lang="en-US" b="1" dirty="0">
-                <a:latin typeface="Nunito"/>
-                <a:ea typeface="Nunito"/>
-                <a:cs typeface="Nunito"/>
-                <a:sym typeface="Nunito"/>
-              </a:rPr>
-              <a:t>single-elimination tournament</a:t>
-            </a:r>
-            <a:r>
-              <a:rPr lang="en-US" dirty="0">
-                <a:latin typeface="Nunito"/>
-                <a:ea typeface="Nunito"/>
-                <a:cs typeface="Nunito"/>
-                <a:sym typeface="Nunito"/>
-              </a:rPr>
-              <a:t>, which means any aberration in performance could mean a top team losing or a bottom team winning.</a:t>
-            </a:r>
-            <a:r>
-              <a:rPr lang="en-US" dirty="0">
-                <a:solidFill>
-                  <a:schemeClr val="lt1"/>
-                </a:solidFill>
-                <a:latin typeface="Nunito"/>
-                <a:ea typeface="Nunito"/>
-                <a:cs typeface="Nunito"/>
-                <a:sym typeface="Nunito"/>
-              </a:rPr>
-              <a:t>.</a:t>
-            </a:r>
-          </a:p>
-          <a:p>
-            <a:pPr marL="177800" lvl="0" indent="-171450" algn="l" rtl="0">
-              <a:spcBef>
-                <a:spcPts val="0"/>
-              </a:spcBef>
-              <a:spcAft>
-                <a:spcPts val="0"/>
-              </a:spcAft>
-              <a:buClr>
-                <a:schemeClr val="lt1"/>
-              </a:buClr>
-              <a:buSzPts val="2100"/>
-              <a:buFont typeface="Nunito"/>
-              <a:buChar char="•"/>
-            </a:pPr>
-            <a:r>
-              <a:rPr lang="en-US" dirty="0">
-                <a:solidFill>
-                  <a:schemeClr val="lt1"/>
-                </a:solidFill>
-                <a:latin typeface="Nunito"/>
-                <a:ea typeface="Nunito"/>
-                <a:cs typeface="Nunito"/>
-                <a:sym typeface="Nunito"/>
-              </a:rPr>
-              <a:t>.</a:t>
-            </a:r>
-          </a:p>
-          <a:p>
-            <a:pPr marL="177800" lvl="0" indent="-171450" algn="l" rtl="0">
-              <a:spcBef>
-                <a:spcPts val="0"/>
-              </a:spcBef>
-              <a:spcAft>
-                <a:spcPts val="0"/>
-              </a:spcAft>
-              <a:buSzPts val="2100"/>
-              <a:buFont typeface="Nunito"/>
-              <a:buChar char="•"/>
-            </a:pPr>
-            <a:r>
-              <a:rPr lang="en-US" dirty="0">
-                <a:latin typeface="Nunito"/>
-                <a:ea typeface="Nunito"/>
-                <a:cs typeface="Nunito"/>
-                <a:sym typeface="Nunito"/>
-              </a:rPr>
-              <a:t>This type of </a:t>
-            </a:r>
-            <a:r>
-              <a:rPr lang="en-US" b="1" dirty="0">
-                <a:latin typeface="Nunito"/>
-                <a:ea typeface="Nunito"/>
-                <a:cs typeface="Nunito"/>
-                <a:sym typeface="Nunito"/>
-              </a:rPr>
-              <a:t>unpredictability</a:t>
-            </a:r>
-            <a:r>
-              <a:rPr lang="en-US" dirty="0">
-                <a:latin typeface="Nunito"/>
-                <a:ea typeface="Nunito"/>
-                <a:cs typeface="Nunito"/>
-                <a:sym typeface="Nunito"/>
-              </a:rPr>
-              <a:t> is the ‘madness’ of March Madness.</a:t>
-            </a:r>
-            <a:endParaRPr lang="en-US" dirty="0"/>
-          </a:p>
-        </p:txBody>
-      </p:sp>
-      <p:sp>
-        <p:nvSpPr>
-          <p:cNvPr id="5" name="Slide Number Placeholder 5">
-            <a:extLst>
-              <a:ext uri="{FF2B5EF4-FFF2-40B4-BE49-F238E27FC236}">
-                <a16:creationId xmlns:a16="http://schemas.microsoft.com/office/drawing/2014/main" id="{8E0510B8-2E78-20E7-4DBB-06CABF68D68D}"/>
-              </a:ext>
-            </a:extLst>
-          </p:cNvPr>
-          <p:cNvSpPr>
-            <a:spLocks noGrp="1"/>
-          </p:cNvSpPr>
-          <p:nvPr>
-            <p:ph type="sldNum" sz="quarter" idx="12"/>
-          </p:nvPr>
-        </p:nvSpPr>
-        <p:spPr>
-          <a:xfrm>
-            <a:off x="8610600" y="6356350"/>
-            <a:ext cx="3028122" cy="365125"/>
-          </a:xfrm>
-          <a:prstGeom prst="rect">
-            <a:avLst/>
-          </a:prstGeom>
-        </p:spPr>
-        <p:txBody>
-          <a:bodyPr anchor="ctr"/>
-          <a:lstStyle>
-            <a:lvl1pPr algn="r">
-              <a:defRPr sz="1000">
-                <a:solidFill>
-                  <a:schemeClr val="tx2"/>
-                </a:solidFill>
-                <a:latin typeface="SF Compact Rounded" pitchFamily="2" charset="77"/>
-              </a:defRPr>
-            </a:lvl1pPr>
-          </a:lstStyle>
-          <a:p>
-            <a:fld id="{1E7E87EC-D468-6B42-A141-7B085F32EA20}" type="slidenum">
-              <a:rPr lang="en-US" smtClean="0"/>
-              <a:pPr/>
-              <a:t>32</a:t>
-            </a:fld>
-            <a:endParaRPr lang="en-US" dirty="0"/>
-          </a:p>
-        </p:txBody>
-      </p:sp>
-    </p:spTree>
-    <p:extLst>
-      <p:ext uri="{BB962C8B-B14F-4D97-AF65-F5344CB8AC3E}">
-        <p14:creationId xmlns:p14="http://schemas.microsoft.com/office/powerpoint/2010/main" val="2615861621"/>
-      </p:ext>
-    </p:extLst>
-  </p:cSld>
-  <p:clrMapOvr>
-    <a:masterClrMapping/>
-  </p:clrMapOvr>
-</p:sld>
-</file>
-
-<file path=ppt/slides/slide33.xml><?xml version="1.0" encoding="utf-8"?>
-<p:sld xmlns:a="http://schemas.openxmlformats.org/drawingml/2006/main" xmlns:r="http://schemas.openxmlformats.org/officeDocument/2006/relationships" xmlns:p="http://schemas.openxmlformats.org/presentationml/2006/main">
-  <p:cSld>
-    <p:spTree>
-      <p:nvGrpSpPr>
-        <p:cNvPr id="1" name=""/>
-        <p:cNvGrpSpPr/>
-        <p:nvPr/>
-      </p:nvGrpSpPr>
-      <p:grpSpPr>
-        <a:xfrm>
-          <a:off x="0" y="0"/>
-          <a:ext cx="0" cy="0"/>
-          <a:chOff x="0" y="0"/>
-          <a:chExt cx="0" cy="0"/>
-        </a:xfrm>
-      </p:grpSpPr>
-      <p:sp>
-        <p:nvSpPr>
-          <p:cNvPr id="2" name="Text Placeholder 1">
-            <a:extLst>
-              <a:ext uri="{FF2B5EF4-FFF2-40B4-BE49-F238E27FC236}">
-                <a16:creationId xmlns:a16="http://schemas.microsoft.com/office/drawing/2014/main" id="{DEDB9BE8-C609-A873-CBBC-0CA104AA9588}"/>
-              </a:ext>
-            </a:extLst>
-          </p:cNvPr>
-          <p:cNvSpPr>
-            <a:spLocks noGrp="1"/>
-          </p:cNvSpPr>
-          <p:nvPr>
-            <p:ph type="body" sz="quarter" idx="13"/>
-          </p:nvPr>
-        </p:nvSpPr>
-        <p:spPr/>
-        <p:txBody>
-          <a:bodyPr/>
-          <a:lstStyle/>
-          <a:p>
-            <a:endParaRPr lang="en-US"/>
-          </a:p>
-        </p:txBody>
-      </p:sp>
-      <p:sp>
-        <p:nvSpPr>
-          <p:cNvPr id="3" name="Title 2">
-            <a:extLst>
-              <a:ext uri="{FF2B5EF4-FFF2-40B4-BE49-F238E27FC236}">
-                <a16:creationId xmlns:a16="http://schemas.microsoft.com/office/drawing/2014/main" id="{18AA4D6E-70D3-8C8F-AF9E-00FC624637F9}"/>
-              </a:ext>
-            </a:extLst>
-          </p:cNvPr>
-          <p:cNvSpPr>
-            <a:spLocks noGrp="1"/>
-          </p:cNvSpPr>
-          <p:nvPr>
-            <p:ph type="title"/>
-          </p:nvPr>
-        </p:nvSpPr>
-        <p:spPr>
-          <a:xfrm>
-            <a:off x="841248" y="365760"/>
-            <a:ext cx="11161644" cy="767936"/>
-          </a:xfrm>
-        </p:spPr>
-        <p:txBody>
-          <a:bodyPr>
-            <a:normAutofit/>
-          </a:bodyPr>
-          <a:lstStyle/>
-          <a:p>
-            <a:r>
-              <a:rPr lang="en-US" dirty="0"/>
-              <a:t>Conclusions</a:t>
-            </a:r>
-            <a:r>
-              <a:rPr lang="en-US" b="0" dirty="0"/>
-              <a:t> – Communication (and Deployment)</a:t>
-            </a:r>
-          </a:p>
-        </p:txBody>
-      </p:sp>
-      <p:sp>
-        <p:nvSpPr>
-          <p:cNvPr id="4" name="Content Placeholder 3">
-            <a:extLst>
-              <a:ext uri="{FF2B5EF4-FFF2-40B4-BE49-F238E27FC236}">
-                <a16:creationId xmlns:a16="http://schemas.microsoft.com/office/drawing/2014/main" id="{4391D70F-9C2B-F376-3A6F-BE5CA85CF1FC}"/>
-              </a:ext>
-            </a:extLst>
-          </p:cNvPr>
-          <p:cNvSpPr>
-            <a:spLocks noGrp="1"/>
-          </p:cNvSpPr>
-          <p:nvPr>
-            <p:ph idx="1"/>
-          </p:nvPr>
-        </p:nvSpPr>
-        <p:spPr>
-          <a:xfrm>
-            <a:off x="841248" y="1207008"/>
-            <a:ext cx="10526663" cy="4969565"/>
-          </a:xfrm>
-        </p:spPr>
-        <p:txBody>
-          <a:bodyPr/>
-          <a:lstStyle/>
-          <a:p>
-            <a:pPr marL="177800" lvl="0" indent="-171450" algn="l" rtl="0">
-              <a:spcBef>
-                <a:spcPts val="0"/>
-              </a:spcBef>
-              <a:spcAft>
-                <a:spcPts val="0"/>
-              </a:spcAft>
-              <a:buSzPts val="2100"/>
-              <a:buFont typeface="Nunito"/>
-              <a:buChar char="•"/>
-            </a:pPr>
-            <a:r>
-              <a:rPr lang="en-US" dirty="0">
-                <a:latin typeface="Nunito"/>
-                <a:ea typeface="Nunito"/>
-                <a:cs typeface="Nunito"/>
-                <a:sym typeface="Nunito"/>
-              </a:rPr>
-              <a:t>This project was </a:t>
-            </a:r>
-            <a:r>
-              <a:rPr lang="en-US" b="1" dirty="0">
-                <a:latin typeface="Nunito"/>
-                <a:ea typeface="Nunito"/>
-                <a:cs typeface="Nunito"/>
-                <a:sym typeface="Nunito"/>
-              </a:rPr>
-              <a:t>fun</a:t>
-            </a:r>
-            <a:r>
-              <a:rPr lang="en-US" dirty="0">
-                <a:latin typeface="Nunito"/>
-                <a:ea typeface="Nunito"/>
-                <a:cs typeface="Nunito"/>
-                <a:sym typeface="Nunito"/>
-              </a:rPr>
-              <a:t>, but </a:t>
-            </a:r>
-            <a:r>
-              <a:rPr lang="en-US" b="1" dirty="0">
-                <a:latin typeface="Nunito"/>
-                <a:ea typeface="Nunito"/>
-                <a:cs typeface="Nunito"/>
-                <a:sym typeface="Nunito"/>
-              </a:rPr>
-              <a:t>very challenging</a:t>
-            </a:r>
-            <a:r>
-              <a:rPr lang="en-US" dirty="0">
-                <a:latin typeface="Nunito"/>
-                <a:ea typeface="Nunito"/>
-                <a:cs typeface="Nunito"/>
-                <a:sym typeface="Nunito"/>
-              </a:rPr>
-              <a:t>. Trying to accurately predict outcomes that show so much unpredictability proved to be very difficult.</a:t>
-            </a:r>
-          </a:p>
-          <a:p>
-            <a:pPr marL="177800" lvl="0" indent="-171450" algn="l" rtl="0">
-              <a:spcBef>
-                <a:spcPts val="0"/>
-              </a:spcBef>
-              <a:spcAft>
-                <a:spcPts val="0"/>
-              </a:spcAft>
-              <a:buClr>
-                <a:schemeClr val="lt1"/>
-              </a:buClr>
-              <a:buSzPts val="2100"/>
-              <a:buFont typeface="Nunito"/>
-              <a:buChar char="•"/>
-            </a:pPr>
-            <a:r>
-              <a:rPr lang="en-US" dirty="0">
-                <a:solidFill>
-                  <a:schemeClr val="lt1"/>
-                </a:solidFill>
-                <a:latin typeface="Nunito"/>
-                <a:ea typeface="Nunito"/>
-                <a:cs typeface="Nunito"/>
-                <a:sym typeface="Nunito"/>
-              </a:rPr>
-              <a:t>.</a:t>
-            </a:r>
-          </a:p>
-          <a:p>
-            <a:pPr marL="177800" lvl="0" indent="-171450" algn="l" rtl="0">
-              <a:spcBef>
-                <a:spcPts val="0"/>
-              </a:spcBef>
-              <a:spcAft>
-                <a:spcPts val="0"/>
-              </a:spcAft>
-              <a:buSzPts val="2100"/>
-              <a:buFont typeface="Nunito"/>
-              <a:buChar char="•"/>
-            </a:pPr>
-            <a:r>
-              <a:rPr lang="en-US" dirty="0">
-                <a:latin typeface="Nunito"/>
-                <a:ea typeface="Nunito"/>
-                <a:cs typeface="Nunito"/>
-                <a:sym typeface="Nunito"/>
-              </a:rPr>
-              <a:t>One learning point from this project was that we should have </a:t>
-            </a:r>
-            <a:r>
-              <a:rPr lang="en-US" b="1" dirty="0">
-                <a:latin typeface="Nunito"/>
-                <a:ea typeface="Nunito"/>
-                <a:cs typeface="Nunito"/>
-                <a:sym typeface="Nunito"/>
-              </a:rPr>
-              <a:t>provisioned our time at the onset</a:t>
-            </a:r>
-            <a:r>
-              <a:rPr lang="en-US" dirty="0">
-                <a:latin typeface="Nunito"/>
-                <a:ea typeface="Nunito"/>
-                <a:cs typeface="Nunito"/>
-                <a:sym typeface="Nunito"/>
-              </a:rPr>
-              <a:t> (to allow sufficient time for model and hyperparameter tuning).</a:t>
-            </a:r>
-            <a:r>
-              <a:rPr lang="en-US" dirty="0">
-                <a:solidFill>
-                  <a:schemeClr val="lt1"/>
-                </a:solidFill>
-                <a:latin typeface="Nunito"/>
-                <a:ea typeface="Nunito"/>
-                <a:cs typeface="Nunito"/>
-                <a:sym typeface="Nunito"/>
-              </a:rPr>
-              <a:t>.</a:t>
-            </a:r>
-          </a:p>
-          <a:p>
-            <a:pPr marL="177800" lvl="0" indent="-171450" algn="l" rtl="0">
-              <a:spcBef>
-                <a:spcPts val="0"/>
-              </a:spcBef>
-              <a:spcAft>
-                <a:spcPts val="0"/>
-              </a:spcAft>
-              <a:buClr>
-                <a:schemeClr val="lt1"/>
-              </a:buClr>
-              <a:buSzPts val="2100"/>
-              <a:buFont typeface="Nunito"/>
-              <a:buChar char="•"/>
-            </a:pPr>
-            <a:r>
-              <a:rPr lang="en-US" dirty="0">
-                <a:solidFill>
-                  <a:schemeClr val="lt1"/>
-                </a:solidFill>
-                <a:latin typeface="Nunito"/>
-                <a:ea typeface="Nunito"/>
-                <a:cs typeface="Nunito"/>
-                <a:sym typeface="Nunito"/>
-              </a:rPr>
-              <a:t>.</a:t>
-            </a:r>
-          </a:p>
-          <a:p>
-            <a:pPr marL="177800" lvl="0" indent="-171450" algn="l" rtl="0">
-              <a:spcBef>
-                <a:spcPts val="0"/>
-              </a:spcBef>
-              <a:spcAft>
-                <a:spcPts val="0"/>
-              </a:spcAft>
-              <a:buSzPts val="2100"/>
-              <a:buFont typeface="Nunito"/>
-              <a:buChar char="•"/>
-            </a:pPr>
-            <a:r>
-              <a:rPr lang="en-US" dirty="0">
-                <a:latin typeface="Nunito"/>
-                <a:ea typeface="Nunito"/>
-                <a:cs typeface="Nunito"/>
-                <a:sym typeface="Nunito"/>
-              </a:rPr>
-              <a:t>Another learning point, feature engineering is very important. It would have been better to establish ‘</a:t>
-            </a:r>
-            <a:r>
-              <a:rPr lang="en-US" b="1" dirty="0">
-                <a:latin typeface="Nunito"/>
-                <a:ea typeface="Nunito"/>
-                <a:cs typeface="Nunito"/>
-                <a:sym typeface="Nunito"/>
-              </a:rPr>
-              <a:t>hot team</a:t>
-            </a:r>
-            <a:r>
-              <a:rPr lang="en-US" dirty="0">
-                <a:latin typeface="Nunito"/>
-                <a:ea typeface="Nunito"/>
-                <a:cs typeface="Nunito"/>
-                <a:sym typeface="Nunito"/>
-              </a:rPr>
-              <a:t>’ and ‘</a:t>
-            </a:r>
-            <a:r>
-              <a:rPr lang="en-US" b="1" dirty="0">
-                <a:latin typeface="Nunito"/>
-                <a:ea typeface="Nunito"/>
-                <a:cs typeface="Nunito"/>
-                <a:sym typeface="Nunito"/>
-              </a:rPr>
-              <a:t>tried team</a:t>
-            </a:r>
-            <a:r>
-              <a:rPr lang="en-US" dirty="0">
-                <a:latin typeface="Nunito"/>
-                <a:ea typeface="Nunito"/>
-                <a:cs typeface="Nunito"/>
-                <a:sym typeface="Nunito"/>
-              </a:rPr>
-              <a:t>’ features - for streaking teams; </a:t>
-            </a:r>
-            <a:r>
-              <a:rPr lang="en-US" b="1" dirty="0">
-                <a:latin typeface="Nunito"/>
-                <a:ea typeface="Nunito"/>
-                <a:cs typeface="Nunito"/>
-                <a:sym typeface="Nunito"/>
-              </a:rPr>
-              <a:t>bring in time-series</a:t>
-            </a:r>
-            <a:r>
-              <a:rPr lang="en-US" dirty="0">
-                <a:latin typeface="Nunito"/>
-                <a:ea typeface="Nunito"/>
-                <a:cs typeface="Nunito"/>
-                <a:sym typeface="Nunito"/>
-              </a:rPr>
-              <a:t>.</a:t>
-            </a:r>
-            <a:endParaRPr lang="en-US" dirty="0"/>
-          </a:p>
-        </p:txBody>
-      </p:sp>
-      <p:sp>
-        <p:nvSpPr>
-          <p:cNvPr id="5" name="Slide Number Placeholder 5">
-            <a:extLst>
-              <a:ext uri="{FF2B5EF4-FFF2-40B4-BE49-F238E27FC236}">
-                <a16:creationId xmlns:a16="http://schemas.microsoft.com/office/drawing/2014/main" id="{8E0510B8-2E78-20E7-4DBB-06CABF68D68D}"/>
-              </a:ext>
-            </a:extLst>
-          </p:cNvPr>
-          <p:cNvSpPr>
-            <a:spLocks noGrp="1"/>
-          </p:cNvSpPr>
-          <p:nvPr>
-            <p:ph type="sldNum" sz="quarter" idx="12"/>
-          </p:nvPr>
-        </p:nvSpPr>
-        <p:spPr>
-          <a:xfrm>
-            <a:off x="8610600" y="6356350"/>
-            <a:ext cx="3028122" cy="365125"/>
-          </a:xfrm>
-          <a:prstGeom prst="rect">
-            <a:avLst/>
-          </a:prstGeom>
-        </p:spPr>
-        <p:txBody>
-          <a:bodyPr anchor="ctr"/>
-          <a:lstStyle>
-            <a:lvl1pPr algn="r">
-              <a:defRPr sz="1000">
-                <a:solidFill>
-                  <a:schemeClr val="tx2"/>
-                </a:solidFill>
-                <a:latin typeface="SF Compact Rounded" pitchFamily="2" charset="77"/>
-              </a:defRPr>
-            </a:lvl1pPr>
-          </a:lstStyle>
-          <a:p>
-            <a:fld id="{1E7E87EC-D468-6B42-A141-7B085F32EA20}" type="slidenum">
-              <a:rPr lang="en-US" smtClean="0"/>
-              <a:pPr/>
-              <a:t>33</a:t>
-            </a:fld>
-            <a:endParaRPr lang="en-US" dirty="0"/>
-          </a:p>
-        </p:txBody>
-      </p:sp>
-    </p:spTree>
-    <p:extLst>
-      <p:ext uri="{BB962C8B-B14F-4D97-AF65-F5344CB8AC3E}">
-        <p14:creationId xmlns:p14="http://schemas.microsoft.com/office/powerpoint/2010/main" val="318097353"/>
       </p:ext>
     </p:extLst>
   </p:cSld>
@@ -16906,7 +16858,7 @@
                 <a:cs typeface="Nunito"/>
                 <a:sym typeface="Nunito"/>
               </a:rPr>
-              <a:t>I think using a </a:t>
+              <a:t>Using the </a:t>
             </a:r>
             <a:r>
               <a:rPr lang="en-US" b="1" dirty="0">
@@ -16915,7 +16867,7 @@
                 <a:cs typeface="Nunito"/>
                 <a:sym typeface="Nunito"/>
               </a:rPr>
-              <a:t>convoluted neural network model</a:t>
+              <a:t>sequential features selector</a:t>
             </a:r>
             <a:r>
               <a:rPr lang="en-US" dirty="0">
@@ -16924,7 +16876,25 @@
                 <a:cs typeface="Nunito"/>
                 <a:sym typeface="Nunito"/>
               </a:rPr>
-              <a:t> with transfer learning from regular season data might be a better approach.</a:t>
+              <a:t> across the </a:t>
+            </a:r>
+            <a:r>
+              <a:rPr lang="en-US" dirty="0" err="1">
+                <a:latin typeface="Nunito"/>
+                <a:ea typeface="Nunito"/>
+                <a:cs typeface="Nunito"/>
+                <a:sym typeface="Nunito"/>
+              </a:rPr>
+              <a:t>RidgeRegression</a:t>
+            </a:r>
+            <a:r>
+              <a:rPr lang="en-US" dirty="0">
+                <a:latin typeface="Nunito"/>
+                <a:ea typeface="Nunito"/>
+                <a:cs typeface="Nunito"/>
+                <a:sym typeface="Nunito"/>
+              </a:rPr>
+              <a:t>, Logistic Regression, and SVM models, there were some variables that appeared in more often in the selection processes, in particular, seed_1 - the seed number for team 1 - was used in all eight models.</a:t>
             </a:r>
           </a:p>
           <a:p>
@@ -16974,7 +16944,7 @@
                 <a:cs typeface="Nunito"/>
                 <a:sym typeface="Nunito"/>
               </a:rPr>
-              <a:t>The </a:t>
+              <a:t>This means </a:t>
             </a:r>
             <a:r>
               <a:rPr lang="en-US" b="1" dirty="0">
@@ -16983,7 +16953,7 @@
                 <a:cs typeface="Nunito"/>
                 <a:sym typeface="Nunito"/>
               </a:rPr>
-              <a:t>brier score</a:t>
+              <a:t>this variable has significant weight</a:t>
             </a:r>
             <a:r>
               <a:rPr lang="en-US" dirty="0">
@@ -16992,7 +16962,7 @@
                 <a:cs typeface="Nunito"/>
                 <a:sym typeface="Nunito"/>
               </a:rPr>
-              <a:t> metric was new for us, fully understanding this metric and using this metric to optimize model may also prove to be a smarter tactic.</a:t>
+              <a:t> in determining the outcome and should be considering in future predictive modeling that undertakes this task of tournament prediction.</a:t>
             </a:r>
             <a:endParaRPr lang="en-US" dirty="0"/>
           </a:p>
@@ -17048,7 +17018,7 @@
     </p:spTree>
     <p:extLst>
       <p:ext uri="{BB962C8B-B14F-4D97-AF65-F5344CB8AC3E}">
-        <p14:creationId xmlns:p14="http://schemas.microsoft.com/office/powerpoint/2010/main" val="516321824"/>
+        <p14:creationId xmlns:p14="http://schemas.microsoft.com/office/powerpoint/2010/main" val="2119482986"/>
       </p:ext>
     </p:extLst>
   </p:cSld>
@@ -17130,9 +17100,12 @@
           <a:p>
             <a:r>
               <a:rPr lang="en-US" dirty="0"/>
-              <a:t>References</a:t>
-            </a:r>
-            <a:endParaRPr lang="en-US" b="0" dirty="0"/>
+              <a:t>Conclusions</a:t>
+            </a:r>
+            <a:r>
+              <a:rPr lang="en-US" b="0" dirty="0"/>
+              <a:t> – Communication (and Deployment)</a:t>
+            </a:r>
           </a:p>
         </p:txBody>
       </p:sp>
@@ -17155,200 +17128,200 @@
         <p:spPr>
           <a:xfrm>
             <a:off x="841248" y="1207008"/>
-            <a:ext cx="10910485" cy="4969565"/>
+            <a:ext cx="10526663" cy="4969565"/>
           </a:xfrm>
         </p:spPr>
         <p:txBody>
-          <a:bodyPr>
-            <a:normAutofit/>
-          </a:bodyPr>
+          <a:bodyPr/>
           <a:lstStyle/>
           <a:p>
-            <a:pPr marL="0" indent="0">
-              <a:buNone/>
+            <a:pPr marL="177800" lvl="0" indent="-171450" algn="l" rtl="0">
+              <a:spcBef>
+                <a:spcPts val="0"/>
+              </a:spcBef>
+              <a:spcAft>
+                <a:spcPts val="0"/>
+              </a:spcAft>
+              <a:buSzPts val="2100"/>
+              <a:buFont typeface="Nunito"/>
+              <a:buChar char="•"/>
             </a:pPr>
             <a:r>
-              <a:rPr lang="en-US" sz="2000" dirty="0"/>
-              <a:t>1. David </a:t>
-            </a:r>
-            <a:r>
-              <a:rPr lang="en-US" sz="2000" dirty="0" err="1"/>
-              <a:t>Purdum</a:t>
-            </a:r>
-            <a:r>
-              <a:rPr lang="en-US" sz="2000" dirty="0"/>
-              <a:t> (2017). ESPN – 70 million brackets, $10.4 billion in bets expected for March Madness. American Gaming Association. </a:t>
-            </a:r>
-            <a:r>
-              <a:rPr lang="en-US" sz="2000" dirty="0">
-                <a:hlinkClick r:id="rId2"/>
+              <a:rPr lang="en-US" dirty="0">
+                <a:latin typeface="Nunito"/>
+                <a:ea typeface="Nunito"/>
+                <a:cs typeface="Nunito"/>
+                <a:sym typeface="Nunito"/>
               </a:rPr>
-              <a:t>https://</a:t>
-            </a:r>
-            <a:r>
-              <a:rPr lang="en-US" sz="2000" dirty="0" err="1">
-                <a:hlinkClick r:id="rId2"/>
+              <a:t>There needs to be a way to account for the </a:t>
+            </a:r>
+            <a:r>
+              <a:rPr lang="en-US" b="1" dirty="0">
+                <a:latin typeface="Nunito"/>
+                <a:ea typeface="Nunito"/>
+                <a:cs typeface="Nunito"/>
+                <a:sym typeface="Nunito"/>
               </a:rPr>
-              <a:t>www.americangaming.org</a:t>
-            </a:r>
-            <a:r>
-              <a:rPr lang="en-US" sz="2000" dirty="0">
-                <a:hlinkClick r:id="rId2"/>
+              <a:t>randomness</a:t>
+            </a:r>
+            <a:r>
+              <a:rPr lang="en-US" dirty="0">
+                <a:latin typeface="Nunito"/>
+                <a:ea typeface="Nunito"/>
+                <a:cs typeface="Nunito"/>
+                <a:sym typeface="Nunito"/>
               </a:rPr>
-              <a:t>/new/espn-70-million-brackets-10-4-billion-in-bets-expected-for-march-madness/</a:t>
-            </a:r>
-            <a:r>
-              <a:rPr lang="en-US" sz="2000" dirty="0"/>
-              <a:t> accessed: 18 March 2023.</a:t>
-            </a:r>
-          </a:p>
-          <a:p>
-            <a:pPr marL="0" indent="0">
-              <a:buNone/>
+              <a:t> of the matchups, what kind of metric can be used for this? (i.e. a player is hurt, team’s lack of sleep due to travel schedule, etc.)</a:t>
+            </a:r>
+          </a:p>
+          <a:p>
+            <a:pPr marL="177800" lvl="0" indent="-171450" algn="l" rtl="0">
+              <a:spcBef>
+                <a:spcPts val="0"/>
+              </a:spcBef>
+              <a:spcAft>
+                <a:spcPts val="0"/>
+              </a:spcAft>
+              <a:buClr>
+                <a:schemeClr val="lt1"/>
+              </a:buClr>
+              <a:buSzPts val="2100"/>
+              <a:buFont typeface="Nunito"/>
+              <a:buChar char="•"/>
             </a:pPr>
             <a:r>
-              <a:rPr lang="en-US" sz="2000" dirty="0"/>
-              <a:t>2. American Gaming Association (2022). 2022 March Madness Wagering Estimates. American Gaming Association. </a:t>
-            </a:r>
-            <a:r>
-              <a:rPr lang="en-US" sz="2000" dirty="0">
-                <a:hlinkClick r:id="rId3"/>
+              <a:rPr lang="en-US" dirty="0">
+                <a:solidFill>
+                  <a:schemeClr val="lt1"/>
+                </a:solidFill>
+                <a:latin typeface="Nunito"/>
+                <a:ea typeface="Nunito"/>
+                <a:cs typeface="Nunito"/>
+                <a:sym typeface="Nunito"/>
               </a:rPr>
-              <a:t>https://</a:t>
-            </a:r>
-            <a:r>
-              <a:rPr lang="en-US" sz="2000" dirty="0" err="1">
-                <a:hlinkClick r:id="rId3"/>
+              <a:t>.</a:t>
+            </a:r>
+          </a:p>
+          <a:p>
+            <a:pPr marL="177800" lvl="0" indent="-171450" algn="l" rtl="0">
+              <a:spcBef>
+                <a:spcPts val="0"/>
+              </a:spcBef>
+              <a:spcAft>
+                <a:spcPts val="0"/>
+              </a:spcAft>
+              <a:buSzPts val="2100"/>
+              <a:buFont typeface="Nunito"/>
+              <a:buChar char="•"/>
+            </a:pPr>
+            <a:r>
+              <a:rPr lang="en-US" dirty="0">
+                <a:latin typeface="Nunito"/>
+                <a:ea typeface="Nunito"/>
+                <a:cs typeface="Nunito"/>
+                <a:sym typeface="Nunito"/>
               </a:rPr>
-              <a:t>www.americangaming.org</a:t>
-            </a:r>
-            <a:r>
-              <a:rPr lang="en-US" sz="2000" dirty="0">
-                <a:hlinkClick r:id="rId3"/>
+              <a:t>Especially considering this is a </a:t>
+            </a:r>
+            <a:r>
+              <a:rPr lang="en-US" b="1" dirty="0">
+                <a:latin typeface="Nunito"/>
+                <a:ea typeface="Nunito"/>
+                <a:cs typeface="Nunito"/>
+                <a:sym typeface="Nunito"/>
               </a:rPr>
-              <a:t>/resources/march-madness-2022/</a:t>
-            </a:r>
-            <a:r>
-              <a:rPr lang="en-US" sz="2000" dirty="0"/>
-              <a:t> accessed: 18 March 2023.</a:t>
-            </a:r>
-          </a:p>
-          <a:p>
-            <a:pPr marL="0" indent="0">
-              <a:buNone/>
+              <a:t>single-elimination tournament</a:t>
+            </a:r>
+            <a:r>
+              <a:rPr lang="en-US" dirty="0">
+                <a:latin typeface="Nunito"/>
+                <a:ea typeface="Nunito"/>
+                <a:cs typeface="Nunito"/>
+                <a:sym typeface="Nunito"/>
+              </a:rPr>
+              <a:t>, which means any aberration in performance could mean a top team losing or a bottom team winning.</a:t>
+            </a:r>
+            <a:r>
+              <a:rPr lang="en-US" dirty="0">
+                <a:solidFill>
+                  <a:schemeClr val="lt1"/>
+                </a:solidFill>
+                <a:latin typeface="Nunito"/>
+                <a:ea typeface="Nunito"/>
+                <a:cs typeface="Nunito"/>
+                <a:sym typeface="Nunito"/>
+              </a:rPr>
+              <a:t>.</a:t>
+            </a:r>
+          </a:p>
+          <a:p>
+            <a:pPr marL="177800" lvl="0" indent="-171450" algn="l" rtl="0">
+              <a:spcBef>
+                <a:spcPts val="0"/>
+              </a:spcBef>
+              <a:spcAft>
+                <a:spcPts val="0"/>
+              </a:spcAft>
+              <a:buClr>
+                <a:schemeClr val="lt1"/>
+              </a:buClr>
+              <a:buSzPts val="2100"/>
+              <a:buFont typeface="Nunito"/>
+              <a:buChar char="•"/>
             </a:pPr>
             <a:r>
-              <a:rPr lang="en-US" sz="2000" dirty="0"/>
-              <a:t>3. Daniel Wilco (2023). The absurd odds of a perfect NCAA bracket. </a:t>
-            </a:r>
-            <a:r>
-              <a:rPr lang="en-US" sz="2000" dirty="0">
-                <a:hlinkClick r:id="rId4"/>
+              <a:rPr lang="en-US" dirty="0">
+                <a:solidFill>
+                  <a:schemeClr val="lt1"/>
+                </a:solidFill>
+                <a:latin typeface="Nunito"/>
+                <a:ea typeface="Nunito"/>
+                <a:cs typeface="Nunito"/>
+                <a:sym typeface="Nunito"/>
               </a:rPr>
-              <a:t>https://</a:t>
-            </a:r>
-            <a:r>
-              <a:rPr lang="en-US" sz="2000" dirty="0" err="1">
-                <a:hlinkClick r:id="rId4"/>
+              <a:t>.</a:t>
+            </a:r>
+          </a:p>
+          <a:p>
+            <a:pPr marL="177800" lvl="0" indent="-171450" algn="l" rtl="0">
+              <a:spcBef>
+                <a:spcPts val="0"/>
+              </a:spcBef>
+              <a:spcAft>
+                <a:spcPts val="0"/>
+              </a:spcAft>
+              <a:buSzPts val="2100"/>
+              <a:buFont typeface="Nunito"/>
+              <a:buChar char="•"/>
+            </a:pPr>
+            <a:r>
+              <a:rPr lang="en-US" dirty="0">
+                <a:latin typeface="Nunito"/>
+                <a:ea typeface="Nunito"/>
+                <a:cs typeface="Nunito"/>
+                <a:sym typeface="Nunito"/>
               </a:rPr>
-              <a:t>www.ncaa.com</a:t>
-            </a:r>
-            <a:r>
-              <a:rPr lang="en-US" sz="2000" dirty="0">
-                <a:hlinkClick r:id="rId4"/>
+              <a:t>This type of </a:t>
+            </a:r>
+            <a:r>
+              <a:rPr lang="en-US" b="1" dirty="0">
+                <a:latin typeface="Nunito"/>
+                <a:ea typeface="Nunito"/>
+                <a:cs typeface="Nunito"/>
+                <a:sym typeface="Nunito"/>
               </a:rPr>
-              <a:t>/news/basketball-men/</a:t>
-            </a:r>
-            <a:r>
-              <a:rPr lang="en-US" sz="2000" dirty="0" err="1">
-                <a:hlinkClick r:id="rId4"/>
+              <a:t>unpredictability</a:t>
+            </a:r>
+            <a:r>
+              <a:rPr lang="en-US" dirty="0">
+                <a:latin typeface="Nunito"/>
+                <a:ea typeface="Nunito"/>
+                <a:cs typeface="Nunito"/>
+                <a:sym typeface="Nunito"/>
               </a:rPr>
-              <a:t>bracketiq</a:t>
-            </a:r>
-            <a:r>
-              <a:rPr lang="en-US" sz="2000" dirty="0">
-                <a:hlinkClick r:id="rId4"/>
-              </a:rPr>
-              <a:t>/2023-03-16/perfect-</a:t>
-            </a:r>
-            <a:r>
-              <a:rPr lang="en-US" sz="2000" dirty="0" err="1">
-                <a:hlinkClick r:id="rId4"/>
-              </a:rPr>
-              <a:t>ncaa</a:t>
-            </a:r>
-            <a:r>
-              <a:rPr lang="en-US" sz="2000" dirty="0">
-                <a:hlinkClick r:id="rId4"/>
-              </a:rPr>
-              <a:t>-bracket-absurd-odds-march-madness-dream</a:t>
-            </a:r>
-            <a:r>
-              <a:rPr lang="en-US" sz="2000" dirty="0"/>
-              <a:t> accessed: 18 March 2023.</a:t>
-            </a:r>
-          </a:p>
-          <a:p>
-            <a:pPr marL="0" indent="0">
-              <a:buNone/>
-            </a:pPr>
-            <a:r>
-              <a:rPr lang="en-US" sz="2000" dirty="0"/>
-              <a:t>4. Brian </a:t>
-            </a:r>
-            <a:r>
-              <a:rPr lang="en-US" sz="2000" dirty="0" err="1"/>
-              <a:t>Budzynski</a:t>
-            </a:r>
-            <a:r>
-              <a:rPr lang="en-US" sz="2000" dirty="0"/>
-              <a:t> (2022). Who picked the best March Madness bracket of all time? </a:t>
-            </a:r>
-            <a:r>
-              <a:rPr lang="en-US" sz="2000" dirty="0">
-                <a:hlinkClick r:id="rId5"/>
-              </a:rPr>
-              <a:t>https://www.wavy.com/sports/ncaa-bastketball/who-picked-the-best-march-madness-bracket-of-all-time/</a:t>
-            </a:r>
-            <a:r>
-              <a:rPr lang="en-US" sz="2000" dirty="0"/>
-              <a:t> accessed: 18 March 2023.</a:t>
-            </a:r>
-          </a:p>
-          <a:p>
-            <a:pPr marL="0" indent="0">
-              <a:buNone/>
-            </a:pPr>
-            <a:r>
-              <a:rPr lang="en-US" sz="2000" dirty="0"/>
-              <a:t>5. Jeff </a:t>
-            </a:r>
-            <a:r>
-              <a:rPr lang="en-US" sz="2000" dirty="0" err="1"/>
-              <a:t>Sonas</a:t>
-            </a:r>
-            <a:r>
-              <a:rPr lang="en-US" sz="2000" dirty="0"/>
-              <a:t>, Last-Place Larry, Maggie, and Will </a:t>
-            </a:r>
-            <a:r>
-              <a:rPr lang="en-US" sz="2000" dirty="0" err="1"/>
-              <a:t>Cukierski</a:t>
-            </a:r>
-            <a:r>
-              <a:rPr lang="en-US" sz="2000" dirty="0"/>
-              <a:t> (2023). March Machine Learning Mania 2023. Kaggle. </a:t>
-            </a:r>
-            <a:r>
-              <a:rPr lang="en-US" sz="2000" dirty="0">
-                <a:hlinkClick r:id="rId6"/>
-              </a:rPr>
-              <a:t>https://kaggle.com/competitions/march-machine-learning-mania-2023</a:t>
-            </a:r>
-            <a:r>
-              <a:rPr lang="en-US" sz="2000" dirty="0"/>
-              <a:t> accessed: 18 March 2023.</a:t>
-            </a:r>
+              <a:t> is the ‘madness’ of March Madness.</a:t>
+            </a:r>
+            <a:endParaRPr lang="en-US" dirty="0"/>
           </a:p>
         </p:txBody>
       </p:sp>
@@ -17402,7 +17375,7 @@
     </p:spTree>
     <p:extLst>
       <p:ext uri="{BB962C8B-B14F-4D97-AF65-F5344CB8AC3E}">
-        <p14:creationId xmlns:p14="http://schemas.microsoft.com/office/powerpoint/2010/main" val="2215463546"/>
+        <p14:creationId xmlns:p14="http://schemas.microsoft.com/office/powerpoint/2010/main" val="2615861621"/>
       </p:ext>
     </p:extLst>
   </p:cSld>
@@ -17484,9 +17457,12 @@
           <a:p>
             <a:r>
               <a:rPr lang="en-US" dirty="0"/>
-              <a:t>References</a:t>
-            </a:r>
-            <a:endParaRPr lang="en-US" b="0" dirty="0"/>
+              <a:t>Conclusions</a:t>
+            </a:r>
+            <a:r>
+              <a:rPr lang="en-US" b="0" dirty="0"/>
+              <a:t> – Communication (and Deployment)</a:t>
+            </a:r>
           </a:p>
         </p:txBody>
       </p:sp>
@@ -17509,146 +17485,254 @@
         <p:spPr>
           <a:xfrm>
             <a:off x="841248" y="1207008"/>
-            <a:ext cx="10910485" cy="4969565"/>
+            <a:ext cx="10526663" cy="4969565"/>
           </a:xfrm>
         </p:spPr>
         <p:txBody>
-          <a:bodyPr>
-            <a:normAutofit/>
-          </a:bodyPr>
+          <a:bodyPr/>
           <a:lstStyle/>
           <a:p>
-            <a:pPr marL="50800" lvl="0" indent="0" algn="l" rtl="0">
-              <a:lnSpc>
-                <a:spcPct val="100000"/>
-              </a:lnSpc>
+            <a:pPr marL="177800" lvl="0" indent="-171450" algn="l" rtl="0">
               <a:spcBef>
-                <a:spcPts val="800"/>
+                <a:spcPts val="0"/>
               </a:spcBef>
               <a:spcAft>
                 <a:spcPts val="0"/>
               </a:spcAft>
-              <a:buSzPts val="1400"/>
-              <a:buNone/>
+              <a:buSzPts val="2100"/>
+              <a:buFont typeface="Nunito"/>
+              <a:buChar char="•"/>
             </a:pPr>
             <a:r>
-              <a:rPr lang="en-US" sz="2000" dirty="0">
+              <a:rPr lang="en-US" dirty="0">
                 <a:latin typeface="Nunito"/>
                 <a:ea typeface="Nunito"/>
                 <a:cs typeface="Nunito"/>
                 <a:sym typeface="Nunito"/>
               </a:rPr>
-              <a:t>6. Chris Wright (2012). Statistical Predictors of March Madness: An Examination of the NCAA Men’s’ Basketball Championship. Thesis for Pomona College Economics Department. </a:t>
-            </a:r>
-          </a:p>
-          <a:p>
-            <a:pPr marL="50800" lvl="0" indent="0" algn="l" rtl="0">
-              <a:lnSpc>
-                <a:spcPct val="100000"/>
-              </a:lnSpc>
-              <a:spcBef>
-                <a:spcPts val="800"/>
-              </a:spcBef>
-              <a:spcAft>
-                <a:spcPts val="0"/>
-              </a:spcAft>
-              <a:buSzPts val="1400"/>
-              <a:buNone/>
-            </a:pPr>
-            <a:r>
-              <a:rPr lang="en-US" sz="2000" dirty="0">
+              <a:t>This project was </a:t>
+            </a:r>
+            <a:r>
+              <a:rPr lang="en-US" b="1" dirty="0">
                 <a:latin typeface="Nunito"/>
                 <a:ea typeface="Nunito"/>
                 <a:cs typeface="Nunito"/>
                 <a:sym typeface="Nunito"/>
               </a:rPr>
-              <a:t>7. Alex Tran and Adam </a:t>
-            </a:r>
-            <a:r>
-              <a:rPr lang="en-US" sz="2000" dirty="0" err="1">
+              <a:t>fun</a:t>
+            </a:r>
+            <a:r>
+              <a:rPr lang="en-US" dirty="0">
                 <a:latin typeface="Nunito"/>
                 <a:ea typeface="Nunito"/>
                 <a:cs typeface="Nunito"/>
                 <a:sym typeface="Nunito"/>
               </a:rPr>
-              <a:t>Ginzberg</a:t>
-            </a:r>
-            <a:r>
-              <a:rPr lang="en-US" sz="2000" dirty="0">
+              <a:t>, but </a:t>
+            </a:r>
+            <a:r>
+              <a:rPr lang="en-US" b="1" dirty="0">
                 <a:latin typeface="Nunito"/>
                 <a:ea typeface="Nunito"/>
                 <a:cs typeface="Nunito"/>
                 <a:sym typeface="Nunito"/>
               </a:rPr>
-              <a:t> (2014). Making Sense of the Mayhem: Machine Learning and March Madness. Stanford CS229 Final Project paper December 2014.</a:t>
-            </a:r>
-          </a:p>
-          <a:p>
-            <a:pPr marL="50800" lvl="0" indent="0" algn="l" rtl="0">
-              <a:lnSpc>
-                <a:spcPct val="100000"/>
-              </a:lnSpc>
-              <a:spcBef>
-                <a:spcPts val="800"/>
-              </a:spcBef>
-              <a:spcAft>
-                <a:spcPts val="0"/>
-              </a:spcAft>
-              <a:buSzPts val="1400"/>
-              <a:buNone/>
-            </a:pPr>
-            <a:r>
-              <a:rPr lang="en-US" sz="2000" dirty="0">
+              <a:t>very challenging</a:t>
+            </a:r>
+            <a:r>
+              <a:rPr lang="en-US" dirty="0">
                 <a:latin typeface="Nunito"/>
                 <a:ea typeface="Nunito"/>
                 <a:cs typeface="Nunito"/>
                 <a:sym typeface="Nunito"/>
               </a:rPr>
-              <a:t>8. Levi Franklin (2014). Predicting March Madness: Winning the Office Pool. Stanford CS229 Final Project paper December 2014.</a:t>
-            </a:r>
-          </a:p>
-          <a:p>
-            <a:pPr marL="50800" lvl="0" indent="0" algn="l" rtl="0">
-              <a:lnSpc>
-                <a:spcPct val="100000"/>
-              </a:lnSpc>
+              <a:t>. Trying to accurately predict outcomes that show so much unpredictability proved to be very difficult.</a:t>
+            </a:r>
+          </a:p>
+          <a:p>
+            <a:pPr marL="177800" lvl="0" indent="-171450" algn="l" rtl="0">
               <a:spcBef>
-                <a:spcPts val="800"/>
+                <a:spcPts val="0"/>
               </a:spcBef>
               <a:spcAft>
                 <a:spcPts val="0"/>
               </a:spcAft>
-              <a:buSzPts val="1400"/>
-              <a:buNone/>
+              <a:buClr>
+                <a:schemeClr val="lt1"/>
+              </a:buClr>
+              <a:buSzPts val="2100"/>
+              <a:buFont typeface="Nunito"/>
+              <a:buChar char="•"/>
             </a:pPr>
             <a:r>
-              <a:rPr lang="en-US" sz="2000" dirty="0">
+              <a:rPr lang="en-US" dirty="0">
+                <a:solidFill>
+                  <a:schemeClr val="lt1"/>
+                </a:solidFill>
                 <a:latin typeface="Nunito"/>
                 <a:ea typeface="Nunito"/>
                 <a:cs typeface="Nunito"/>
                 <a:sym typeface="Nunito"/>
               </a:rPr>
-              <a:t>9. Cody Kocher and Tim </a:t>
-            </a:r>
-            <a:r>
-              <a:rPr lang="en-US" sz="2000" dirty="0" err="1">
+              <a:t>.</a:t>
+            </a:r>
+          </a:p>
+          <a:p>
+            <a:pPr marL="177800" lvl="0" indent="-171450" algn="l" rtl="0">
+              <a:spcBef>
+                <a:spcPts val="0"/>
+              </a:spcBef>
+              <a:spcAft>
+                <a:spcPts val="0"/>
+              </a:spcAft>
+              <a:buSzPts val="2100"/>
+              <a:buFont typeface="Nunito"/>
+              <a:buChar char="•"/>
+            </a:pPr>
+            <a:r>
+              <a:rPr lang="en-US" dirty="0">
                 <a:latin typeface="Nunito"/>
                 <a:ea typeface="Nunito"/>
                 <a:cs typeface="Nunito"/>
                 <a:sym typeface="Nunito"/>
               </a:rPr>
-              <a:t>Hoblin</a:t>
-            </a:r>
-            <a:r>
-              <a:rPr lang="en-US" sz="2000" dirty="0">
+              <a:t>One learning point from this project was that we should have </a:t>
+            </a:r>
+            <a:r>
+              <a:rPr lang="en-US" b="1" dirty="0">
                 <a:latin typeface="Nunito"/>
                 <a:ea typeface="Nunito"/>
                 <a:cs typeface="Nunito"/>
                 <a:sym typeface="Nunito"/>
               </a:rPr>
-              <a:t> (2018). Predictive Model for the NCAA Men’s Basketball Tournament. Ball State Undergraduate Mathematics Exchange vol 12(1) 15-23.</a:t>
-            </a:r>
-            <a:endParaRPr lang="en-US" sz="2000" dirty="0"/>
+              <a:t>provisioned our time at the onset</a:t>
+            </a:r>
+            <a:r>
+              <a:rPr lang="en-US" dirty="0">
+                <a:latin typeface="Nunito"/>
+                <a:ea typeface="Nunito"/>
+                <a:cs typeface="Nunito"/>
+                <a:sym typeface="Nunito"/>
+              </a:rPr>
+              <a:t> (to allow sufficient time for model and hyperparameter tuning).</a:t>
+            </a:r>
+            <a:r>
+              <a:rPr lang="en-US" dirty="0">
+                <a:solidFill>
+                  <a:schemeClr val="lt1"/>
+                </a:solidFill>
+                <a:latin typeface="Nunito"/>
+                <a:ea typeface="Nunito"/>
+                <a:cs typeface="Nunito"/>
+                <a:sym typeface="Nunito"/>
+              </a:rPr>
+              <a:t>.</a:t>
+            </a:r>
+          </a:p>
+          <a:p>
+            <a:pPr marL="177800" lvl="0" indent="-171450" algn="l" rtl="0">
+              <a:spcBef>
+                <a:spcPts val="0"/>
+              </a:spcBef>
+              <a:spcAft>
+                <a:spcPts val="0"/>
+              </a:spcAft>
+              <a:buClr>
+                <a:schemeClr val="lt1"/>
+              </a:buClr>
+              <a:buSzPts val="2100"/>
+              <a:buFont typeface="Nunito"/>
+              <a:buChar char="•"/>
+            </a:pPr>
+            <a:r>
+              <a:rPr lang="en-US" dirty="0">
+                <a:solidFill>
+                  <a:schemeClr val="lt1"/>
+                </a:solidFill>
+                <a:latin typeface="Nunito"/>
+                <a:ea typeface="Nunito"/>
+                <a:cs typeface="Nunito"/>
+                <a:sym typeface="Nunito"/>
+              </a:rPr>
+              <a:t>.</a:t>
+            </a:r>
+          </a:p>
+          <a:p>
+            <a:pPr marL="177800" lvl="0" indent="-171450" algn="l" rtl="0">
+              <a:spcBef>
+                <a:spcPts val="0"/>
+              </a:spcBef>
+              <a:spcAft>
+                <a:spcPts val="0"/>
+              </a:spcAft>
+              <a:buSzPts val="2100"/>
+              <a:buFont typeface="Nunito"/>
+              <a:buChar char="•"/>
+            </a:pPr>
+            <a:r>
+              <a:rPr lang="en-US" dirty="0">
+                <a:latin typeface="Nunito"/>
+                <a:ea typeface="Nunito"/>
+                <a:cs typeface="Nunito"/>
+                <a:sym typeface="Nunito"/>
+              </a:rPr>
+              <a:t>Another learning point, feature engineering is very important. It would have been better to establish ‘</a:t>
+            </a:r>
+            <a:r>
+              <a:rPr lang="en-US" b="1" dirty="0">
+                <a:latin typeface="Nunito"/>
+                <a:ea typeface="Nunito"/>
+                <a:cs typeface="Nunito"/>
+                <a:sym typeface="Nunito"/>
+              </a:rPr>
+              <a:t>hot team</a:t>
+            </a:r>
+            <a:r>
+              <a:rPr lang="en-US" dirty="0">
+                <a:latin typeface="Nunito"/>
+                <a:ea typeface="Nunito"/>
+                <a:cs typeface="Nunito"/>
+                <a:sym typeface="Nunito"/>
+              </a:rPr>
+              <a:t>’ and ‘</a:t>
+            </a:r>
+            <a:r>
+              <a:rPr lang="en-US" b="1" dirty="0">
+                <a:latin typeface="Nunito"/>
+                <a:ea typeface="Nunito"/>
+                <a:cs typeface="Nunito"/>
+                <a:sym typeface="Nunito"/>
+              </a:rPr>
+              <a:t>tried team</a:t>
+            </a:r>
+            <a:r>
+              <a:rPr lang="en-US" dirty="0">
+                <a:latin typeface="Nunito"/>
+                <a:ea typeface="Nunito"/>
+                <a:cs typeface="Nunito"/>
+                <a:sym typeface="Nunito"/>
+              </a:rPr>
+              <a:t>’ features - for streaking teams; </a:t>
+            </a:r>
+            <a:r>
+              <a:rPr lang="en-US" b="1" dirty="0">
+                <a:latin typeface="Nunito"/>
+                <a:ea typeface="Nunito"/>
+                <a:cs typeface="Nunito"/>
+                <a:sym typeface="Nunito"/>
+              </a:rPr>
+              <a:t>bring in time-series</a:t>
+            </a:r>
+            <a:r>
+              <a:rPr lang="en-US" dirty="0">
+                <a:latin typeface="Nunito"/>
+                <a:ea typeface="Nunito"/>
+                <a:cs typeface="Nunito"/>
+                <a:sym typeface="Nunito"/>
+              </a:rPr>
+              <a:t>.</a:t>
+            </a:r>
+            <a:endParaRPr lang="en-US" dirty="0"/>
           </a:p>
         </p:txBody>
       </p:sp>
@@ -17702,7 +17786,7 @@
     </p:spTree>
     <p:extLst>
       <p:ext uri="{BB962C8B-B14F-4D97-AF65-F5344CB8AC3E}">
-        <p14:creationId xmlns:p14="http://schemas.microsoft.com/office/powerpoint/2010/main" val="2331333636"/>
+        <p14:creationId xmlns:p14="http://schemas.microsoft.com/office/powerpoint/2010/main" val="318097353"/>
       </p:ext>
     </p:extLst>
   </p:cSld>
@@ -17731,10 +17815,10 @@
       </p:grpSpPr>
       <p:sp>
         <p:nvSpPr>
-          <p:cNvPr id="2" name="Title 1">
+          <p:cNvPr id="2" name="Text Placeholder 1">
             <a:extLst>
               <a:ext uri="{FF2B5EF4-FFF2-40B4-BE49-F238E27FC236}">
-                <a16:creationId xmlns:a16="http://schemas.microsoft.com/office/drawing/2014/main" id="{91556312-D863-0258-95A6-3C3D9EFE4F0C}"/>
+                <a16:creationId xmlns:a16="http://schemas.microsoft.com/office/drawing/2014/main" id="{DEDB9BE8-C609-A873-CBBC-0CA104AA9588}"/>
               </a:ext>
             </a:extLst>
           </p:cNvPr>
@@ -17742,47 +17826,1038 @@
             <a:spLocks noGrp="1"/>
           </p:cNvSpPr>
           <p:nvPr>
-            <p:ph type="ctrTitle"/>
+            <p:ph type="body" sz="quarter" idx="13"/>
+          </p:nvPr>
+        </p:nvSpPr>
+        <p:spPr/>
+        <p:txBody>
+          <a:bodyPr/>
+          <a:lstStyle/>
+          <a:p>
+            <a:endParaRPr lang="en-US"/>
+          </a:p>
+        </p:txBody>
+      </p:sp>
+      <p:sp>
+        <p:nvSpPr>
+          <p:cNvPr id="3" name="Title 2">
+            <a:extLst>
+              <a:ext uri="{FF2B5EF4-FFF2-40B4-BE49-F238E27FC236}">
+                <a16:creationId xmlns:a16="http://schemas.microsoft.com/office/drawing/2014/main" id="{18AA4D6E-70D3-8C8F-AF9E-00FC624637F9}"/>
+              </a:ext>
+            </a:extLst>
+          </p:cNvPr>
+          <p:cNvSpPr>
+            <a:spLocks noGrp="1"/>
+          </p:cNvSpPr>
+          <p:nvPr>
+            <p:ph type="title"/>
           </p:nvPr>
         </p:nvSpPr>
         <p:spPr>
           <a:xfrm>
-            <a:off x="578426" y="2356506"/>
-            <a:ext cx="11035147" cy="2144988"/>
+            <a:off x="841248" y="365760"/>
+            <a:ext cx="11161644" cy="767936"/>
           </a:xfrm>
         </p:spPr>
         <p:txBody>
-          <a:bodyPr anchor="ctr">
+          <a:bodyPr>
             <a:normAutofit/>
           </a:bodyPr>
           <a:lstStyle/>
           <a:p>
             <a:r>
-              <a:rPr lang="en-US" sz="4400" b="1" dirty="0">
+              <a:rPr lang="en-US" dirty="0"/>
+              <a:t>Conclusions</a:t>
+            </a:r>
+            <a:r>
+              <a:rPr lang="en-US" b="0" dirty="0"/>
+              <a:t> – Communication (and Deployment)</a:t>
+            </a:r>
+          </a:p>
+        </p:txBody>
+      </p:sp>
+      <p:sp>
+        <p:nvSpPr>
+          <p:cNvPr id="4" name="Content Placeholder 3">
+            <a:extLst>
+              <a:ext uri="{FF2B5EF4-FFF2-40B4-BE49-F238E27FC236}">
+                <a16:creationId xmlns:a16="http://schemas.microsoft.com/office/drawing/2014/main" id="{4391D70F-9C2B-F376-3A6F-BE5CA85CF1FC}"/>
+              </a:ext>
+            </a:extLst>
+          </p:cNvPr>
+          <p:cNvSpPr>
+            <a:spLocks noGrp="1"/>
+          </p:cNvSpPr>
+          <p:nvPr>
+            <p:ph idx="1"/>
+          </p:nvPr>
+        </p:nvSpPr>
+        <p:spPr>
+          <a:xfrm>
+            <a:off x="841248" y="1207008"/>
+            <a:ext cx="10526663" cy="4969565"/>
+          </a:xfrm>
+        </p:spPr>
+        <p:txBody>
+          <a:bodyPr/>
+          <a:lstStyle/>
+          <a:p>
+            <a:pPr marL="177800" lvl="0" indent="-171450" algn="l" rtl="0">
+              <a:spcBef>
+                <a:spcPts val="0"/>
+              </a:spcBef>
+              <a:spcAft>
+                <a:spcPts val="0"/>
+              </a:spcAft>
+              <a:buSzPts val="2100"/>
+              <a:buFont typeface="Nunito"/>
+              <a:buChar char="•"/>
+            </a:pPr>
+            <a:r>
+              <a:rPr lang="en-US" dirty="0">
+                <a:latin typeface="Nunito"/>
+                <a:ea typeface="Nunito"/>
+                <a:cs typeface="Nunito"/>
+                <a:sym typeface="Nunito"/>
+              </a:rPr>
+              <a:t>I think using a </a:t>
+            </a:r>
+            <a:r>
+              <a:rPr lang="en-US" b="1" dirty="0">
+                <a:latin typeface="Nunito"/>
+                <a:ea typeface="Nunito"/>
+                <a:cs typeface="Nunito"/>
+                <a:sym typeface="Nunito"/>
+              </a:rPr>
+              <a:t>convoluted neural network model</a:t>
+            </a:r>
+            <a:r>
+              <a:rPr lang="en-US" dirty="0">
+                <a:latin typeface="Nunito"/>
+                <a:ea typeface="Nunito"/>
+                <a:cs typeface="Nunito"/>
+                <a:sym typeface="Nunito"/>
+              </a:rPr>
+              <a:t> with transfer learning from regular season data might be a better approach.</a:t>
+            </a:r>
+          </a:p>
+          <a:p>
+            <a:pPr marL="177800" lvl="0" indent="-171450" algn="l" rtl="0">
+              <a:spcBef>
+                <a:spcPts val="0"/>
+              </a:spcBef>
+              <a:spcAft>
+                <a:spcPts val="0"/>
+              </a:spcAft>
+              <a:buClr>
+                <a:schemeClr val="lt1"/>
+              </a:buClr>
+              <a:buSzPts val="2100"/>
+              <a:buFont typeface="Nunito"/>
+              <a:buChar char="•"/>
+            </a:pPr>
+            <a:r>
+              <a:rPr lang="en-US" dirty="0">
+                <a:solidFill>
+                  <a:schemeClr val="lt1"/>
+                </a:solidFill>
+                <a:latin typeface="Nunito"/>
+                <a:ea typeface="Nunito"/>
+                <a:cs typeface="Nunito"/>
+                <a:sym typeface="Nunito"/>
+              </a:rPr>
+              <a:t>.</a:t>
+            </a:r>
+          </a:p>
+          <a:p>
+            <a:pPr marL="177800" lvl="0" indent="-171450" algn="l" rtl="0">
+              <a:spcBef>
+                <a:spcPts val="0"/>
+              </a:spcBef>
+              <a:spcAft>
+                <a:spcPts val="0"/>
+              </a:spcAft>
+              <a:buSzPts val="2100"/>
+              <a:buFont typeface="Nunito"/>
+              <a:buChar char="•"/>
+            </a:pPr>
+            <a:r>
+              <a:rPr lang="en-US" dirty="0">
+                <a:latin typeface="Nunito"/>
+                <a:ea typeface="Nunito"/>
+                <a:cs typeface="Nunito"/>
+                <a:sym typeface="Nunito"/>
+              </a:rPr>
+              <a:t>The </a:t>
+            </a:r>
+            <a:r>
+              <a:rPr lang="en-US" b="1" dirty="0">
+                <a:latin typeface="Nunito"/>
+                <a:ea typeface="Nunito"/>
+                <a:cs typeface="Nunito"/>
+                <a:sym typeface="Nunito"/>
+              </a:rPr>
+              <a:t>brier score</a:t>
+            </a:r>
+            <a:r>
+              <a:rPr lang="en-US" dirty="0">
+                <a:latin typeface="Nunito"/>
+                <a:ea typeface="Nunito"/>
+                <a:cs typeface="Nunito"/>
+                <a:sym typeface="Nunito"/>
+              </a:rPr>
+              <a:t> metric was new for us, fully understanding this metric and using this metric to optimize model may also prove to be a smarter tactic.</a:t>
+            </a:r>
+            <a:endParaRPr lang="en-US" dirty="0"/>
+          </a:p>
+        </p:txBody>
+      </p:sp>
+      <p:sp>
+        <p:nvSpPr>
+          <p:cNvPr id="5" name="Slide Number Placeholder 5">
+            <a:extLst>
+              <a:ext uri="{FF2B5EF4-FFF2-40B4-BE49-F238E27FC236}">
+                <a16:creationId xmlns:a16="http://schemas.microsoft.com/office/drawing/2014/main" id="{8E0510B8-2E78-20E7-4DBB-06CABF68D68D}"/>
+              </a:ext>
+            </a:extLst>
+          </p:cNvPr>
+          <p:cNvSpPr>
+            <a:spLocks noGrp="1"/>
+          </p:cNvSpPr>
+          <p:nvPr>
+            <p:ph type="sldNum" sz="quarter" idx="12"/>
+          </p:nvPr>
+        </p:nvSpPr>
+        <p:spPr>
+          <a:xfrm>
+            <a:off x="8610600" y="6356350"/>
+            <a:ext cx="3028122" cy="365125"/>
+          </a:xfrm>
+          <a:prstGeom prst="rect">
+            <a:avLst/>
+          </a:prstGeom>
+        </p:spPr>
+        <p:txBody>
+          <a:bodyPr anchor="ctr"/>
+          <a:lstStyle>
+            <a:lvl1pPr algn="r">
+              <a:defRPr sz="1000">
                 <a:solidFill>
                   <a:schemeClr val="tx2"/>
                 </a:solidFill>
-                <a:latin typeface="SF Compact Rounded Heavy" pitchFamily="2" charset="77"/>
-                <a:ea typeface="SF Pro Display" pitchFamily="2" charset="0"/>
-                <a:cs typeface="Nirmala Text" panose="020B0604020202020204" pitchFamily="34" charset="0"/>
-              </a:rPr>
-              <a:t>Questions?</a:t>
-            </a:r>
-            <a:endParaRPr lang="en-US" sz="2400" b="1" dirty="0">
-              <a:solidFill>
-                <a:schemeClr val="tx2"/>
-              </a:solidFill>
-              <a:latin typeface="SF Compact Rounded Heavy" pitchFamily="2" charset="77"/>
-              <a:ea typeface="SF Pro Display" pitchFamily="2" charset="0"/>
-              <a:cs typeface="Nirmala Text" panose="020B0604020202020204" pitchFamily="34" charset="0"/>
-            </a:endParaRPr>
+                <a:latin typeface="SF Compact Rounded" pitchFamily="2" charset="77"/>
+              </a:defRPr>
+            </a:lvl1pPr>
+          </a:lstStyle>
+          <a:p>
+            <a:fld id="{1E7E87EC-D468-6B42-A141-7B085F32EA20}" type="slidenum">
+              <a:rPr lang="en-US" smtClean="0"/>
+              <a:pPr/>
+              <a:t>37</a:t>
+            </a:fld>
+            <a:endParaRPr lang="en-US" dirty="0"/>
           </a:p>
         </p:txBody>
       </p:sp>
     </p:spTree>
     <p:extLst>
       <p:ext uri="{BB962C8B-B14F-4D97-AF65-F5344CB8AC3E}">
-        <p14:creationId xmlns:p14="http://schemas.microsoft.com/office/powerpoint/2010/main" val="2314418978"/>
+        <p14:creationId xmlns:p14="http://schemas.microsoft.com/office/powerpoint/2010/main" val="516321824"/>
+      </p:ext>
+    </p:extLst>
+  </p:cSld>
+  <p:clrMapOvr>
+    <a:masterClrMapping/>
+  </p:clrMapOvr>
+</p:sld>
+</file>
+
+<file path=ppt/slides/slide38.xml><?xml version="1.0" encoding="utf-8"?>
+<p:sld xmlns:a="http://schemas.openxmlformats.org/drawingml/2006/main" xmlns:r="http://schemas.openxmlformats.org/officeDocument/2006/relationships" xmlns:p="http://schemas.openxmlformats.org/presentationml/2006/main">
+  <p:cSld>
+    <p:spTree>
+      <p:nvGrpSpPr>
+        <p:cNvPr id="1" name=""/>
+        <p:cNvGrpSpPr/>
+        <p:nvPr/>
+      </p:nvGrpSpPr>
+      <p:grpSpPr>
+        <a:xfrm>
+          <a:off x="0" y="0"/>
+          <a:ext cx="0" cy="0"/>
+          <a:chOff x="0" y="0"/>
+          <a:chExt cx="0" cy="0"/>
+        </a:xfrm>
+      </p:grpSpPr>
+      <p:sp>
+        <p:nvSpPr>
+          <p:cNvPr id="2" name="Text Placeholder 1">
+            <a:extLst>
+              <a:ext uri="{FF2B5EF4-FFF2-40B4-BE49-F238E27FC236}">
+                <a16:creationId xmlns:a16="http://schemas.microsoft.com/office/drawing/2014/main" id="{DEDB9BE8-C609-A873-CBBC-0CA104AA9588}"/>
+              </a:ext>
+            </a:extLst>
+          </p:cNvPr>
+          <p:cNvSpPr>
+            <a:spLocks noGrp="1"/>
+          </p:cNvSpPr>
+          <p:nvPr>
+            <p:ph type="body" sz="quarter" idx="13"/>
+          </p:nvPr>
+        </p:nvSpPr>
+        <p:spPr/>
+        <p:txBody>
+          <a:bodyPr/>
+          <a:lstStyle/>
+          <a:p>
+            <a:endParaRPr lang="en-US"/>
+          </a:p>
+        </p:txBody>
+      </p:sp>
+      <p:sp>
+        <p:nvSpPr>
+          <p:cNvPr id="3" name="Title 2">
+            <a:extLst>
+              <a:ext uri="{FF2B5EF4-FFF2-40B4-BE49-F238E27FC236}">
+                <a16:creationId xmlns:a16="http://schemas.microsoft.com/office/drawing/2014/main" id="{18AA4D6E-70D3-8C8F-AF9E-00FC624637F9}"/>
+              </a:ext>
+            </a:extLst>
+          </p:cNvPr>
+          <p:cNvSpPr>
+            <a:spLocks noGrp="1"/>
+          </p:cNvSpPr>
+          <p:nvPr>
+            <p:ph type="title"/>
+          </p:nvPr>
+        </p:nvSpPr>
+        <p:spPr>
+          <a:xfrm>
+            <a:off x="841248" y="365760"/>
+            <a:ext cx="11161644" cy="767936"/>
+          </a:xfrm>
+        </p:spPr>
+        <p:txBody>
+          <a:bodyPr>
+            <a:normAutofit/>
+          </a:bodyPr>
+          <a:lstStyle/>
+          <a:p>
+            <a:r>
+              <a:rPr lang="en-US" dirty="0"/>
+              <a:t>References</a:t>
+            </a:r>
+            <a:endParaRPr lang="en-US" b="0" dirty="0"/>
+          </a:p>
+        </p:txBody>
+      </p:sp>
+      <p:sp>
+        <p:nvSpPr>
+          <p:cNvPr id="4" name="Content Placeholder 3">
+            <a:extLst>
+              <a:ext uri="{FF2B5EF4-FFF2-40B4-BE49-F238E27FC236}">
+                <a16:creationId xmlns:a16="http://schemas.microsoft.com/office/drawing/2014/main" id="{4391D70F-9C2B-F376-3A6F-BE5CA85CF1FC}"/>
+              </a:ext>
+            </a:extLst>
+          </p:cNvPr>
+          <p:cNvSpPr>
+            <a:spLocks noGrp="1"/>
+          </p:cNvSpPr>
+          <p:nvPr>
+            <p:ph idx="1"/>
+          </p:nvPr>
+        </p:nvSpPr>
+        <p:spPr>
+          <a:xfrm>
+            <a:off x="841248" y="1207008"/>
+            <a:ext cx="10910485" cy="4969565"/>
+          </a:xfrm>
+        </p:spPr>
+        <p:txBody>
+          <a:bodyPr>
+            <a:normAutofit/>
+          </a:bodyPr>
+          <a:lstStyle/>
+          <a:p>
+            <a:pPr marL="0" indent="0">
+              <a:buNone/>
+            </a:pPr>
+            <a:r>
+              <a:rPr lang="en-US" sz="2000" dirty="0"/>
+              <a:t>1. David </a:t>
+            </a:r>
+            <a:r>
+              <a:rPr lang="en-US" sz="2000" dirty="0" err="1"/>
+              <a:t>Purdum</a:t>
+            </a:r>
+            <a:r>
+              <a:rPr lang="en-US" sz="2000" dirty="0"/>
+              <a:t> (2017). ESPN – 70 million brackets, $10.4 billion in bets expected for March Madness. American Gaming Association. </a:t>
+            </a:r>
+            <a:r>
+              <a:rPr lang="en-US" sz="2000" dirty="0">
+                <a:hlinkClick r:id="rId2"/>
+              </a:rPr>
+              <a:t>https://</a:t>
+            </a:r>
+            <a:r>
+              <a:rPr lang="en-US" sz="2000" dirty="0" err="1">
+                <a:hlinkClick r:id="rId2"/>
+              </a:rPr>
+              <a:t>www.americangaming.org</a:t>
+            </a:r>
+            <a:r>
+              <a:rPr lang="en-US" sz="2000" dirty="0">
+                <a:hlinkClick r:id="rId2"/>
+              </a:rPr>
+              <a:t>/new/espn-70-million-brackets-10-4-billion-in-bets-expected-for-march-madness/</a:t>
+            </a:r>
+            <a:r>
+              <a:rPr lang="en-US" sz="2000" dirty="0"/>
+              <a:t> accessed: 18 March 2023.</a:t>
+            </a:r>
+          </a:p>
+          <a:p>
+            <a:pPr marL="0" indent="0">
+              <a:buNone/>
+            </a:pPr>
+            <a:r>
+              <a:rPr lang="en-US" sz="2000" dirty="0"/>
+              <a:t>2. American Gaming Association (2022). 2022 March Madness Wagering Estimates. American Gaming Association. </a:t>
+            </a:r>
+            <a:r>
+              <a:rPr lang="en-US" sz="2000" dirty="0">
+                <a:hlinkClick r:id="rId3"/>
+              </a:rPr>
+              <a:t>https://</a:t>
+            </a:r>
+            <a:r>
+              <a:rPr lang="en-US" sz="2000" dirty="0" err="1">
+                <a:hlinkClick r:id="rId3"/>
+              </a:rPr>
+              <a:t>www.americangaming.org</a:t>
+            </a:r>
+            <a:r>
+              <a:rPr lang="en-US" sz="2000" dirty="0">
+                <a:hlinkClick r:id="rId3"/>
+              </a:rPr>
+              <a:t>/resources/march-madness-2022/</a:t>
+            </a:r>
+            <a:r>
+              <a:rPr lang="en-US" sz="2000" dirty="0"/>
+              <a:t> accessed: 18 March 2023.</a:t>
+            </a:r>
+          </a:p>
+          <a:p>
+            <a:pPr marL="0" indent="0">
+              <a:buNone/>
+            </a:pPr>
+            <a:r>
+              <a:rPr lang="en-US" sz="2000" dirty="0"/>
+              <a:t>3. Daniel Wilco (2023). The absurd odds of a perfect NCAA bracket. </a:t>
+            </a:r>
+            <a:r>
+              <a:rPr lang="en-US" sz="2000" dirty="0">
+                <a:hlinkClick r:id="rId4"/>
+              </a:rPr>
+              <a:t>https://</a:t>
+            </a:r>
+            <a:r>
+              <a:rPr lang="en-US" sz="2000" dirty="0" err="1">
+                <a:hlinkClick r:id="rId4"/>
+              </a:rPr>
+              <a:t>www.ncaa.com</a:t>
+            </a:r>
+            <a:r>
+              <a:rPr lang="en-US" sz="2000" dirty="0">
+                <a:hlinkClick r:id="rId4"/>
+              </a:rPr>
+              <a:t>/news/basketball-men/</a:t>
+            </a:r>
+            <a:r>
+              <a:rPr lang="en-US" sz="2000" dirty="0" err="1">
+                <a:hlinkClick r:id="rId4"/>
+              </a:rPr>
+              <a:t>bracketiq</a:t>
+            </a:r>
+            <a:r>
+              <a:rPr lang="en-US" sz="2000" dirty="0">
+                <a:hlinkClick r:id="rId4"/>
+              </a:rPr>
+              <a:t>/2023-03-16/perfect-</a:t>
+            </a:r>
+            <a:r>
+              <a:rPr lang="en-US" sz="2000" dirty="0" err="1">
+                <a:hlinkClick r:id="rId4"/>
+              </a:rPr>
+              <a:t>ncaa</a:t>
+            </a:r>
+            <a:r>
+              <a:rPr lang="en-US" sz="2000" dirty="0">
+                <a:hlinkClick r:id="rId4"/>
+              </a:rPr>
+              <a:t>-bracket-absurd-odds-march-madness-dream</a:t>
+            </a:r>
+            <a:r>
+              <a:rPr lang="en-US" sz="2000" dirty="0"/>
+              <a:t> accessed: 18 March 2023.</a:t>
+            </a:r>
+          </a:p>
+          <a:p>
+            <a:pPr marL="0" indent="0">
+              <a:buNone/>
+            </a:pPr>
+            <a:r>
+              <a:rPr lang="en-US" sz="2000" dirty="0"/>
+              <a:t>4. Brian </a:t>
+            </a:r>
+            <a:r>
+              <a:rPr lang="en-US" sz="2000" dirty="0" err="1"/>
+              <a:t>Budzynski</a:t>
+            </a:r>
+            <a:r>
+              <a:rPr lang="en-US" sz="2000" dirty="0"/>
+              <a:t> (2022). Who picked the best March Madness bracket of all time? </a:t>
+            </a:r>
+            <a:r>
+              <a:rPr lang="en-US" sz="2000" dirty="0">
+                <a:hlinkClick r:id="rId5"/>
+              </a:rPr>
+              <a:t>https://www.wavy.com/sports/ncaa-bastketball/who-picked-the-best-march-madness-bracket-of-all-time/</a:t>
+            </a:r>
+            <a:r>
+              <a:rPr lang="en-US" sz="2000" dirty="0"/>
+              <a:t> accessed: 18 March 2023.</a:t>
+            </a:r>
+          </a:p>
+          <a:p>
+            <a:pPr marL="0" indent="0">
+              <a:buNone/>
+            </a:pPr>
+            <a:r>
+              <a:rPr lang="en-US" sz="2000" dirty="0"/>
+              <a:t>5. Jeff </a:t>
+            </a:r>
+            <a:r>
+              <a:rPr lang="en-US" sz="2000" dirty="0" err="1"/>
+              <a:t>Sonas</a:t>
+            </a:r>
+            <a:r>
+              <a:rPr lang="en-US" sz="2000" dirty="0"/>
+              <a:t>, Last-Place Larry, Maggie, and Will </a:t>
+            </a:r>
+            <a:r>
+              <a:rPr lang="en-US" sz="2000" dirty="0" err="1"/>
+              <a:t>Cukierski</a:t>
+            </a:r>
+            <a:r>
+              <a:rPr lang="en-US" sz="2000" dirty="0"/>
+              <a:t> (2023). March Machine Learning Mania 2023. Kaggle. </a:t>
+            </a:r>
+            <a:r>
+              <a:rPr lang="en-US" sz="2000" dirty="0">
+                <a:hlinkClick r:id="rId6"/>
+              </a:rPr>
+              <a:t>https://kaggle.com/competitions/march-machine-learning-mania-2023</a:t>
+            </a:r>
+            <a:r>
+              <a:rPr lang="en-US" sz="2000" dirty="0"/>
+              <a:t> accessed: 18 March 2023.</a:t>
+            </a:r>
+          </a:p>
+        </p:txBody>
+      </p:sp>
+      <p:sp>
+        <p:nvSpPr>
+          <p:cNvPr id="5" name="Slide Number Placeholder 5">
+            <a:extLst>
+              <a:ext uri="{FF2B5EF4-FFF2-40B4-BE49-F238E27FC236}">
+                <a16:creationId xmlns:a16="http://schemas.microsoft.com/office/drawing/2014/main" id="{8E0510B8-2E78-20E7-4DBB-06CABF68D68D}"/>
+              </a:ext>
+            </a:extLst>
+          </p:cNvPr>
+          <p:cNvSpPr>
+            <a:spLocks noGrp="1"/>
+          </p:cNvSpPr>
+          <p:nvPr>
+            <p:ph type="sldNum" sz="quarter" idx="12"/>
+          </p:nvPr>
+        </p:nvSpPr>
+        <p:spPr>
+          <a:xfrm>
+            <a:off x="8610600" y="6356350"/>
+            <a:ext cx="3028122" cy="365125"/>
+          </a:xfrm>
+          <a:prstGeom prst="rect">
+            <a:avLst/>
+          </a:prstGeom>
+        </p:spPr>
+        <p:txBody>
+          <a:bodyPr anchor="ctr"/>
+          <a:lstStyle>
+            <a:lvl1pPr algn="r">
+              <a:defRPr sz="1000">
+                <a:solidFill>
+                  <a:schemeClr val="tx2"/>
+                </a:solidFill>
+                <a:latin typeface="SF Compact Rounded" pitchFamily="2" charset="77"/>
+              </a:defRPr>
+            </a:lvl1pPr>
+          </a:lstStyle>
+          <a:p>
+            <a:fld id="{1E7E87EC-D468-6B42-A141-7B085F32EA20}" type="slidenum">
+              <a:rPr lang="en-US" smtClean="0"/>
+              <a:pPr/>
+              <a:t>38</a:t>
+            </a:fld>
+            <a:endParaRPr lang="en-US" dirty="0"/>
+          </a:p>
+        </p:txBody>
+      </p:sp>
+    </p:spTree>
+    <p:extLst>
+      <p:ext uri="{BB962C8B-B14F-4D97-AF65-F5344CB8AC3E}">
+        <p14:creationId xmlns:p14="http://schemas.microsoft.com/office/powerpoint/2010/main" val="2215463546"/>
+      </p:ext>
+    </p:extLst>
+  </p:cSld>
+  <p:clrMapOvr>
+    <a:masterClrMapping/>
+  </p:clrMapOvr>
+</p:sld>
+</file>
+
+<file path=ppt/slides/slide39.xml><?xml version="1.0" encoding="utf-8"?>
+<p:sld xmlns:a="http://schemas.openxmlformats.org/drawingml/2006/main" xmlns:r="http://schemas.openxmlformats.org/officeDocument/2006/relationships" xmlns:p="http://schemas.openxmlformats.org/presentationml/2006/main">
+  <p:cSld>
+    <p:spTree>
+      <p:nvGrpSpPr>
+        <p:cNvPr id="1" name=""/>
+        <p:cNvGrpSpPr/>
+        <p:nvPr/>
+      </p:nvGrpSpPr>
+      <p:grpSpPr>
+        <a:xfrm>
+          <a:off x="0" y="0"/>
+          <a:ext cx="0" cy="0"/>
+          <a:chOff x="0" y="0"/>
+          <a:chExt cx="0" cy="0"/>
+        </a:xfrm>
+      </p:grpSpPr>
+      <p:sp>
+        <p:nvSpPr>
+          <p:cNvPr id="2" name="Text Placeholder 1">
+            <a:extLst>
+              <a:ext uri="{FF2B5EF4-FFF2-40B4-BE49-F238E27FC236}">
+                <a16:creationId xmlns:a16="http://schemas.microsoft.com/office/drawing/2014/main" id="{DEDB9BE8-C609-A873-CBBC-0CA104AA9588}"/>
+              </a:ext>
+            </a:extLst>
+          </p:cNvPr>
+          <p:cNvSpPr>
+            <a:spLocks noGrp="1"/>
+          </p:cNvSpPr>
+          <p:nvPr>
+            <p:ph type="body" sz="quarter" idx="13"/>
+          </p:nvPr>
+        </p:nvSpPr>
+        <p:spPr/>
+        <p:txBody>
+          <a:bodyPr/>
+          <a:lstStyle/>
+          <a:p>
+            <a:endParaRPr lang="en-US"/>
+          </a:p>
+        </p:txBody>
+      </p:sp>
+      <p:sp>
+        <p:nvSpPr>
+          <p:cNvPr id="3" name="Title 2">
+            <a:extLst>
+              <a:ext uri="{FF2B5EF4-FFF2-40B4-BE49-F238E27FC236}">
+                <a16:creationId xmlns:a16="http://schemas.microsoft.com/office/drawing/2014/main" id="{18AA4D6E-70D3-8C8F-AF9E-00FC624637F9}"/>
+              </a:ext>
+            </a:extLst>
+          </p:cNvPr>
+          <p:cNvSpPr>
+            <a:spLocks noGrp="1"/>
+          </p:cNvSpPr>
+          <p:nvPr>
+            <p:ph type="title"/>
+          </p:nvPr>
+        </p:nvSpPr>
+        <p:spPr>
+          <a:xfrm>
+            <a:off x="841248" y="365760"/>
+            <a:ext cx="11161644" cy="767936"/>
+          </a:xfrm>
+        </p:spPr>
+        <p:txBody>
+          <a:bodyPr>
+            <a:normAutofit/>
+          </a:bodyPr>
+          <a:lstStyle/>
+          <a:p>
+            <a:r>
+              <a:rPr lang="en-US" dirty="0"/>
+              <a:t>References</a:t>
+            </a:r>
+            <a:endParaRPr lang="en-US" b="0" dirty="0"/>
+          </a:p>
+        </p:txBody>
+      </p:sp>
+      <p:sp>
+        <p:nvSpPr>
+          <p:cNvPr id="4" name="Content Placeholder 3">
+            <a:extLst>
+              <a:ext uri="{FF2B5EF4-FFF2-40B4-BE49-F238E27FC236}">
+                <a16:creationId xmlns:a16="http://schemas.microsoft.com/office/drawing/2014/main" id="{4391D70F-9C2B-F376-3A6F-BE5CA85CF1FC}"/>
+              </a:ext>
+            </a:extLst>
+          </p:cNvPr>
+          <p:cNvSpPr>
+            <a:spLocks noGrp="1"/>
+          </p:cNvSpPr>
+          <p:nvPr>
+            <p:ph idx="1"/>
+          </p:nvPr>
+        </p:nvSpPr>
+        <p:spPr>
+          <a:xfrm>
+            <a:off x="841248" y="1207008"/>
+            <a:ext cx="10910485" cy="4969565"/>
+          </a:xfrm>
+        </p:spPr>
+        <p:txBody>
+          <a:bodyPr>
+            <a:normAutofit/>
+          </a:bodyPr>
+          <a:lstStyle/>
+          <a:p>
+            <a:pPr marL="50800" lvl="0" indent="0" algn="l" rtl="0">
+              <a:lnSpc>
+                <a:spcPct val="100000"/>
+              </a:lnSpc>
+              <a:spcBef>
+                <a:spcPts val="800"/>
+              </a:spcBef>
+              <a:spcAft>
+                <a:spcPts val="0"/>
+              </a:spcAft>
+              <a:buSzPts val="1400"/>
+              <a:buNone/>
+            </a:pPr>
+            <a:r>
+              <a:rPr lang="en-US" sz="2000" dirty="0">
+                <a:latin typeface="Nunito"/>
+                <a:ea typeface="Nunito"/>
+                <a:cs typeface="Nunito"/>
+                <a:sym typeface="Nunito"/>
+              </a:rPr>
+              <a:t>6. Chris Wright (2012). Statistical Predictors of March Madness: An Examination of the NCAA Men’s’ Basketball Championship. Thesis for Pomona College Economics Department. </a:t>
+            </a:r>
+          </a:p>
+          <a:p>
+            <a:pPr marL="50800" lvl="0" indent="0" algn="l" rtl="0">
+              <a:lnSpc>
+                <a:spcPct val="100000"/>
+              </a:lnSpc>
+              <a:spcBef>
+                <a:spcPts val="800"/>
+              </a:spcBef>
+              <a:spcAft>
+                <a:spcPts val="0"/>
+              </a:spcAft>
+              <a:buSzPts val="1400"/>
+              <a:buNone/>
+            </a:pPr>
+            <a:r>
+              <a:rPr lang="en-US" sz="2000" dirty="0">
+                <a:latin typeface="Nunito"/>
+                <a:ea typeface="Nunito"/>
+                <a:cs typeface="Nunito"/>
+                <a:sym typeface="Nunito"/>
+              </a:rPr>
+              <a:t>7. Alex Tran and Adam </a:t>
+            </a:r>
+            <a:r>
+              <a:rPr lang="en-US" sz="2000" dirty="0" err="1">
+                <a:latin typeface="Nunito"/>
+                <a:ea typeface="Nunito"/>
+                <a:cs typeface="Nunito"/>
+                <a:sym typeface="Nunito"/>
+              </a:rPr>
+              <a:t>Ginzberg</a:t>
+            </a:r>
+            <a:r>
+              <a:rPr lang="en-US" sz="2000" dirty="0">
+                <a:latin typeface="Nunito"/>
+                <a:ea typeface="Nunito"/>
+                <a:cs typeface="Nunito"/>
+                <a:sym typeface="Nunito"/>
+              </a:rPr>
+              <a:t> (2014). Making Sense of the Mayhem: Machine Learning and March Madness. Stanford CS229 Final Project paper December 2014.</a:t>
+            </a:r>
+          </a:p>
+          <a:p>
+            <a:pPr marL="50800" lvl="0" indent="0" algn="l" rtl="0">
+              <a:lnSpc>
+                <a:spcPct val="100000"/>
+              </a:lnSpc>
+              <a:spcBef>
+                <a:spcPts val="800"/>
+              </a:spcBef>
+              <a:spcAft>
+                <a:spcPts val="0"/>
+              </a:spcAft>
+              <a:buSzPts val="1400"/>
+              <a:buNone/>
+            </a:pPr>
+            <a:r>
+              <a:rPr lang="en-US" sz="2000" dirty="0">
+                <a:latin typeface="Nunito"/>
+                <a:ea typeface="Nunito"/>
+                <a:cs typeface="Nunito"/>
+                <a:sym typeface="Nunito"/>
+              </a:rPr>
+              <a:t>8. Levi Franklin (2014). Predicting March Madness: Winning the Office Pool. Stanford CS229 Final Project paper December 2014.</a:t>
+            </a:r>
+          </a:p>
+          <a:p>
+            <a:pPr marL="50800" lvl="0" indent="0" algn="l" rtl="0">
+              <a:lnSpc>
+                <a:spcPct val="100000"/>
+              </a:lnSpc>
+              <a:spcBef>
+                <a:spcPts val="800"/>
+              </a:spcBef>
+              <a:spcAft>
+                <a:spcPts val="0"/>
+              </a:spcAft>
+              <a:buSzPts val="1400"/>
+              <a:buNone/>
+            </a:pPr>
+            <a:r>
+              <a:rPr lang="en-US" sz="2000" dirty="0">
+                <a:latin typeface="Nunito"/>
+                <a:ea typeface="Nunito"/>
+                <a:cs typeface="Nunito"/>
+                <a:sym typeface="Nunito"/>
+              </a:rPr>
+              <a:t>9. Cody Kocher and Tim </a:t>
+            </a:r>
+            <a:r>
+              <a:rPr lang="en-US" sz="2000" dirty="0" err="1">
+                <a:latin typeface="Nunito"/>
+                <a:ea typeface="Nunito"/>
+                <a:cs typeface="Nunito"/>
+                <a:sym typeface="Nunito"/>
+              </a:rPr>
+              <a:t>Hoblin</a:t>
+            </a:r>
+            <a:r>
+              <a:rPr lang="en-US" sz="2000" dirty="0">
+                <a:latin typeface="Nunito"/>
+                <a:ea typeface="Nunito"/>
+                <a:cs typeface="Nunito"/>
+                <a:sym typeface="Nunito"/>
+              </a:rPr>
+              <a:t> (2018). Predictive Model for the NCAA Men’s Basketball Tournament. Ball State Undergraduate Mathematics Exchange vol 12(1) 15-23.</a:t>
+            </a:r>
+          </a:p>
+          <a:p>
+            <a:pPr marL="50800" lvl="0" indent="0" algn="l" rtl="0">
+              <a:lnSpc>
+                <a:spcPct val="100000"/>
+              </a:lnSpc>
+              <a:spcBef>
+                <a:spcPts val="800"/>
+              </a:spcBef>
+              <a:spcAft>
+                <a:spcPts val="0"/>
+              </a:spcAft>
+              <a:buSzPts val="1400"/>
+              <a:buNone/>
+            </a:pPr>
+            <a:r>
+              <a:rPr lang="en-US" sz="1800" b="0" i="0" u="none" strike="noStrike" dirty="0">
+                <a:solidFill>
+                  <a:srgbClr val="44546A"/>
+                </a:solidFill>
+                <a:effectLst/>
+                <a:latin typeface="Nunito" pitchFamily="2" charset="77"/>
+              </a:rPr>
+              <a:t>10. Zhang, </a:t>
+            </a:r>
+            <a:r>
+              <a:rPr lang="en-US" sz="1800" b="0" i="0" u="none" strike="noStrike" dirty="0" err="1">
+                <a:solidFill>
+                  <a:srgbClr val="44546A"/>
+                </a:solidFill>
+                <a:effectLst/>
+                <a:latin typeface="Nunito" pitchFamily="2" charset="77"/>
+              </a:rPr>
+              <a:t>Yudong</a:t>
+            </a:r>
+            <a:r>
+              <a:rPr lang="en-US" sz="1800" b="0" i="0" u="none" strike="noStrike" dirty="0">
+                <a:solidFill>
+                  <a:srgbClr val="44546A"/>
+                </a:solidFill>
+                <a:effectLst/>
+                <a:latin typeface="Nunito" pitchFamily="2" charset="77"/>
+              </a:rPr>
+              <a:t> &amp; Wang, </a:t>
+            </a:r>
+            <a:r>
+              <a:rPr lang="en-US" sz="1800" b="0" i="0" u="none" strike="noStrike" dirty="0" err="1">
+                <a:solidFill>
+                  <a:srgbClr val="44546A"/>
+                </a:solidFill>
+                <a:effectLst/>
+                <a:latin typeface="Nunito" pitchFamily="2" charset="77"/>
+              </a:rPr>
+              <a:t>Shuihua</a:t>
+            </a:r>
+            <a:r>
+              <a:rPr lang="en-US" sz="1800" b="0" i="0" u="none" strike="noStrike" dirty="0">
+                <a:solidFill>
+                  <a:srgbClr val="44546A"/>
+                </a:solidFill>
+                <a:effectLst/>
+                <a:latin typeface="Nunito" pitchFamily="2" charset="77"/>
+              </a:rPr>
+              <a:t> &amp; ji, </a:t>
+            </a:r>
+            <a:r>
+              <a:rPr lang="en-US" sz="1800" b="0" i="0" u="none" strike="noStrike" dirty="0" err="1">
+                <a:solidFill>
+                  <a:srgbClr val="44546A"/>
+                </a:solidFill>
+                <a:effectLst/>
+                <a:latin typeface="Nunito" pitchFamily="2" charset="77"/>
+              </a:rPr>
+              <a:t>Genlin</a:t>
+            </a:r>
+            <a:r>
+              <a:rPr lang="en-US" sz="1800" b="0" i="0" u="none" strike="noStrike" dirty="0">
+                <a:solidFill>
+                  <a:srgbClr val="44546A"/>
+                </a:solidFill>
+                <a:effectLst/>
+                <a:latin typeface="Nunito" pitchFamily="2" charset="77"/>
+              </a:rPr>
+              <a:t>. (2013). A Rule-Based Model for Bankruptcy Prediction Based on an Improved Genetic Ant Colony Algorithm. Mathematical Problems in Engineering. 2013. </a:t>
+            </a:r>
+            <a:r>
+              <a:rPr lang="en-US" sz="1800" b="0" i="0" u="none" strike="noStrike" dirty="0">
+                <a:solidFill>
+                  <a:srgbClr val="44546A"/>
+                </a:solidFill>
+                <a:effectLst/>
+                <a:latin typeface="Nunito" pitchFamily="2" charset="77"/>
+                <a:hlinkClick r:id="rId2"/>
+              </a:rPr>
+              <a:t>https://</a:t>
+            </a:r>
+            <a:r>
+              <a:rPr lang="en-US" sz="1800" b="0" i="0" u="none" strike="noStrike" dirty="0" err="1">
+                <a:solidFill>
+                  <a:srgbClr val="44546A"/>
+                </a:solidFill>
+                <a:effectLst/>
+                <a:latin typeface="Nunito" pitchFamily="2" charset="77"/>
+                <a:hlinkClick r:id="rId2"/>
+              </a:rPr>
+              <a:t>www.hindawi.com</a:t>
+            </a:r>
+            <a:r>
+              <a:rPr lang="en-US" sz="1800" b="0" i="0" u="none" strike="noStrike" dirty="0">
+                <a:solidFill>
+                  <a:srgbClr val="44546A"/>
+                </a:solidFill>
+                <a:effectLst/>
+                <a:latin typeface="Nunito" pitchFamily="2" charset="77"/>
+                <a:hlinkClick r:id="rId2"/>
+              </a:rPr>
+              <a:t>/journals/</a:t>
+            </a:r>
+            <a:r>
+              <a:rPr lang="en-US" sz="1800" b="0" i="0" u="none" strike="noStrike" dirty="0" err="1">
+                <a:solidFill>
+                  <a:srgbClr val="44546A"/>
+                </a:solidFill>
+                <a:effectLst/>
+                <a:latin typeface="Nunito" pitchFamily="2" charset="77"/>
+                <a:hlinkClick r:id="rId2"/>
+              </a:rPr>
+              <a:t>mpe</a:t>
+            </a:r>
+            <a:r>
+              <a:rPr lang="en-US" sz="1800" b="0" i="0" u="none" strike="noStrike" dirty="0">
+                <a:solidFill>
+                  <a:srgbClr val="44546A"/>
+                </a:solidFill>
+                <a:effectLst/>
+                <a:latin typeface="Nunito" pitchFamily="2" charset="77"/>
+                <a:hlinkClick r:id="rId2"/>
+              </a:rPr>
+              <a:t>/2013/753251/</a:t>
+            </a:r>
+            <a:endParaRPr lang="en-US" sz="2000" dirty="0"/>
+          </a:p>
+        </p:txBody>
+      </p:sp>
+      <p:sp>
+        <p:nvSpPr>
+          <p:cNvPr id="5" name="Slide Number Placeholder 5">
+            <a:extLst>
+              <a:ext uri="{FF2B5EF4-FFF2-40B4-BE49-F238E27FC236}">
+                <a16:creationId xmlns:a16="http://schemas.microsoft.com/office/drawing/2014/main" id="{8E0510B8-2E78-20E7-4DBB-06CABF68D68D}"/>
+              </a:ext>
+            </a:extLst>
+          </p:cNvPr>
+          <p:cNvSpPr>
+            <a:spLocks noGrp="1"/>
+          </p:cNvSpPr>
+          <p:nvPr>
+            <p:ph type="sldNum" sz="quarter" idx="12"/>
+          </p:nvPr>
+        </p:nvSpPr>
+        <p:spPr>
+          <a:xfrm>
+            <a:off x="8610600" y="6356350"/>
+            <a:ext cx="3028122" cy="365125"/>
+          </a:xfrm>
+          <a:prstGeom prst="rect">
+            <a:avLst/>
+          </a:prstGeom>
+        </p:spPr>
+        <p:txBody>
+          <a:bodyPr anchor="ctr"/>
+          <a:lstStyle>
+            <a:lvl1pPr algn="r">
+              <a:defRPr sz="1000">
+                <a:solidFill>
+                  <a:schemeClr val="tx2"/>
+                </a:solidFill>
+                <a:latin typeface="SF Compact Rounded" pitchFamily="2" charset="77"/>
+              </a:defRPr>
+            </a:lvl1pPr>
+          </a:lstStyle>
+          <a:p>
+            <a:fld id="{1E7E87EC-D468-6B42-A141-7B085F32EA20}" type="slidenum">
+              <a:rPr lang="en-US" smtClean="0"/>
+              <a:pPr/>
+              <a:t>39</a:t>
+            </a:fld>
+            <a:endParaRPr lang="en-US" dirty="0"/>
+          </a:p>
+        </p:txBody>
+      </p:sp>
+    </p:spTree>
+    <p:extLst>
+      <p:ext uri="{BB962C8B-B14F-4D97-AF65-F5344CB8AC3E}">
+        <p14:creationId xmlns:p14="http://schemas.microsoft.com/office/powerpoint/2010/main" val="2331333636"/>
       </p:ext>
     </p:extLst>
   </p:cSld>
@@ -18113,6 +19188,86 @@
       <p:bldP spid="4" grpId="0" uiExpand="1" build="p"/>
     </p:bldLst>
   </p:timing>
+</p:sld>
+</file>
+
+<file path=ppt/slides/slide40.xml><?xml version="1.0" encoding="utf-8"?>
+<p:sld xmlns:a="http://schemas.openxmlformats.org/drawingml/2006/main" xmlns:r="http://schemas.openxmlformats.org/officeDocument/2006/relationships" xmlns:p="http://schemas.openxmlformats.org/presentationml/2006/main">
+  <p:cSld>
+    <p:spTree>
+      <p:nvGrpSpPr>
+        <p:cNvPr id="1" name=""/>
+        <p:cNvGrpSpPr/>
+        <p:nvPr/>
+      </p:nvGrpSpPr>
+      <p:grpSpPr>
+        <a:xfrm>
+          <a:off x="0" y="0"/>
+          <a:ext cx="0" cy="0"/>
+          <a:chOff x="0" y="0"/>
+          <a:chExt cx="0" cy="0"/>
+        </a:xfrm>
+      </p:grpSpPr>
+      <p:sp>
+        <p:nvSpPr>
+          <p:cNvPr id="2" name="Title 1">
+            <a:extLst>
+              <a:ext uri="{FF2B5EF4-FFF2-40B4-BE49-F238E27FC236}">
+                <a16:creationId xmlns:a16="http://schemas.microsoft.com/office/drawing/2014/main" id="{91556312-D863-0258-95A6-3C3D9EFE4F0C}"/>
+              </a:ext>
+            </a:extLst>
+          </p:cNvPr>
+          <p:cNvSpPr>
+            <a:spLocks noGrp="1"/>
+          </p:cNvSpPr>
+          <p:nvPr>
+            <p:ph type="ctrTitle"/>
+          </p:nvPr>
+        </p:nvSpPr>
+        <p:spPr>
+          <a:xfrm>
+            <a:off x="578426" y="2356506"/>
+            <a:ext cx="11035147" cy="2144988"/>
+          </a:xfrm>
+        </p:spPr>
+        <p:txBody>
+          <a:bodyPr anchor="ctr">
+            <a:normAutofit/>
+          </a:bodyPr>
+          <a:lstStyle/>
+          <a:p>
+            <a:r>
+              <a:rPr lang="en-US" sz="4400" b="1" dirty="0">
+                <a:solidFill>
+                  <a:schemeClr val="tx2"/>
+                </a:solidFill>
+                <a:latin typeface="SF Compact Rounded Heavy" pitchFamily="2" charset="77"/>
+                <a:ea typeface="SF Pro Display" pitchFamily="2" charset="0"/>
+                <a:cs typeface="Nirmala Text" panose="020B0604020202020204" pitchFamily="34" charset="0"/>
+              </a:rPr>
+              <a:t>Questions?</a:t>
+            </a:r>
+            <a:endParaRPr lang="en-US" sz="2400" b="1" dirty="0">
+              <a:solidFill>
+                <a:schemeClr val="tx2"/>
+              </a:solidFill>
+              <a:latin typeface="SF Compact Rounded Heavy" pitchFamily="2" charset="77"/>
+              <a:ea typeface="SF Pro Display" pitchFamily="2" charset="0"/>
+              <a:cs typeface="Nirmala Text" panose="020B0604020202020204" pitchFamily="34" charset="0"/>
+            </a:endParaRPr>
+          </a:p>
+        </p:txBody>
+      </p:sp>
+    </p:spTree>
+    <p:extLst>
+      <p:ext uri="{BB962C8B-B14F-4D97-AF65-F5344CB8AC3E}">
+        <p14:creationId xmlns:p14="http://schemas.microsoft.com/office/powerpoint/2010/main" val="2314418978"/>
+      </p:ext>
+    </p:extLst>
+  </p:cSld>
+  <p:clrMapOvr>
+    <a:masterClrMapping/>
+  </p:clrMapOvr>
 </p:sld>
 </file>
 
@@ -24186,6 +25341,53 @@
           </a:p>
           <a:p>
             <a:r>
+              <a:rPr lang="en" sz="3200" dirty="0">
+                <a:latin typeface="Nunito"/>
+                <a:ea typeface="Nunito"/>
+                <a:cs typeface="Nunito"/>
+                <a:sym typeface="Nunito"/>
+              </a:rPr>
+              <a:t>odds of completing a 'perfect bracket' are  2</a:t>
+            </a:r>
+            <a:r>
+              <a:rPr lang="en" sz="3200" baseline="30000" dirty="0">
+                <a:latin typeface="Nunito"/>
+                <a:ea typeface="Nunito"/>
+                <a:cs typeface="Nunito"/>
+                <a:sym typeface="Nunito"/>
+              </a:rPr>
+              <a:t>63</a:t>
+            </a:r>
+            <a:r>
+              <a:rPr lang="en" sz="3200" dirty="0">
+                <a:latin typeface="Nunito"/>
+                <a:ea typeface="Nunito"/>
+                <a:cs typeface="Nunito"/>
+                <a:sym typeface="Nunito"/>
+              </a:rPr>
+              <a:t> or 1 in 9,223,372,036, 854,775,808 - </a:t>
+            </a:r>
+            <a:r>
+              <a:rPr lang="en" sz="3200" b="1" dirty="0">
+                <a:latin typeface="Nunito"/>
+                <a:ea typeface="Nunito"/>
+                <a:cs typeface="Nunito"/>
+                <a:sym typeface="Nunito"/>
+              </a:rPr>
+              <a:t>1 in 9.2 quintillion</a:t>
+            </a:r>
+            <a:r>
+              <a:rPr lang="en" sz="3200" baseline="30000" dirty="0">
+                <a:latin typeface="Nunito"/>
+                <a:ea typeface="Nunito"/>
+                <a:cs typeface="Nunito"/>
+                <a:sym typeface="Nunito"/>
+              </a:rPr>
+              <a:t> [3]</a:t>
+            </a:r>
+          </a:p>
+          <a:p>
+            <a:r>
               <a:rPr lang="en-US" sz="3200" dirty="0">
                 <a:effectLst/>
               </a:rPr>
@@ -24204,26 +25406,6 @@
             <a:endParaRPr lang="en-US" sz="3200" b="1" dirty="0">
               <a:effectLst/>
             </a:endParaRPr>
-          </a:p>
-          <a:p>
-            <a:r>
-              <a:rPr lang="en-US" sz="3200" dirty="0">
-                <a:effectLst/>
-              </a:rPr>
-              <a:t>popular reference to the tournament as </a:t>
-            </a:r>
-            <a:r>
-              <a:rPr lang="en-US" sz="3200" b="1" dirty="0">
-                <a:effectLst/>
-              </a:rPr>
-              <a:t>'March Madness</a:t>
-            </a:r>
-            <a:r>
-              <a:rPr lang="en-US" sz="3200" dirty="0">
-                <a:effectLst/>
-              </a:rPr>
-              <a:t>'</a:t>
-            </a:r>
           </a:p>
           <a:p>
             <a:r>
@@ -24308,137 +25490,6 @@
   <p:clrMapOvr>
     <a:masterClrMapping/>
   </p:clrMapOvr>
-  <p:timing>
-    <p:tnLst>
-      <p:par>
-        <p:cTn id="1" dur="indefinite" restart="never" nodeType="tmRoot">
-          <p:childTnLst>
-            <p:seq concurrent="1" nextAc="seek">
-              <p:cTn id="2" dur="indefinite" nodeType="mainSeq">
-                <p:childTnLst>
-                  <p:par>
-                    <p:cTn id="3" fill="hold">
-                      <p:stCondLst>
-                        <p:cond delay="indefinite"/>
-                      </p:stCondLst>
-                      <p:childTnLst>
-                        <p:par>
-                          <p:cTn id="4" fill="hold">
-                            <p:stCondLst>
-                              <p:cond delay="0"/>
-                            </p:stCondLst>
-                            <p:childTnLst>
-                              <p:par>
-                                <p:cTn id="5" presetID="1" presetClass="entr" presetSubtype="0" fill="hold" grpId="0" nodeType="clickEffect">
-                                  <p:stCondLst>
-                                    <p:cond delay="0"/>
-                                  </p:stCondLst>
-                                  <p:childTnLst>
-                                    <p:set>
-                                      <p:cBhvr>
-                                        <p:cTn id="6" dur="1" fill="hold">
-                                          <p:stCondLst>
-                                            <p:cond delay="0"/>
-                                          </p:stCondLst>
-                                        </p:cTn>
-                                        <p:tgtEl>
-                                          <p:spTgt spid="4">
-                                            <p:txEl>
-                                              <p:pRg st="4" end="4"/>
-                                            </p:txEl>
-                                          </p:spTgt>
-                                        </p:tgtEl>
-                                        <p:attrNameLst>
-                                          <p:attrName>style.visibility</p:attrName>
-                                        </p:attrNameLst>
-                                      </p:cBhvr>
-                                      <p:to>
-                                        <p:strVal val="visible"/>
-                                      </p:to>
-                                    </p:set>
-                                  </p:childTnLst>
-                                </p:cTn>
-                              </p:par>
-                            </p:childTnLst>
-                          </p:cTn>
-                        </p:par>
-                      </p:childTnLst>
-                    </p:cTn>
-                  </p:par>
-                  <p:par>
-                    <p:cTn id="7" fill="hold">
-                      <p:stCondLst>
-                        <p:cond delay="indefinite"/>
-                      </p:stCondLst>
-                      <p:childTnLst>
-                        <p:par>
-                          <p:cTn id="8" fill="hold">
-                            <p:stCondLst>
-                              <p:cond delay="0"/>
-                            </p:stCondLst>
-                            <p:childTnLst>
-                              <p:par>
-                                <p:cTn id="9" presetID="1" presetClass="entr" presetSubtype="0" fill="hold" grpId="0" nodeType="clickEffect">
-                                  <p:stCondLst>
-                                    <p:cond delay="0"/>
-                                  </p:stCondLst>
-                                  <p:childTnLst>
-                                    <p:set>
-                                      <p:cBhvr>
-                                        <p:cTn id="10" dur="1" fill="hold">
-                                          <p:stCondLst>
-                                            <p:cond delay="0"/>
-                                          </p:stCondLst>
-                                        </p:cTn>
-                                        <p:tgtEl>
-                                          <p:spTgt spid="4">
-                                            <p:txEl>
-                                              <p:pRg st="5" end="5"/>
-                                            </p:txEl>
-                                          </p:spTgt>
-                                        </p:tgtEl>
-                                        <p:attrNameLst>
-                                          <p:attrName>style.visibility</p:attrName>
-                                        </p:attrNameLst>
-                                      </p:cBhvr>
-                                      <p:to>
-                                        <p:strVal val="visible"/>
-                                      </p:to>
-                                    </p:set>
-                                  </p:childTnLst>
-                                </p:cTn>
-                              </p:par>
-                            </p:childTnLst>
-                          </p:cTn>
-                        </p:par>
-                      </p:childTnLst>
-                    </p:cTn>
-                  </p:par>
-                </p:childTnLst>
-              </p:cTn>
-              <p:prevCondLst>
-                <p:cond evt="onPrev" delay="0">
-                  <p:tgtEl>
-                    <p:sldTgt/>
-                  </p:tgtEl>
-                </p:cond>
-              </p:prevCondLst>
-              <p:nextCondLst>
-                <p:cond evt="onNext" delay="0">
-                  <p:tgtEl>
-                    <p:sldTgt/>
-                  </p:tgtEl>
-                </p:cond>
-              </p:nextCondLst>
-            </p:seq>
-          </p:childTnLst>
-        </p:cTn>
-      </p:par>
-    </p:tnLst>
-    <p:bldLst>
-      <p:bldP spid="4" grpId="0" uiExpand="1" build="p"/>
-    </p:bldLst>
-  </p:timing>
 </p:sld>
 </file>
 

--- a/project-presentation.pptx
+++ b/project-presentation.pptx
@@ -32,8 +32,8 @@
     <p:sldId id="303" r:id="rId23"/>
     <p:sldId id="347" r:id="rId24"/>
     <p:sldId id="341" r:id="rId25"/>
-    <p:sldId id="306" r:id="rId26"/>
-    <p:sldId id="302" r:id="rId27"/>
+    <p:sldId id="302" r:id="rId26"/>
+    <p:sldId id="306" r:id="rId27"/>
     <p:sldId id="323" r:id="rId28"/>
     <p:sldId id="335" r:id="rId29"/>
     <p:sldId id="336" r:id="rId30"/>
@@ -1101,7 +1101,7 @@
           <a:p>
             <a:fld id="{6A2EE0E5-999F-FB48-B8EB-A3E963776233}" type="slidenum">
               <a:rPr lang="en-US" smtClean="0"/>
-              <a:t>25</a:t>
+              <a:t>26</a:t>
             </a:fld>
             <a:endParaRPr lang="en-US"/>
           </a:p>
@@ -5486,7 +5486,7 @@
                 </a:solidFill>
                 <a:effectLst/>
               </a:rPr>
-              <a:t>Predict the probability of all possible matchup between the 64 teams selected for the 2023 College Basketball Tournament  (64 * 63/2 = 2,048 predictions)</a:t>
+              <a:t>Predict the probability of all possible matchup between the 64 teams selected for the College Basketball Tournament  (64 * 63/2 = 2,048 predictions)</a:t>
             </a:r>
           </a:p>
         </p:txBody>
@@ -11099,86 +11099,6 @@
       </p:grpSpPr>
       <p:sp>
         <p:nvSpPr>
-          <p:cNvPr id="2" name="Title 1">
-            <a:extLst>
-              <a:ext uri="{FF2B5EF4-FFF2-40B4-BE49-F238E27FC236}">
-                <a16:creationId xmlns:a16="http://schemas.microsoft.com/office/drawing/2014/main" id="{91556312-D863-0258-95A6-3C3D9EFE4F0C}"/>
-              </a:ext>
-            </a:extLst>
-          </p:cNvPr>
-          <p:cNvSpPr>
-            <a:spLocks noGrp="1"/>
-          </p:cNvSpPr>
-          <p:nvPr>
-            <p:ph type="ctrTitle"/>
-          </p:nvPr>
-        </p:nvSpPr>
-        <p:spPr>
-          <a:xfrm>
-            <a:off x="578426" y="2356506"/>
-            <a:ext cx="11035147" cy="2144988"/>
-          </a:xfrm>
-        </p:spPr>
-        <p:txBody>
-          <a:bodyPr anchor="ctr">
-            <a:normAutofit/>
-          </a:bodyPr>
-          <a:lstStyle/>
-          <a:p>
-            <a:r>
-              <a:rPr lang="en-US" sz="4400" b="1" dirty="0">
-                <a:solidFill>
-                  <a:schemeClr val="tx2"/>
-                </a:solidFill>
-                <a:latin typeface="SF Compact Rounded Heavy" pitchFamily="2" charset="77"/>
-                <a:ea typeface="SF Pro Display" pitchFamily="2" charset="0"/>
-                <a:cs typeface="Nirmala Text" panose="020B0604020202020204" pitchFamily="34" charset="0"/>
-              </a:rPr>
-              <a:t>Results</a:t>
-            </a:r>
-            <a:endParaRPr lang="en-US" sz="2400" b="1" dirty="0">
-              <a:solidFill>
-                <a:schemeClr val="tx2"/>
-              </a:solidFill>
-              <a:latin typeface="SF Compact Rounded Heavy" pitchFamily="2" charset="77"/>
-              <a:ea typeface="SF Pro Display" pitchFamily="2" charset="0"/>
-              <a:cs typeface="Nirmala Text" panose="020B0604020202020204" pitchFamily="34" charset="0"/>
-            </a:endParaRPr>
-          </a:p>
-        </p:txBody>
-      </p:sp>
-    </p:spTree>
-    <p:extLst>
-      <p:ext uri="{BB962C8B-B14F-4D97-AF65-F5344CB8AC3E}">
-        <p14:creationId xmlns:p14="http://schemas.microsoft.com/office/powerpoint/2010/main" val="25825248"/>
-      </p:ext>
-    </p:extLst>
-  </p:cSld>
-  <p:clrMapOvr>
-    <a:masterClrMapping/>
-  </p:clrMapOvr>
-</p:sld>
-</file>
-
-<file path=ppt/slides/slide26.xml><?xml version="1.0" encoding="utf-8"?>
-<p:sld xmlns:a="http://schemas.openxmlformats.org/drawingml/2006/main" xmlns:r="http://schemas.openxmlformats.org/officeDocument/2006/relationships" xmlns:p="http://schemas.openxmlformats.org/presentationml/2006/main">
-  <p:cSld>
-    <p:spTree>
-      <p:nvGrpSpPr>
-        <p:cNvPr id="1" name=""/>
-        <p:cNvGrpSpPr/>
-        <p:nvPr/>
-      </p:nvGrpSpPr>
-      <p:grpSpPr>
-        <a:xfrm>
-          <a:off x="0" y="0"/>
-          <a:ext cx="0" cy="0"/>
-          <a:chOff x="0" y="0"/>
-          <a:chExt cx="0" cy="0"/>
-        </a:xfrm>
-      </p:grpSpPr>
-      <p:sp>
-        <p:nvSpPr>
           <p:cNvPr id="2" name="Text Placeholder 1">
             <a:extLst>
               <a:ext uri="{FF2B5EF4-FFF2-40B4-BE49-F238E27FC236}">
@@ -11282,7 +11202,7 @@
             <a:fld id="{1E7E87EC-D468-6B42-A141-7B085F32EA20}" type="slidenum">
               <a:rPr lang="en-US" smtClean="0"/>
               <a:pPr/>
-              <a:t>26</a:t>
+              <a:t>25</a:t>
             </a:fld>
             <a:endParaRPr lang="en-US" dirty="0"/>
           </a:p>
@@ -13604,6 +13524,86 @@
 </p:sld>
 </file>
 
+<file path=ppt/slides/slide26.xml><?xml version="1.0" encoding="utf-8"?>
+<p:sld xmlns:a="http://schemas.openxmlformats.org/drawingml/2006/main" xmlns:r="http://schemas.openxmlformats.org/officeDocument/2006/relationships" xmlns:p="http://schemas.openxmlformats.org/presentationml/2006/main">
+  <p:cSld>
+    <p:spTree>
+      <p:nvGrpSpPr>
+        <p:cNvPr id="1" name=""/>
+        <p:cNvGrpSpPr/>
+        <p:nvPr/>
+      </p:nvGrpSpPr>
+      <p:grpSpPr>
+        <a:xfrm>
+          <a:off x="0" y="0"/>
+          <a:ext cx="0" cy="0"/>
+          <a:chOff x="0" y="0"/>
+          <a:chExt cx="0" cy="0"/>
+        </a:xfrm>
+      </p:grpSpPr>
+      <p:sp>
+        <p:nvSpPr>
+          <p:cNvPr id="2" name="Title 1">
+            <a:extLst>
+              <a:ext uri="{FF2B5EF4-FFF2-40B4-BE49-F238E27FC236}">
+                <a16:creationId xmlns:a16="http://schemas.microsoft.com/office/drawing/2014/main" id="{91556312-D863-0258-95A6-3C3D9EFE4F0C}"/>
+              </a:ext>
+            </a:extLst>
+          </p:cNvPr>
+          <p:cNvSpPr>
+            <a:spLocks noGrp="1"/>
+          </p:cNvSpPr>
+          <p:nvPr>
+            <p:ph type="ctrTitle"/>
+          </p:nvPr>
+        </p:nvSpPr>
+        <p:spPr>
+          <a:xfrm>
+            <a:off x="578426" y="2356506"/>
+            <a:ext cx="11035147" cy="2144988"/>
+          </a:xfrm>
+        </p:spPr>
+        <p:txBody>
+          <a:bodyPr anchor="ctr">
+            <a:normAutofit/>
+          </a:bodyPr>
+          <a:lstStyle/>
+          <a:p>
+            <a:r>
+              <a:rPr lang="en-US" sz="4400" b="1" dirty="0">
+                <a:solidFill>
+                  <a:schemeClr val="tx2"/>
+                </a:solidFill>
+                <a:latin typeface="SF Compact Rounded Heavy" pitchFamily="2" charset="77"/>
+                <a:ea typeface="SF Pro Display" pitchFamily="2" charset="0"/>
+                <a:cs typeface="Nirmala Text" panose="020B0604020202020204" pitchFamily="34" charset="0"/>
+              </a:rPr>
+              <a:t>Results</a:t>
+            </a:r>
+            <a:endParaRPr lang="en-US" sz="2400" b="1" dirty="0">
+              <a:solidFill>
+                <a:schemeClr val="tx2"/>
+              </a:solidFill>
+              <a:latin typeface="SF Compact Rounded Heavy" pitchFamily="2" charset="77"/>
+              <a:ea typeface="SF Pro Display" pitchFamily="2" charset="0"/>
+              <a:cs typeface="Nirmala Text" panose="020B0604020202020204" pitchFamily="34" charset="0"/>
+            </a:endParaRPr>
+          </a:p>
+        </p:txBody>
+      </p:sp>
+    </p:spTree>
+    <p:extLst>
+      <p:ext uri="{BB962C8B-B14F-4D97-AF65-F5344CB8AC3E}">
+        <p14:creationId xmlns:p14="http://schemas.microsoft.com/office/powerpoint/2010/main" val="25825248"/>
+      </p:ext>
+    </p:extLst>
+  </p:cSld>
+  <p:clrMapOvr>
+    <a:masterClrMapping/>
+  </p:clrMapOvr>
+</p:sld>
+</file>
+
 <file path=ppt/slides/slide27.xml><?xml version="1.0" encoding="utf-8"?>
 <p:sld xmlns:a="http://schemas.openxmlformats.org/drawingml/2006/main" xmlns:r="http://schemas.openxmlformats.org/officeDocument/2006/relationships" xmlns:p="http://schemas.openxmlformats.org/presentationml/2006/main">
   <p:cSld>
@@ -15463,7 +15463,7 @@
 </file>
 
 <file path=ppt/slides/slide29.xml><?xml version="1.0" encoding="utf-8"?>
-<p:sld xmlns:a="http://schemas.openxmlformats.org/drawingml/2006/main" xmlns:r="http://schemas.openxmlformats.org/officeDocument/2006/relationships" xmlns:p="http://schemas.openxmlformats.org/presentationml/2006/main">
+<p:sld xmlns:a="http://schemas.openxmlformats.org/drawingml/2006/main" xmlns:r="http://schemas.openxmlformats.org/officeDocument/2006/relationships" xmlns:p="http://schemas.openxmlformats.org/presentationml/2006/main" show="0">
   <p:cSld>
     <p:spTree>
       <p:nvGrpSpPr>
@@ -15807,7 +15807,7 @@
 </file>
 
 <file path=ppt/slides/slide30.xml><?xml version="1.0" encoding="utf-8"?>
-<p:sld xmlns:a="http://schemas.openxmlformats.org/drawingml/2006/main" xmlns:r="http://schemas.openxmlformats.org/officeDocument/2006/relationships" xmlns:p="http://schemas.openxmlformats.org/presentationml/2006/main">
+<p:sld xmlns:a="http://schemas.openxmlformats.org/drawingml/2006/main" xmlns:r="http://schemas.openxmlformats.org/officeDocument/2006/relationships" xmlns:p="http://schemas.openxmlformats.org/presentationml/2006/main" show="0">
   <p:cSld>
     <p:spTree>
       <p:nvGrpSpPr>
@@ -16071,7 +16071,7 @@
 </file>
 
 <file path=ppt/slides/slide31.xml><?xml version="1.0" encoding="utf-8"?>
-<p:sld xmlns:a="http://schemas.openxmlformats.org/drawingml/2006/main" xmlns:r="http://schemas.openxmlformats.org/officeDocument/2006/relationships" xmlns:p="http://schemas.openxmlformats.org/presentationml/2006/main">
+<p:sld xmlns:a="http://schemas.openxmlformats.org/drawingml/2006/main" xmlns:r="http://schemas.openxmlformats.org/officeDocument/2006/relationships" xmlns:p="http://schemas.openxmlformats.org/presentationml/2006/main" show="0">
   <p:cSld>
     <p:spTree>
       <p:nvGrpSpPr>
@@ -17694,7 +17694,25 @@
                 <a:cs typeface="Nunito"/>
                 <a:sym typeface="Nunito"/>
               </a:rPr>
-              <a:t>’ and ‘</a:t>
+              <a:t>’ and </a:t>
+            </a:r>
+            <a:r>
+              <a:rPr lang="en-US">
+                <a:latin typeface="Nunito"/>
+                <a:ea typeface="Nunito"/>
+                <a:cs typeface="Nunito"/>
+                <a:sym typeface="Nunito"/>
+              </a:rPr>
+              <a:t>‘</a:t>
+            </a:r>
+            <a:r>
+              <a:rPr lang="en-US" b="1">
+                <a:latin typeface="Nunito"/>
+                <a:ea typeface="Nunito"/>
+                <a:cs typeface="Nunito"/>
+                <a:sym typeface="Nunito"/>
+              </a:rPr>
+              <a:t>tired </a:t>
             </a:r>
             <a:r>
               <a:rPr lang="en-US" b="1" dirty="0">
@@ -17703,7 +17721,7 @@
                 <a:cs typeface="Nunito"/>
                 <a:sym typeface="Nunito"/>
               </a:rPr>
-              <a:t>tried team</a:t>
+              <a:t>team</a:t>
             </a:r>
             <a:r>
               <a:rPr lang="en-US" dirty="0">
